--- a/docs/cs410 final project_v1.pptx
+++ b/docs/cs410 final project_v1.pptx
@@ -3412,623 +3412,6 @@
           </a:p>
         </p:txBody>
       </p:sp>
-      <p:graphicFrame>
-        <p:nvGraphicFramePr>
-          <p:cNvPr id="9" name="Table 8">
-            <a:extLst>
-              <a:ext uri="{FF2B5EF4-FFF2-40B4-BE49-F238E27FC236}">
-                <a16:creationId xmlns:a16="http://schemas.microsoft.com/office/drawing/2014/main" id="{DFFA49DC-D83F-FD62-3961-8D1686F9F8FD}"/>
-              </a:ext>
-            </a:extLst>
-          </p:cNvPr>
-          <p:cNvGraphicFramePr>
-            <a:graphicFrameLocks noGrp="1"/>
-          </p:cNvGraphicFramePr>
-          <p:nvPr>
-            <p:extLst>
-              <p:ext uri="{D42A27DB-BD31-4B8C-83A1-F6EECF244321}">
-                <p14:modId xmlns:p14="http://schemas.microsoft.com/office/powerpoint/2010/main" val="2545876357"/>
-              </p:ext>
-            </p:extLst>
-          </p:nvPr>
-        </p:nvGraphicFramePr>
-        <p:xfrm>
-          <a:off x="274392" y="4168545"/>
-          <a:ext cx="6952975" cy="1576275"/>
-        </p:xfrm>
-        <a:graphic>
-          <a:graphicData uri="http://schemas.openxmlformats.org/drawingml/2006/table">
-            <a:tbl>
-              <a:tblPr firstRow="1" bandRow="1">
-                <a:tableStyleId>{C083E6E3-FA7D-4D7B-A595-EF9225AFEA82}</a:tableStyleId>
-              </a:tblPr>
-              <a:tblGrid>
-                <a:gridCol w="1390595">
-                  <a:extLst>
-                    <a:ext uri="{9D8B030D-6E8A-4147-A177-3AD203B41FA5}">
-                      <a16:colId xmlns:a16="http://schemas.microsoft.com/office/drawing/2014/main" val="3316613107"/>
-                    </a:ext>
-                  </a:extLst>
-                </a:gridCol>
-                <a:gridCol w="1390595">
-                  <a:extLst>
-                    <a:ext uri="{9D8B030D-6E8A-4147-A177-3AD203B41FA5}">
-                      <a16:colId xmlns:a16="http://schemas.microsoft.com/office/drawing/2014/main" val="4065112024"/>
-                    </a:ext>
-                  </a:extLst>
-                </a:gridCol>
-                <a:gridCol w="1390595">
-                  <a:extLst>
-                    <a:ext uri="{9D8B030D-6E8A-4147-A177-3AD203B41FA5}">
-                      <a16:colId xmlns:a16="http://schemas.microsoft.com/office/drawing/2014/main" val="2289020803"/>
-                    </a:ext>
-                  </a:extLst>
-                </a:gridCol>
-                <a:gridCol w="1390595">
-                  <a:extLst>
-                    <a:ext uri="{9D8B030D-6E8A-4147-A177-3AD203B41FA5}">
-                      <a16:colId xmlns:a16="http://schemas.microsoft.com/office/drawing/2014/main" val="3006722418"/>
-                    </a:ext>
-                  </a:extLst>
-                </a:gridCol>
-                <a:gridCol w="1390595">
-                  <a:extLst>
-                    <a:ext uri="{9D8B030D-6E8A-4147-A177-3AD203B41FA5}">
-                      <a16:colId xmlns:a16="http://schemas.microsoft.com/office/drawing/2014/main" val="3047965245"/>
-                    </a:ext>
-                  </a:extLst>
-                </a:gridCol>
-              </a:tblGrid>
-              <a:tr h="315255">
-                <a:tc>
-                  <a:txBody>
-                    <a:bodyPr/>
-                    <a:lstStyle/>
-                    <a:p>
-                      <a:endParaRPr lang="en-US" sz="1400" dirty="0"/>
-                    </a:p>
-                  </a:txBody>
-                  <a:tcPr/>
-                </a:tc>
-                <a:tc>
-                  <a:txBody>
-                    <a:bodyPr/>
-                    <a:lstStyle/>
-                    <a:p>
-                      <a:r>
-                        <a:rPr lang="en-US" sz="1400" dirty="0"/>
-                        <a:t>Precision</a:t>
-                      </a:r>
-                    </a:p>
-                  </a:txBody>
-                  <a:tcPr/>
-                </a:tc>
-                <a:tc>
-                  <a:txBody>
-                    <a:bodyPr/>
-                    <a:lstStyle/>
-                    <a:p>
-                      <a:r>
-                        <a:rPr lang="en-US" sz="1400" dirty="0"/>
-                        <a:t>Recall</a:t>
-                      </a:r>
-                    </a:p>
-                  </a:txBody>
-                  <a:tcPr/>
-                </a:tc>
-                <a:tc>
-                  <a:txBody>
-                    <a:bodyPr/>
-                    <a:lstStyle/>
-                    <a:p>
-                      <a:r>
-                        <a:rPr lang="en-US" sz="1400" dirty="0"/>
-                        <a:t>F1-score</a:t>
-                      </a:r>
-                    </a:p>
-                  </a:txBody>
-                  <a:tcPr/>
-                </a:tc>
-                <a:tc>
-                  <a:txBody>
-                    <a:bodyPr/>
-                    <a:lstStyle/>
-                    <a:p>
-                      <a:r>
-                        <a:rPr lang="en-US" sz="1400" dirty="0"/>
-                        <a:t>Support</a:t>
-                      </a:r>
-                    </a:p>
-                  </a:txBody>
-                  <a:tcPr/>
-                </a:tc>
-                <a:extLst>
-                  <a:ext uri="{0D108BD9-81ED-4DB2-BD59-A6C34878D82A}">
-                    <a16:rowId xmlns:a16="http://schemas.microsoft.com/office/drawing/2014/main" val="3723781388"/>
-                  </a:ext>
-                </a:extLst>
-              </a:tr>
-              <a:tr h="315255">
-                <a:tc>
-                  <a:txBody>
-                    <a:bodyPr/>
-                    <a:lstStyle/>
-                    <a:p>
-                      <a:endParaRPr lang="en-US" sz="1400" dirty="0"/>
-                    </a:p>
-                  </a:txBody>
-                  <a:tcPr/>
-                </a:tc>
-                <a:tc>
-                  <a:txBody>
-                    <a:bodyPr/>
-                    <a:lstStyle/>
-                    <a:p>
-                      <a:endParaRPr lang="en-US" sz="1400" dirty="0"/>
-                    </a:p>
-                  </a:txBody>
-                  <a:tcPr/>
-                </a:tc>
-                <a:tc>
-                  <a:txBody>
-                    <a:bodyPr/>
-                    <a:lstStyle/>
-                    <a:p>
-                      <a:endParaRPr lang="en-US" sz="1400"/>
-                    </a:p>
-                  </a:txBody>
-                  <a:tcPr/>
-                </a:tc>
-                <a:tc>
-                  <a:txBody>
-                    <a:bodyPr/>
-                    <a:lstStyle/>
-                    <a:p>
-                      <a:endParaRPr lang="en-US" sz="1400"/>
-                    </a:p>
-                  </a:txBody>
-                  <a:tcPr/>
-                </a:tc>
-                <a:tc>
-                  <a:txBody>
-                    <a:bodyPr/>
-                    <a:lstStyle/>
-                    <a:p>
-                      <a:endParaRPr lang="en-US" sz="1400"/>
-                    </a:p>
-                  </a:txBody>
-                  <a:tcPr/>
-                </a:tc>
-                <a:extLst>
-                  <a:ext uri="{0D108BD9-81ED-4DB2-BD59-A6C34878D82A}">
-                    <a16:rowId xmlns:a16="http://schemas.microsoft.com/office/drawing/2014/main" val="2479040546"/>
-                  </a:ext>
-                </a:extLst>
-              </a:tr>
-              <a:tr h="315255">
-                <a:tc>
-                  <a:txBody>
-                    <a:bodyPr/>
-                    <a:lstStyle/>
-                    <a:p>
-                      <a:r>
-                        <a:rPr lang="en-US" sz="1400" dirty="0"/>
-                        <a:t>Accuracy</a:t>
-                      </a:r>
-                    </a:p>
-                  </a:txBody>
-                  <a:tcPr/>
-                </a:tc>
-                <a:tc>
-                  <a:txBody>
-                    <a:bodyPr/>
-                    <a:lstStyle/>
-                    <a:p>
-                      <a:endParaRPr lang="en-US" sz="1400" dirty="0"/>
-                    </a:p>
-                  </a:txBody>
-                  <a:tcPr/>
-                </a:tc>
-                <a:tc>
-                  <a:txBody>
-                    <a:bodyPr/>
-                    <a:lstStyle/>
-                    <a:p>
-                      <a:endParaRPr lang="en-US" sz="1400" dirty="0"/>
-                    </a:p>
-                  </a:txBody>
-                  <a:tcPr/>
-                </a:tc>
-                <a:tc>
-                  <a:txBody>
-                    <a:bodyPr/>
-                    <a:lstStyle/>
-                    <a:p>
-                      <a:endParaRPr lang="en-US" sz="1400"/>
-                    </a:p>
-                  </a:txBody>
-                  <a:tcPr/>
-                </a:tc>
-                <a:tc>
-                  <a:txBody>
-                    <a:bodyPr/>
-                    <a:lstStyle/>
-                    <a:p>
-                      <a:endParaRPr lang="en-US" sz="1400"/>
-                    </a:p>
-                  </a:txBody>
-                  <a:tcPr/>
-                </a:tc>
-                <a:extLst>
-                  <a:ext uri="{0D108BD9-81ED-4DB2-BD59-A6C34878D82A}">
-                    <a16:rowId xmlns:a16="http://schemas.microsoft.com/office/drawing/2014/main" val="2695798934"/>
-                  </a:ext>
-                </a:extLst>
-              </a:tr>
-              <a:tr h="315255">
-                <a:tc>
-                  <a:txBody>
-                    <a:bodyPr/>
-                    <a:lstStyle/>
-                    <a:p>
-                      <a:r>
-                        <a:rPr lang="en-US" sz="1400" dirty="0"/>
-                        <a:t>Macro avg.</a:t>
-                      </a:r>
-                    </a:p>
-                  </a:txBody>
-                  <a:tcPr/>
-                </a:tc>
-                <a:tc>
-                  <a:txBody>
-                    <a:bodyPr/>
-                    <a:lstStyle/>
-                    <a:p>
-                      <a:endParaRPr lang="en-US" sz="1400"/>
-                    </a:p>
-                  </a:txBody>
-                  <a:tcPr/>
-                </a:tc>
-                <a:tc>
-                  <a:txBody>
-                    <a:bodyPr/>
-                    <a:lstStyle/>
-                    <a:p>
-                      <a:endParaRPr lang="en-US" sz="1400" dirty="0"/>
-                    </a:p>
-                  </a:txBody>
-                  <a:tcPr/>
-                </a:tc>
-                <a:tc>
-                  <a:txBody>
-                    <a:bodyPr/>
-                    <a:lstStyle/>
-                    <a:p>
-                      <a:endParaRPr lang="en-US" sz="1400" dirty="0"/>
-                    </a:p>
-                  </a:txBody>
-                  <a:tcPr/>
-                </a:tc>
-                <a:tc>
-                  <a:txBody>
-                    <a:bodyPr/>
-                    <a:lstStyle/>
-                    <a:p>
-                      <a:endParaRPr lang="en-US" sz="1400" dirty="0"/>
-                    </a:p>
-                  </a:txBody>
-                  <a:tcPr/>
-                </a:tc>
-                <a:extLst>
-                  <a:ext uri="{0D108BD9-81ED-4DB2-BD59-A6C34878D82A}">
-                    <a16:rowId xmlns:a16="http://schemas.microsoft.com/office/drawing/2014/main" val="3400326281"/>
-                  </a:ext>
-                </a:extLst>
-              </a:tr>
-              <a:tr h="315255">
-                <a:tc>
-                  <a:txBody>
-                    <a:bodyPr/>
-                    <a:lstStyle/>
-                    <a:p>
-                      <a:r>
-                        <a:rPr lang="en-US" sz="1400" dirty="0"/>
-                        <a:t>Weighted avg.</a:t>
-                      </a:r>
-                    </a:p>
-                  </a:txBody>
-                  <a:tcPr/>
-                </a:tc>
-                <a:tc>
-                  <a:txBody>
-                    <a:bodyPr/>
-                    <a:lstStyle/>
-                    <a:p>
-                      <a:endParaRPr lang="en-US" sz="1400" dirty="0"/>
-                    </a:p>
-                  </a:txBody>
-                  <a:tcPr/>
-                </a:tc>
-                <a:tc>
-                  <a:txBody>
-                    <a:bodyPr/>
-                    <a:lstStyle/>
-                    <a:p>
-                      <a:endParaRPr lang="en-US" sz="1400" dirty="0"/>
-                    </a:p>
-                  </a:txBody>
-                  <a:tcPr/>
-                </a:tc>
-                <a:tc>
-                  <a:txBody>
-                    <a:bodyPr/>
-                    <a:lstStyle/>
-                    <a:p>
-                      <a:endParaRPr lang="en-US" sz="1400" dirty="0"/>
-                    </a:p>
-                  </a:txBody>
-                  <a:tcPr/>
-                </a:tc>
-                <a:tc>
-                  <a:txBody>
-                    <a:bodyPr/>
-                    <a:lstStyle/>
-                    <a:p>
-                      <a:endParaRPr lang="en-US" sz="1400" dirty="0"/>
-                    </a:p>
-                  </a:txBody>
-                  <a:tcPr/>
-                </a:tc>
-                <a:extLst>
-                  <a:ext uri="{0D108BD9-81ED-4DB2-BD59-A6C34878D82A}">
-                    <a16:rowId xmlns:a16="http://schemas.microsoft.com/office/drawing/2014/main" val="567793856"/>
-                  </a:ext>
-                </a:extLst>
-              </a:tr>
-            </a:tbl>
-          </a:graphicData>
-        </a:graphic>
-      </p:graphicFrame>
-      <p:sp>
-        <p:nvSpPr>
-          <p:cNvPr id="10" name="Text Placeholder 1">
-            <a:extLst>
-              <a:ext uri="{FF2B5EF4-FFF2-40B4-BE49-F238E27FC236}">
-                <a16:creationId xmlns:a16="http://schemas.microsoft.com/office/drawing/2014/main" id="{65C938EA-1D56-C1FF-A509-57DF5A3BFA95}"/>
-              </a:ext>
-            </a:extLst>
-          </p:cNvPr>
-          <p:cNvSpPr txBox="1">
-            <a:spLocks/>
-          </p:cNvSpPr>
-          <p:nvPr/>
-        </p:nvSpPr>
-        <p:spPr>
-          <a:xfrm>
-            <a:off x="198963" y="3746388"/>
-            <a:ext cx="2474663" cy="430887"/>
-          </a:xfrm>
-          <a:prstGeom prst="rect">
-            <a:avLst/>
-          </a:prstGeom>
-        </p:spPr>
-        <p:txBody>
-          <a:bodyPr vert="horz" wrap="square" lIns="91440" tIns="91440" rIns="182880" bIns="91440" rtlCol="0">
-            <a:spAutoFit/>
-          </a:bodyPr>
-          <a:lstStyle>
-            <a:lvl1pPr marL="228462" marR="0" indent="-228462" algn="l" defTabSz="913632" rtl="0" eaLnBrk="1" fontAlgn="auto" latinLnBrk="0" hangingPunct="1">
-              <a:lnSpc>
-                <a:spcPct val="100000"/>
-              </a:lnSpc>
-              <a:spcBef>
-                <a:spcPts val="0"/>
-              </a:spcBef>
-              <a:spcAft>
-                <a:spcPts val="600"/>
-              </a:spcAft>
-              <a:buClr>
-                <a:schemeClr val="tx1">
-                  <a:lumMod val="50000"/>
-                </a:schemeClr>
-              </a:buClr>
-              <a:buSzPct val="90000"/>
-              <a:buFont typeface="Arial" pitchFamily="34" charset="0"/>
-              <a:buChar char="•"/>
-              <a:tabLst/>
-              <a:defRPr sz="1600" b="0" i="0" kern="1200" spc="0" baseline="0">
-                <a:solidFill>
-                  <a:schemeClr val="accent1"/>
-                </a:solidFill>
-                <a:latin typeface="+mn-lt"/>
-                <a:ea typeface="Helvetica Neue" panose="02000503000000020004" pitchFamily="2" charset="0"/>
-                <a:cs typeface="Helvetica Neue" panose="02000503000000020004" pitchFamily="2" charset="0"/>
-              </a:defRPr>
-            </a:lvl1pPr>
-            <a:lvl2pPr marL="458512" marR="0" indent="-172934" algn="l" defTabSz="913632" rtl="0" eaLnBrk="1" fontAlgn="auto" latinLnBrk="0" hangingPunct="1">
-              <a:lnSpc>
-                <a:spcPct val="100000"/>
-              </a:lnSpc>
-              <a:spcBef>
-                <a:spcPts val="0"/>
-              </a:spcBef>
-              <a:spcAft>
-                <a:spcPts val="600"/>
-              </a:spcAft>
-              <a:buClr>
-                <a:schemeClr val="tx1">
-                  <a:lumMod val="50000"/>
-                </a:schemeClr>
-              </a:buClr>
-              <a:buSzPct val="90000"/>
-              <a:buFont typeface="Arial" pitchFamily="34" charset="0"/>
-              <a:buChar char="•"/>
-              <a:tabLst/>
-              <a:defRPr sz="1400" b="0" i="0" kern="1200" spc="0" baseline="0">
-                <a:solidFill>
-                  <a:schemeClr val="accent1"/>
-                </a:solidFill>
-                <a:latin typeface="+mn-lt"/>
-                <a:ea typeface="Helvetica Neue" panose="02000503000000020004" pitchFamily="2" charset="0"/>
-                <a:cs typeface="Helvetica Neue" panose="02000503000000020004" pitchFamily="2" charset="0"/>
-              </a:defRPr>
-            </a:lvl2pPr>
-            <a:lvl3pPr marL="631446" marR="0" indent="-115818" algn="l" defTabSz="913632" rtl="0" eaLnBrk="1" fontAlgn="auto" latinLnBrk="0" hangingPunct="1">
-              <a:lnSpc>
-                <a:spcPct val="100000"/>
-              </a:lnSpc>
-              <a:spcBef>
-                <a:spcPts val="0"/>
-              </a:spcBef>
-              <a:spcAft>
-                <a:spcPts val="600"/>
-              </a:spcAft>
-              <a:buClr>
-                <a:schemeClr val="tx1">
-                  <a:lumMod val="50000"/>
-                </a:schemeClr>
-              </a:buClr>
-              <a:buSzPct val="90000"/>
-              <a:buFont typeface="Arial" pitchFamily="34" charset="0"/>
-              <a:buChar char="•"/>
-              <a:tabLst/>
-              <a:defRPr sz="1200" b="0" i="0" kern="1200" spc="0" baseline="0">
-                <a:solidFill>
-                  <a:schemeClr val="accent1"/>
-                </a:solidFill>
-                <a:latin typeface="+mn-lt"/>
-                <a:ea typeface="Helvetica Neue" panose="02000503000000020004" pitchFamily="2" charset="0"/>
-                <a:cs typeface="Helvetica Neue" panose="02000503000000020004" pitchFamily="2" charset="0"/>
-              </a:defRPr>
-            </a:lvl3pPr>
-            <a:lvl4pPr marL="802793" marR="0" indent="-114232" algn="l" defTabSz="913632" rtl="0" eaLnBrk="1" fontAlgn="auto" latinLnBrk="0" hangingPunct="1">
-              <a:lnSpc>
-                <a:spcPct val="100000"/>
-              </a:lnSpc>
-              <a:spcBef>
-                <a:spcPts val="0"/>
-              </a:spcBef>
-              <a:spcAft>
-                <a:spcPts val="600"/>
-              </a:spcAft>
-              <a:buClr>
-                <a:schemeClr val="tx1">
-                  <a:lumMod val="50000"/>
-                </a:schemeClr>
-              </a:buClr>
-              <a:buSzPct val="90000"/>
-              <a:buFont typeface="Arial" pitchFamily="34" charset="0"/>
-              <a:buChar char="•"/>
-              <a:tabLst/>
-              <a:defRPr sz="1050" b="0" i="0" kern="1200" spc="0" baseline="0">
-                <a:solidFill>
-                  <a:schemeClr val="accent1"/>
-                </a:solidFill>
-                <a:latin typeface="+mn-lt"/>
-                <a:ea typeface="Helvetica Neue" panose="02000503000000020004" pitchFamily="2" charset="0"/>
-                <a:cs typeface="Helvetica Neue" panose="02000503000000020004" pitchFamily="2" charset="0"/>
-              </a:defRPr>
-            </a:lvl4pPr>
-            <a:lvl5pPr marL="975727" marR="0" indent="-120578" algn="l" defTabSz="913632" rtl="0" eaLnBrk="1" fontAlgn="auto" latinLnBrk="0" hangingPunct="1">
-              <a:lnSpc>
-                <a:spcPct val="100000"/>
-              </a:lnSpc>
-              <a:spcBef>
-                <a:spcPts val="0"/>
-              </a:spcBef>
-              <a:spcAft>
-                <a:spcPts val="600"/>
-              </a:spcAft>
-              <a:buClr>
-                <a:schemeClr val="tx1">
-                  <a:lumMod val="50000"/>
-                </a:schemeClr>
-              </a:buClr>
-              <a:buSzPct val="90000"/>
-              <a:buFont typeface="Arial" pitchFamily="34" charset="0"/>
-              <a:buChar char="•"/>
-              <a:tabLst/>
-              <a:defRPr sz="900" b="0" i="0" kern="1200" spc="0" baseline="0">
-                <a:solidFill>
-                  <a:schemeClr val="accent1"/>
-                </a:solidFill>
-                <a:latin typeface="+mn-lt"/>
-                <a:ea typeface="Helvetica Neue" panose="02000503000000020004" pitchFamily="2" charset="0"/>
-                <a:cs typeface="Helvetica Neue" panose="02000503000000020004" pitchFamily="2" charset="0"/>
-              </a:defRPr>
-            </a:lvl5pPr>
-            <a:lvl6pPr marL="2512488" indent="-228408" algn="l" defTabSz="913632" rtl="0" eaLnBrk="1" latinLnBrk="0" hangingPunct="1">
-              <a:spcBef>
-                <a:spcPct val="20000"/>
-              </a:spcBef>
-              <a:buFont typeface="Arial" pitchFamily="34" charset="0"/>
-              <a:buChar char="•"/>
-              <a:defRPr sz="1958" kern="1200">
-                <a:solidFill>
-                  <a:schemeClr val="tx1"/>
-                </a:solidFill>
-                <a:latin typeface="+mn-lt"/>
-                <a:ea typeface="+mn-ea"/>
-                <a:cs typeface="+mn-cs"/>
-              </a:defRPr>
-            </a:lvl6pPr>
-            <a:lvl7pPr marL="2969305" indent="-228408" algn="l" defTabSz="913632" rtl="0" eaLnBrk="1" latinLnBrk="0" hangingPunct="1">
-              <a:spcBef>
-                <a:spcPct val="20000"/>
-              </a:spcBef>
-              <a:buFont typeface="Arial" pitchFamily="34" charset="0"/>
-              <a:buChar char="•"/>
-              <a:defRPr sz="1958" kern="1200">
-                <a:solidFill>
-                  <a:schemeClr val="tx1"/>
-                </a:solidFill>
-                <a:latin typeface="+mn-lt"/>
-                <a:ea typeface="+mn-ea"/>
-                <a:cs typeface="+mn-cs"/>
-              </a:defRPr>
-            </a:lvl7pPr>
-            <a:lvl8pPr marL="3426121" indent="-228408" algn="l" defTabSz="913632" rtl="0" eaLnBrk="1" latinLnBrk="0" hangingPunct="1">
-              <a:spcBef>
-                <a:spcPct val="20000"/>
-              </a:spcBef>
-              <a:buFont typeface="Arial" pitchFamily="34" charset="0"/>
-              <a:buChar char="•"/>
-              <a:defRPr sz="1958" kern="1200">
-                <a:solidFill>
-                  <a:schemeClr val="tx1"/>
-                </a:solidFill>
-                <a:latin typeface="+mn-lt"/>
-                <a:ea typeface="+mn-ea"/>
-                <a:cs typeface="+mn-cs"/>
-              </a:defRPr>
-            </a:lvl8pPr>
-            <a:lvl9pPr marL="3882937" indent="-228408" algn="l" defTabSz="913632" rtl="0" eaLnBrk="1" latinLnBrk="0" hangingPunct="1">
-              <a:spcBef>
-                <a:spcPct val="20000"/>
-              </a:spcBef>
-              <a:buFont typeface="Arial" pitchFamily="34" charset="0"/>
-              <a:buChar char="•"/>
-              <a:defRPr sz="1958" kern="1200">
-                <a:solidFill>
-                  <a:schemeClr val="tx1"/>
-                </a:solidFill>
-                <a:latin typeface="+mn-lt"/>
-                <a:ea typeface="+mn-ea"/>
-                <a:cs typeface="+mn-cs"/>
-              </a:defRPr>
-            </a:lvl9pPr>
-          </a:lstStyle>
-          <a:p>
-            <a:pPr marL="0" indent="0">
-              <a:buNone/>
-            </a:pPr>
-            <a:r>
-              <a:rPr lang="en-US" b="1" dirty="0"/>
-              <a:t>Classification Report</a:t>
-            </a:r>
-          </a:p>
-        </p:txBody>
-      </p:sp>
       <p:sp>
         <p:nvSpPr>
           <p:cNvPr id="11" name="Text Placeholder 1">
@@ -4266,6 +3649,67 @@
             <a:r>
               <a:rPr lang="en-US" b="1" dirty="0"/>
               <a:t>Precision Recall Plot</a:t>
+            </a:r>
+          </a:p>
+        </p:txBody>
+      </p:sp>
+      <p:sp>
+        <p:nvSpPr>
+          <p:cNvPr id="5" name="TextBox 4">
+            <a:extLst>
+              <a:ext uri="{FF2B5EF4-FFF2-40B4-BE49-F238E27FC236}">
+                <a16:creationId xmlns:a16="http://schemas.microsoft.com/office/drawing/2014/main" id="{2A0B7F7F-5B42-B826-59E9-B68AC0B163FB}"/>
+              </a:ext>
+            </a:extLst>
+          </p:cNvPr>
+          <p:cNvSpPr txBox="1"/>
+          <p:nvPr/>
+        </p:nvSpPr>
+        <p:spPr>
+          <a:xfrm>
+            <a:off x="109510" y="5288899"/>
+            <a:ext cx="8881404" cy="1200329"/>
+          </a:xfrm>
+          <a:prstGeom prst="rect">
+            <a:avLst/>
+          </a:prstGeom>
+          <a:noFill/>
+        </p:spPr>
+        <p:txBody>
+          <a:bodyPr wrap="square">
+            <a:spAutoFit/>
+          </a:bodyPr>
+          <a:lstStyle/>
+          <a:p>
+            <a:r>
+              <a:rPr lang="en-US" dirty="0">
+                <a:effectLst/>
+                <a:latin typeface="Menlo" panose="020B0609030804020204" pitchFamily="49" charset="0"/>
+              </a:rPr>
+              <a:t>Results for </a:t>
+            </a:r>
+            <a:r>
+              <a:rPr lang="en-US" dirty="0" err="1">
+                <a:effectLst/>
+                <a:latin typeface="Menlo" panose="020B0609030804020204" pitchFamily="49" charset="0"/>
+              </a:rPr>
+              <a:t>DecisionTreeClassifierModel</a:t>
+            </a:r>
+            <a:r>
+              <a:rPr lang="en-US" dirty="0">
+                <a:effectLst/>
+                <a:latin typeface="Menlo" panose="020B0609030804020204" pitchFamily="49" charset="0"/>
+              </a:rPr>
+              <a:t>: {'accuracy': 0.6710439921208142, 'precision': 0.6428571428571429, 'recall': 0.5130970724191063, 'f1_score': 0.570694087403599}</a:t>
+            </a:r>
+          </a:p>
+          <a:p>
+            <a:r>
+              <a:rPr lang="en-US" dirty="0">
+                <a:effectLst/>
+                <a:latin typeface="Menlo" panose="020B0609030804020204" pitchFamily="49" charset="0"/>
+              </a:rPr>
+              <a:t>Elapsed: 0.5596 seconds</a:t>
             </a:r>
           </a:p>
         </p:txBody>
@@ -5898,623 +5342,6 @@
           </a:p>
         </p:txBody>
       </p:sp>
-      <p:graphicFrame>
-        <p:nvGraphicFramePr>
-          <p:cNvPr id="9" name="Table 8">
-            <a:extLst>
-              <a:ext uri="{FF2B5EF4-FFF2-40B4-BE49-F238E27FC236}">
-                <a16:creationId xmlns:a16="http://schemas.microsoft.com/office/drawing/2014/main" id="{5A843780-9C2A-2D23-E959-2D78951A6771}"/>
-              </a:ext>
-            </a:extLst>
-          </p:cNvPr>
-          <p:cNvGraphicFramePr>
-            <a:graphicFrameLocks noGrp="1"/>
-          </p:cNvGraphicFramePr>
-          <p:nvPr>
-            <p:extLst>
-              <p:ext uri="{D42A27DB-BD31-4B8C-83A1-F6EECF244321}">
-                <p14:modId xmlns:p14="http://schemas.microsoft.com/office/powerpoint/2010/main" val="2545876357"/>
-              </p:ext>
-            </p:extLst>
-          </p:nvPr>
-        </p:nvGraphicFramePr>
-        <p:xfrm>
-          <a:off x="274392" y="4168545"/>
-          <a:ext cx="6952975" cy="1576275"/>
-        </p:xfrm>
-        <a:graphic>
-          <a:graphicData uri="http://schemas.openxmlformats.org/drawingml/2006/table">
-            <a:tbl>
-              <a:tblPr firstRow="1" bandRow="1">
-                <a:tableStyleId>{C083E6E3-FA7D-4D7B-A595-EF9225AFEA82}</a:tableStyleId>
-              </a:tblPr>
-              <a:tblGrid>
-                <a:gridCol w="1390595">
-                  <a:extLst>
-                    <a:ext uri="{9D8B030D-6E8A-4147-A177-3AD203B41FA5}">
-                      <a16:colId xmlns:a16="http://schemas.microsoft.com/office/drawing/2014/main" val="3316613107"/>
-                    </a:ext>
-                  </a:extLst>
-                </a:gridCol>
-                <a:gridCol w="1390595">
-                  <a:extLst>
-                    <a:ext uri="{9D8B030D-6E8A-4147-A177-3AD203B41FA5}">
-                      <a16:colId xmlns:a16="http://schemas.microsoft.com/office/drawing/2014/main" val="4065112024"/>
-                    </a:ext>
-                  </a:extLst>
-                </a:gridCol>
-                <a:gridCol w="1390595">
-                  <a:extLst>
-                    <a:ext uri="{9D8B030D-6E8A-4147-A177-3AD203B41FA5}">
-                      <a16:colId xmlns:a16="http://schemas.microsoft.com/office/drawing/2014/main" val="2289020803"/>
-                    </a:ext>
-                  </a:extLst>
-                </a:gridCol>
-                <a:gridCol w="1390595">
-                  <a:extLst>
-                    <a:ext uri="{9D8B030D-6E8A-4147-A177-3AD203B41FA5}">
-                      <a16:colId xmlns:a16="http://schemas.microsoft.com/office/drawing/2014/main" val="3006722418"/>
-                    </a:ext>
-                  </a:extLst>
-                </a:gridCol>
-                <a:gridCol w="1390595">
-                  <a:extLst>
-                    <a:ext uri="{9D8B030D-6E8A-4147-A177-3AD203B41FA5}">
-                      <a16:colId xmlns:a16="http://schemas.microsoft.com/office/drawing/2014/main" val="3047965245"/>
-                    </a:ext>
-                  </a:extLst>
-                </a:gridCol>
-              </a:tblGrid>
-              <a:tr h="315255">
-                <a:tc>
-                  <a:txBody>
-                    <a:bodyPr/>
-                    <a:lstStyle/>
-                    <a:p>
-                      <a:endParaRPr lang="en-US" sz="1400" dirty="0"/>
-                    </a:p>
-                  </a:txBody>
-                  <a:tcPr/>
-                </a:tc>
-                <a:tc>
-                  <a:txBody>
-                    <a:bodyPr/>
-                    <a:lstStyle/>
-                    <a:p>
-                      <a:r>
-                        <a:rPr lang="en-US" sz="1400" dirty="0"/>
-                        <a:t>Precision</a:t>
-                      </a:r>
-                    </a:p>
-                  </a:txBody>
-                  <a:tcPr/>
-                </a:tc>
-                <a:tc>
-                  <a:txBody>
-                    <a:bodyPr/>
-                    <a:lstStyle/>
-                    <a:p>
-                      <a:r>
-                        <a:rPr lang="en-US" sz="1400" dirty="0"/>
-                        <a:t>Recall</a:t>
-                      </a:r>
-                    </a:p>
-                  </a:txBody>
-                  <a:tcPr/>
-                </a:tc>
-                <a:tc>
-                  <a:txBody>
-                    <a:bodyPr/>
-                    <a:lstStyle/>
-                    <a:p>
-                      <a:r>
-                        <a:rPr lang="en-US" sz="1400" dirty="0"/>
-                        <a:t>F1-score</a:t>
-                      </a:r>
-                    </a:p>
-                  </a:txBody>
-                  <a:tcPr/>
-                </a:tc>
-                <a:tc>
-                  <a:txBody>
-                    <a:bodyPr/>
-                    <a:lstStyle/>
-                    <a:p>
-                      <a:r>
-                        <a:rPr lang="en-US" sz="1400" dirty="0"/>
-                        <a:t>Support</a:t>
-                      </a:r>
-                    </a:p>
-                  </a:txBody>
-                  <a:tcPr/>
-                </a:tc>
-                <a:extLst>
-                  <a:ext uri="{0D108BD9-81ED-4DB2-BD59-A6C34878D82A}">
-                    <a16:rowId xmlns:a16="http://schemas.microsoft.com/office/drawing/2014/main" val="3723781388"/>
-                  </a:ext>
-                </a:extLst>
-              </a:tr>
-              <a:tr h="315255">
-                <a:tc>
-                  <a:txBody>
-                    <a:bodyPr/>
-                    <a:lstStyle/>
-                    <a:p>
-                      <a:endParaRPr lang="en-US" sz="1400" dirty="0"/>
-                    </a:p>
-                  </a:txBody>
-                  <a:tcPr/>
-                </a:tc>
-                <a:tc>
-                  <a:txBody>
-                    <a:bodyPr/>
-                    <a:lstStyle/>
-                    <a:p>
-                      <a:endParaRPr lang="en-US" sz="1400" dirty="0"/>
-                    </a:p>
-                  </a:txBody>
-                  <a:tcPr/>
-                </a:tc>
-                <a:tc>
-                  <a:txBody>
-                    <a:bodyPr/>
-                    <a:lstStyle/>
-                    <a:p>
-                      <a:endParaRPr lang="en-US" sz="1400"/>
-                    </a:p>
-                  </a:txBody>
-                  <a:tcPr/>
-                </a:tc>
-                <a:tc>
-                  <a:txBody>
-                    <a:bodyPr/>
-                    <a:lstStyle/>
-                    <a:p>
-                      <a:endParaRPr lang="en-US" sz="1400"/>
-                    </a:p>
-                  </a:txBody>
-                  <a:tcPr/>
-                </a:tc>
-                <a:tc>
-                  <a:txBody>
-                    <a:bodyPr/>
-                    <a:lstStyle/>
-                    <a:p>
-                      <a:endParaRPr lang="en-US" sz="1400"/>
-                    </a:p>
-                  </a:txBody>
-                  <a:tcPr/>
-                </a:tc>
-                <a:extLst>
-                  <a:ext uri="{0D108BD9-81ED-4DB2-BD59-A6C34878D82A}">
-                    <a16:rowId xmlns:a16="http://schemas.microsoft.com/office/drawing/2014/main" val="2479040546"/>
-                  </a:ext>
-                </a:extLst>
-              </a:tr>
-              <a:tr h="315255">
-                <a:tc>
-                  <a:txBody>
-                    <a:bodyPr/>
-                    <a:lstStyle/>
-                    <a:p>
-                      <a:r>
-                        <a:rPr lang="en-US" sz="1400" dirty="0"/>
-                        <a:t>Accuracy</a:t>
-                      </a:r>
-                    </a:p>
-                  </a:txBody>
-                  <a:tcPr/>
-                </a:tc>
-                <a:tc>
-                  <a:txBody>
-                    <a:bodyPr/>
-                    <a:lstStyle/>
-                    <a:p>
-                      <a:endParaRPr lang="en-US" sz="1400" dirty="0"/>
-                    </a:p>
-                  </a:txBody>
-                  <a:tcPr/>
-                </a:tc>
-                <a:tc>
-                  <a:txBody>
-                    <a:bodyPr/>
-                    <a:lstStyle/>
-                    <a:p>
-                      <a:endParaRPr lang="en-US" sz="1400" dirty="0"/>
-                    </a:p>
-                  </a:txBody>
-                  <a:tcPr/>
-                </a:tc>
-                <a:tc>
-                  <a:txBody>
-                    <a:bodyPr/>
-                    <a:lstStyle/>
-                    <a:p>
-                      <a:endParaRPr lang="en-US" sz="1400"/>
-                    </a:p>
-                  </a:txBody>
-                  <a:tcPr/>
-                </a:tc>
-                <a:tc>
-                  <a:txBody>
-                    <a:bodyPr/>
-                    <a:lstStyle/>
-                    <a:p>
-                      <a:endParaRPr lang="en-US" sz="1400"/>
-                    </a:p>
-                  </a:txBody>
-                  <a:tcPr/>
-                </a:tc>
-                <a:extLst>
-                  <a:ext uri="{0D108BD9-81ED-4DB2-BD59-A6C34878D82A}">
-                    <a16:rowId xmlns:a16="http://schemas.microsoft.com/office/drawing/2014/main" val="2695798934"/>
-                  </a:ext>
-                </a:extLst>
-              </a:tr>
-              <a:tr h="315255">
-                <a:tc>
-                  <a:txBody>
-                    <a:bodyPr/>
-                    <a:lstStyle/>
-                    <a:p>
-                      <a:r>
-                        <a:rPr lang="en-US" sz="1400" dirty="0"/>
-                        <a:t>Macro avg.</a:t>
-                      </a:r>
-                    </a:p>
-                  </a:txBody>
-                  <a:tcPr/>
-                </a:tc>
-                <a:tc>
-                  <a:txBody>
-                    <a:bodyPr/>
-                    <a:lstStyle/>
-                    <a:p>
-                      <a:endParaRPr lang="en-US" sz="1400"/>
-                    </a:p>
-                  </a:txBody>
-                  <a:tcPr/>
-                </a:tc>
-                <a:tc>
-                  <a:txBody>
-                    <a:bodyPr/>
-                    <a:lstStyle/>
-                    <a:p>
-                      <a:endParaRPr lang="en-US" sz="1400" dirty="0"/>
-                    </a:p>
-                  </a:txBody>
-                  <a:tcPr/>
-                </a:tc>
-                <a:tc>
-                  <a:txBody>
-                    <a:bodyPr/>
-                    <a:lstStyle/>
-                    <a:p>
-                      <a:endParaRPr lang="en-US" sz="1400" dirty="0"/>
-                    </a:p>
-                  </a:txBody>
-                  <a:tcPr/>
-                </a:tc>
-                <a:tc>
-                  <a:txBody>
-                    <a:bodyPr/>
-                    <a:lstStyle/>
-                    <a:p>
-                      <a:endParaRPr lang="en-US" sz="1400" dirty="0"/>
-                    </a:p>
-                  </a:txBody>
-                  <a:tcPr/>
-                </a:tc>
-                <a:extLst>
-                  <a:ext uri="{0D108BD9-81ED-4DB2-BD59-A6C34878D82A}">
-                    <a16:rowId xmlns:a16="http://schemas.microsoft.com/office/drawing/2014/main" val="3400326281"/>
-                  </a:ext>
-                </a:extLst>
-              </a:tr>
-              <a:tr h="315255">
-                <a:tc>
-                  <a:txBody>
-                    <a:bodyPr/>
-                    <a:lstStyle/>
-                    <a:p>
-                      <a:r>
-                        <a:rPr lang="en-US" sz="1400" dirty="0"/>
-                        <a:t>Weighted avg.</a:t>
-                      </a:r>
-                    </a:p>
-                  </a:txBody>
-                  <a:tcPr/>
-                </a:tc>
-                <a:tc>
-                  <a:txBody>
-                    <a:bodyPr/>
-                    <a:lstStyle/>
-                    <a:p>
-                      <a:endParaRPr lang="en-US" sz="1400" dirty="0"/>
-                    </a:p>
-                  </a:txBody>
-                  <a:tcPr/>
-                </a:tc>
-                <a:tc>
-                  <a:txBody>
-                    <a:bodyPr/>
-                    <a:lstStyle/>
-                    <a:p>
-                      <a:endParaRPr lang="en-US" sz="1400" dirty="0"/>
-                    </a:p>
-                  </a:txBody>
-                  <a:tcPr/>
-                </a:tc>
-                <a:tc>
-                  <a:txBody>
-                    <a:bodyPr/>
-                    <a:lstStyle/>
-                    <a:p>
-                      <a:endParaRPr lang="en-US" sz="1400" dirty="0"/>
-                    </a:p>
-                  </a:txBody>
-                  <a:tcPr/>
-                </a:tc>
-                <a:tc>
-                  <a:txBody>
-                    <a:bodyPr/>
-                    <a:lstStyle/>
-                    <a:p>
-                      <a:endParaRPr lang="en-US" sz="1400" dirty="0"/>
-                    </a:p>
-                  </a:txBody>
-                  <a:tcPr/>
-                </a:tc>
-                <a:extLst>
-                  <a:ext uri="{0D108BD9-81ED-4DB2-BD59-A6C34878D82A}">
-                    <a16:rowId xmlns:a16="http://schemas.microsoft.com/office/drawing/2014/main" val="567793856"/>
-                  </a:ext>
-                </a:extLst>
-              </a:tr>
-            </a:tbl>
-          </a:graphicData>
-        </a:graphic>
-      </p:graphicFrame>
-      <p:sp>
-        <p:nvSpPr>
-          <p:cNvPr id="10" name="Text Placeholder 1">
-            <a:extLst>
-              <a:ext uri="{FF2B5EF4-FFF2-40B4-BE49-F238E27FC236}">
-                <a16:creationId xmlns:a16="http://schemas.microsoft.com/office/drawing/2014/main" id="{C358345D-7B81-B58D-7327-AFC7CF3CC2BB}"/>
-              </a:ext>
-            </a:extLst>
-          </p:cNvPr>
-          <p:cNvSpPr txBox="1">
-            <a:spLocks/>
-          </p:cNvSpPr>
-          <p:nvPr/>
-        </p:nvSpPr>
-        <p:spPr>
-          <a:xfrm>
-            <a:off x="198963" y="3746388"/>
-            <a:ext cx="2474663" cy="430887"/>
-          </a:xfrm>
-          <a:prstGeom prst="rect">
-            <a:avLst/>
-          </a:prstGeom>
-        </p:spPr>
-        <p:txBody>
-          <a:bodyPr vert="horz" wrap="square" lIns="91440" tIns="91440" rIns="182880" bIns="91440" rtlCol="0">
-            <a:spAutoFit/>
-          </a:bodyPr>
-          <a:lstStyle>
-            <a:lvl1pPr marL="228462" marR="0" indent="-228462" algn="l" defTabSz="913632" rtl="0" eaLnBrk="1" fontAlgn="auto" latinLnBrk="0" hangingPunct="1">
-              <a:lnSpc>
-                <a:spcPct val="100000"/>
-              </a:lnSpc>
-              <a:spcBef>
-                <a:spcPts val="0"/>
-              </a:spcBef>
-              <a:spcAft>
-                <a:spcPts val="600"/>
-              </a:spcAft>
-              <a:buClr>
-                <a:schemeClr val="tx1">
-                  <a:lumMod val="50000"/>
-                </a:schemeClr>
-              </a:buClr>
-              <a:buSzPct val="90000"/>
-              <a:buFont typeface="Arial" pitchFamily="34" charset="0"/>
-              <a:buChar char="•"/>
-              <a:tabLst/>
-              <a:defRPr sz="1600" b="0" i="0" kern="1200" spc="0" baseline="0">
-                <a:solidFill>
-                  <a:schemeClr val="accent1"/>
-                </a:solidFill>
-                <a:latin typeface="+mn-lt"/>
-                <a:ea typeface="Helvetica Neue" panose="02000503000000020004" pitchFamily="2" charset="0"/>
-                <a:cs typeface="Helvetica Neue" panose="02000503000000020004" pitchFamily="2" charset="0"/>
-              </a:defRPr>
-            </a:lvl1pPr>
-            <a:lvl2pPr marL="458512" marR="0" indent="-172934" algn="l" defTabSz="913632" rtl="0" eaLnBrk="1" fontAlgn="auto" latinLnBrk="0" hangingPunct="1">
-              <a:lnSpc>
-                <a:spcPct val="100000"/>
-              </a:lnSpc>
-              <a:spcBef>
-                <a:spcPts val="0"/>
-              </a:spcBef>
-              <a:spcAft>
-                <a:spcPts val="600"/>
-              </a:spcAft>
-              <a:buClr>
-                <a:schemeClr val="tx1">
-                  <a:lumMod val="50000"/>
-                </a:schemeClr>
-              </a:buClr>
-              <a:buSzPct val="90000"/>
-              <a:buFont typeface="Arial" pitchFamily="34" charset="0"/>
-              <a:buChar char="•"/>
-              <a:tabLst/>
-              <a:defRPr sz="1400" b="0" i="0" kern="1200" spc="0" baseline="0">
-                <a:solidFill>
-                  <a:schemeClr val="accent1"/>
-                </a:solidFill>
-                <a:latin typeface="+mn-lt"/>
-                <a:ea typeface="Helvetica Neue" panose="02000503000000020004" pitchFamily="2" charset="0"/>
-                <a:cs typeface="Helvetica Neue" panose="02000503000000020004" pitchFamily="2" charset="0"/>
-              </a:defRPr>
-            </a:lvl2pPr>
-            <a:lvl3pPr marL="631446" marR="0" indent="-115818" algn="l" defTabSz="913632" rtl="0" eaLnBrk="1" fontAlgn="auto" latinLnBrk="0" hangingPunct="1">
-              <a:lnSpc>
-                <a:spcPct val="100000"/>
-              </a:lnSpc>
-              <a:spcBef>
-                <a:spcPts val="0"/>
-              </a:spcBef>
-              <a:spcAft>
-                <a:spcPts val="600"/>
-              </a:spcAft>
-              <a:buClr>
-                <a:schemeClr val="tx1">
-                  <a:lumMod val="50000"/>
-                </a:schemeClr>
-              </a:buClr>
-              <a:buSzPct val="90000"/>
-              <a:buFont typeface="Arial" pitchFamily="34" charset="0"/>
-              <a:buChar char="•"/>
-              <a:tabLst/>
-              <a:defRPr sz="1200" b="0" i="0" kern="1200" spc="0" baseline="0">
-                <a:solidFill>
-                  <a:schemeClr val="accent1"/>
-                </a:solidFill>
-                <a:latin typeface="+mn-lt"/>
-                <a:ea typeface="Helvetica Neue" panose="02000503000000020004" pitchFamily="2" charset="0"/>
-                <a:cs typeface="Helvetica Neue" panose="02000503000000020004" pitchFamily="2" charset="0"/>
-              </a:defRPr>
-            </a:lvl3pPr>
-            <a:lvl4pPr marL="802793" marR="0" indent="-114232" algn="l" defTabSz="913632" rtl="0" eaLnBrk="1" fontAlgn="auto" latinLnBrk="0" hangingPunct="1">
-              <a:lnSpc>
-                <a:spcPct val="100000"/>
-              </a:lnSpc>
-              <a:spcBef>
-                <a:spcPts val="0"/>
-              </a:spcBef>
-              <a:spcAft>
-                <a:spcPts val="600"/>
-              </a:spcAft>
-              <a:buClr>
-                <a:schemeClr val="tx1">
-                  <a:lumMod val="50000"/>
-                </a:schemeClr>
-              </a:buClr>
-              <a:buSzPct val="90000"/>
-              <a:buFont typeface="Arial" pitchFamily="34" charset="0"/>
-              <a:buChar char="•"/>
-              <a:tabLst/>
-              <a:defRPr sz="1050" b="0" i="0" kern="1200" spc="0" baseline="0">
-                <a:solidFill>
-                  <a:schemeClr val="accent1"/>
-                </a:solidFill>
-                <a:latin typeface="+mn-lt"/>
-                <a:ea typeface="Helvetica Neue" panose="02000503000000020004" pitchFamily="2" charset="0"/>
-                <a:cs typeface="Helvetica Neue" panose="02000503000000020004" pitchFamily="2" charset="0"/>
-              </a:defRPr>
-            </a:lvl4pPr>
-            <a:lvl5pPr marL="975727" marR="0" indent="-120578" algn="l" defTabSz="913632" rtl="0" eaLnBrk="1" fontAlgn="auto" latinLnBrk="0" hangingPunct="1">
-              <a:lnSpc>
-                <a:spcPct val="100000"/>
-              </a:lnSpc>
-              <a:spcBef>
-                <a:spcPts val="0"/>
-              </a:spcBef>
-              <a:spcAft>
-                <a:spcPts val="600"/>
-              </a:spcAft>
-              <a:buClr>
-                <a:schemeClr val="tx1">
-                  <a:lumMod val="50000"/>
-                </a:schemeClr>
-              </a:buClr>
-              <a:buSzPct val="90000"/>
-              <a:buFont typeface="Arial" pitchFamily="34" charset="0"/>
-              <a:buChar char="•"/>
-              <a:tabLst/>
-              <a:defRPr sz="900" b="0" i="0" kern="1200" spc="0" baseline="0">
-                <a:solidFill>
-                  <a:schemeClr val="accent1"/>
-                </a:solidFill>
-                <a:latin typeface="+mn-lt"/>
-                <a:ea typeface="Helvetica Neue" panose="02000503000000020004" pitchFamily="2" charset="0"/>
-                <a:cs typeface="Helvetica Neue" panose="02000503000000020004" pitchFamily="2" charset="0"/>
-              </a:defRPr>
-            </a:lvl5pPr>
-            <a:lvl6pPr marL="2512488" indent="-228408" algn="l" defTabSz="913632" rtl="0" eaLnBrk="1" latinLnBrk="0" hangingPunct="1">
-              <a:spcBef>
-                <a:spcPct val="20000"/>
-              </a:spcBef>
-              <a:buFont typeface="Arial" pitchFamily="34" charset="0"/>
-              <a:buChar char="•"/>
-              <a:defRPr sz="1958" kern="1200">
-                <a:solidFill>
-                  <a:schemeClr val="tx1"/>
-                </a:solidFill>
-                <a:latin typeface="+mn-lt"/>
-                <a:ea typeface="+mn-ea"/>
-                <a:cs typeface="+mn-cs"/>
-              </a:defRPr>
-            </a:lvl6pPr>
-            <a:lvl7pPr marL="2969305" indent="-228408" algn="l" defTabSz="913632" rtl="0" eaLnBrk="1" latinLnBrk="0" hangingPunct="1">
-              <a:spcBef>
-                <a:spcPct val="20000"/>
-              </a:spcBef>
-              <a:buFont typeface="Arial" pitchFamily="34" charset="0"/>
-              <a:buChar char="•"/>
-              <a:defRPr sz="1958" kern="1200">
-                <a:solidFill>
-                  <a:schemeClr val="tx1"/>
-                </a:solidFill>
-                <a:latin typeface="+mn-lt"/>
-                <a:ea typeface="+mn-ea"/>
-                <a:cs typeface="+mn-cs"/>
-              </a:defRPr>
-            </a:lvl7pPr>
-            <a:lvl8pPr marL="3426121" indent="-228408" algn="l" defTabSz="913632" rtl="0" eaLnBrk="1" latinLnBrk="0" hangingPunct="1">
-              <a:spcBef>
-                <a:spcPct val="20000"/>
-              </a:spcBef>
-              <a:buFont typeface="Arial" pitchFamily="34" charset="0"/>
-              <a:buChar char="•"/>
-              <a:defRPr sz="1958" kern="1200">
-                <a:solidFill>
-                  <a:schemeClr val="tx1"/>
-                </a:solidFill>
-                <a:latin typeface="+mn-lt"/>
-                <a:ea typeface="+mn-ea"/>
-                <a:cs typeface="+mn-cs"/>
-              </a:defRPr>
-            </a:lvl8pPr>
-            <a:lvl9pPr marL="3882937" indent="-228408" algn="l" defTabSz="913632" rtl="0" eaLnBrk="1" latinLnBrk="0" hangingPunct="1">
-              <a:spcBef>
-                <a:spcPct val="20000"/>
-              </a:spcBef>
-              <a:buFont typeface="Arial" pitchFamily="34" charset="0"/>
-              <a:buChar char="•"/>
-              <a:defRPr sz="1958" kern="1200">
-                <a:solidFill>
-                  <a:schemeClr val="tx1"/>
-                </a:solidFill>
-                <a:latin typeface="+mn-lt"/>
-                <a:ea typeface="+mn-ea"/>
-                <a:cs typeface="+mn-cs"/>
-              </a:defRPr>
-            </a:lvl9pPr>
-          </a:lstStyle>
-          <a:p>
-            <a:pPr marL="0" indent="0">
-              <a:buNone/>
-            </a:pPr>
-            <a:r>
-              <a:rPr lang="en-US" b="1" dirty="0"/>
-              <a:t>Classification Report</a:t>
-            </a:r>
-          </a:p>
-        </p:txBody>
-      </p:sp>
       <p:sp>
         <p:nvSpPr>
           <p:cNvPr id="11" name="Text Placeholder 1">
@@ -8384,864 +7211,6 @@
           </a:p>
         </p:txBody>
       </p:sp>
-      <p:graphicFrame>
-        <p:nvGraphicFramePr>
-          <p:cNvPr id="9" name="Table 8">
-            <a:extLst>
-              <a:ext uri="{FF2B5EF4-FFF2-40B4-BE49-F238E27FC236}">
-                <a16:creationId xmlns:a16="http://schemas.microsoft.com/office/drawing/2014/main" id="{F7143853-8D7E-41B0-0C5D-3AF647749054}"/>
-              </a:ext>
-            </a:extLst>
-          </p:cNvPr>
-          <p:cNvGraphicFramePr>
-            <a:graphicFrameLocks noGrp="1"/>
-          </p:cNvGraphicFramePr>
-          <p:nvPr>
-            <p:extLst>
-              <p:ext uri="{D42A27DB-BD31-4B8C-83A1-F6EECF244321}">
-                <p14:modId xmlns:p14="http://schemas.microsoft.com/office/powerpoint/2010/main" val="2545876357"/>
-              </p:ext>
-            </p:extLst>
-          </p:nvPr>
-        </p:nvGraphicFramePr>
-        <p:xfrm>
-          <a:off x="274392" y="4168545"/>
-          <a:ext cx="6952975" cy="1576275"/>
-        </p:xfrm>
-        <a:graphic>
-          <a:graphicData uri="http://schemas.openxmlformats.org/drawingml/2006/table">
-            <a:tbl>
-              <a:tblPr firstRow="1" bandRow="1">
-                <a:tableStyleId>{C083E6E3-FA7D-4D7B-A595-EF9225AFEA82}</a:tableStyleId>
-              </a:tblPr>
-              <a:tblGrid>
-                <a:gridCol w="1390595">
-                  <a:extLst>
-                    <a:ext uri="{9D8B030D-6E8A-4147-A177-3AD203B41FA5}">
-                      <a16:colId xmlns:a16="http://schemas.microsoft.com/office/drawing/2014/main" val="3316613107"/>
-                    </a:ext>
-                  </a:extLst>
-                </a:gridCol>
-                <a:gridCol w="1390595">
-                  <a:extLst>
-                    <a:ext uri="{9D8B030D-6E8A-4147-A177-3AD203B41FA5}">
-                      <a16:colId xmlns:a16="http://schemas.microsoft.com/office/drawing/2014/main" val="4065112024"/>
-                    </a:ext>
-                  </a:extLst>
-                </a:gridCol>
-                <a:gridCol w="1390595">
-                  <a:extLst>
-                    <a:ext uri="{9D8B030D-6E8A-4147-A177-3AD203B41FA5}">
-                      <a16:colId xmlns:a16="http://schemas.microsoft.com/office/drawing/2014/main" val="2289020803"/>
-                    </a:ext>
-                  </a:extLst>
-                </a:gridCol>
-                <a:gridCol w="1390595">
-                  <a:extLst>
-                    <a:ext uri="{9D8B030D-6E8A-4147-A177-3AD203B41FA5}">
-                      <a16:colId xmlns:a16="http://schemas.microsoft.com/office/drawing/2014/main" val="3006722418"/>
-                    </a:ext>
-                  </a:extLst>
-                </a:gridCol>
-                <a:gridCol w="1390595">
-                  <a:extLst>
-                    <a:ext uri="{9D8B030D-6E8A-4147-A177-3AD203B41FA5}">
-                      <a16:colId xmlns:a16="http://schemas.microsoft.com/office/drawing/2014/main" val="3047965245"/>
-                    </a:ext>
-                  </a:extLst>
-                </a:gridCol>
-              </a:tblGrid>
-              <a:tr h="315255">
-                <a:tc>
-                  <a:txBody>
-                    <a:bodyPr/>
-                    <a:lstStyle/>
-                    <a:p>
-                      <a:endParaRPr lang="en-US" sz="1400" dirty="0"/>
-                    </a:p>
-                  </a:txBody>
-                  <a:tcPr/>
-                </a:tc>
-                <a:tc>
-                  <a:txBody>
-                    <a:bodyPr/>
-                    <a:lstStyle/>
-                    <a:p>
-                      <a:r>
-                        <a:rPr lang="en-US" sz="1400" dirty="0"/>
-                        <a:t>Precision</a:t>
-                      </a:r>
-                    </a:p>
-                  </a:txBody>
-                  <a:tcPr/>
-                </a:tc>
-                <a:tc>
-                  <a:txBody>
-                    <a:bodyPr/>
-                    <a:lstStyle/>
-                    <a:p>
-                      <a:r>
-                        <a:rPr lang="en-US" sz="1400" dirty="0"/>
-                        <a:t>Recall</a:t>
-                      </a:r>
-                    </a:p>
-                  </a:txBody>
-                  <a:tcPr/>
-                </a:tc>
-                <a:tc>
-                  <a:txBody>
-                    <a:bodyPr/>
-                    <a:lstStyle/>
-                    <a:p>
-                      <a:r>
-                        <a:rPr lang="en-US" sz="1400" dirty="0"/>
-                        <a:t>F1-score</a:t>
-                      </a:r>
-                    </a:p>
-                  </a:txBody>
-                  <a:tcPr/>
-                </a:tc>
-                <a:tc>
-                  <a:txBody>
-                    <a:bodyPr/>
-                    <a:lstStyle/>
-                    <a:p>
-                      <a:r>
-                        <a:rPr lang="en-US" sz="1400" dirty="0"/>
-                        <a:t>Support</a:t>
-                      </a:r>
-                    </a:p>
-                  </a:txBody>
-                  <a:tcPr/>
-                </a:tc>
-                <a:extLst>
-                  <a:ext uri="{0D108BD9-81ED-4DB2-BD59-A6C34878D82A}">
-                    <a16:rowId xmlns:a16="http://schemas.microsoft.com/office/drawing/2014/main" val="3723781388"/>
-                  </a:ext>
-                </a:extLst>
-              </a:tr>
-              <a:tr h="315255">
-                <a:tc>
-                  <a:txBody>
-                    <a:bodyPr/>
-                    <a:lstStyle/>
-                    <a:p>
-                      <a:endParaRPr lang="en-US" sz="1400" dirty="0"/>
-                    </a:p>
-                  </a:txBody>
-                  <a:tcPr/>
-                </a:tc>
-                <a:tc>
-                  <a:txBody>
-                    <a:bodyPr/>
-                    <a:lstStyle/>
-                    <a:p>
-                      <a:endParaRPr lang="en-US" sz="1400" dirty="0"/>
-                    </a:p>
-                  </a:txBody>
-                  <a:tcPr/>
-                </a:tc>
-                <a:tc>
-                  <a:txBody>
-                    <a:bodyPr/>
-                    <a:lstStyle/>
-                    <a:p>
-                      <a:endParaRPr lang="en-US" sz="1400"/>
-                    </a:p>
-                  </a:txBody>
-                  <a:tcPr/>
-                </a:tc>
-                <a:tc>
-                  <a:txBody>
-                    <a:bodyPr/>
-                    <a:lstStyle/>
-                    <a:p>
-                      <a:endParaRPr lang="en-US" sz="1400"/>
-                    </a:p>
-                  </a:txBody>
-                  <a:tcPr/>
-                </a:tc>
-                <a:tc>
-                  <a:txBody>
-                    <a:bodyPr/>
-                    <a:lstStyle/>
-                    <a:p>
-                      <a:endParaRPr lang="en-US" sz="1400"/>
-                    </a:p>
-                  </a:txBody>
-                  <a:tcPr/>
-                </a:tc>
-                <a:extLst>
-                  <a:ext uri="{0D108BD9-81ED-4DB2-BD59-A6C34878D82A}">
-                    <a16:rowId xmlns:a16="http://schemas.microsoft.com/office/drawing/2014/main" val="2479040546"/>
-                  </a:ext>
-                </a:extLst>
-              </a:tr>
-              <a:tr h="315255">
-                <a:tc>
-                  <a:txBody>
-                    <a:bodyPr/>
-                    <a:lstStyle/>
-                    <a:p>
-                      <a:r>
-                        <a:rPr lang="en-US" sz="1400" dirty="0"/>
-                        <a:t>Accuracy</a:t>
-                      </a:r>
-                    </a:p>
-                  </a:txBody>
-                  <a:tcPr/>
-                </a:tc>
-                <a:tc>
-                  <a:txBody>
-                    <a:bodyPr/>
-                    <a:lstStyle/>
-                    <a:p>
-                      <a:endParaRPr lang="en-US" sz="1400" dirty="0"/>
-                    </a:p>
-                  </a:txBody>
-                  <a:tcPr/>
-                </a:tc>
-                <a:tc>
-                  <a:txBody>
-                    <a:bodyPr/>
-                    <a:lstStyle/>
-                    <a:p>
-                      <a:endParaRPr lang="en-US" sz="1400" dirty="0"/>
-                    </a:p>
-                  </a:txBody>
-                  <a:tcPr/>
-                </a:tc>
-                <a:tc>
-                  <a:txBody>
-                    <a:bodyPr/>
-                    <a:lstStyle/>
-                    <a:p>
-                      <a:endParaRPr lang="en-US" sz="1400"/>
-                    </a:p>
-                  </a:txBody>
-                  <a:tcPr/>
-                </a:tc>
-                <a:tc>
-                  <a:txBody>
-                    <a:bodyPr/>
-                    <a:lstStyle/>
-                    <a:p>
-                      <a:endParaRPr lang="en-US" sz="1400"/>
-                    </a:p>
-                  </a:txBody>
-                  <a:tcPr/>
-                </a:tc>
-                <a:extLst>
-                  <a:ext uri="{0D108BD9-81ED-4DB2-BD59-A6C34878D82A}">
-                    <a16:rowId xmlns:a16="http://schemas.microsoft.com/office/drawing/2014/main" val="2695798934"/>
-                  </a:ext>
-                </a:extLst>
-              </a:tr>
-              <a:tr h="315255">
-                <a:tc>
-                  <a:txBody>
-                    <a:bodyPr/>
-                    <a:lstStyle/>
-                    <a:p>
-                      <a:r>
-                        <a:rPr lang="en-US" sz="1400" dirty="0"/>
-                        <a:t>Macro avg.</a:t>
-                      </a:r>
-                    </a:p>
-                  </a:txBody>
-                  <a:tcPr/>
-                </a:tc>
-                <a:tc>
-                  <a:txBody>
-                    <a:bodyPr/>
-                    <a:lstStyle/>
-                    <a:p>
-                      <a:endParaRPr lang="en-US" sz="1400"/>
-                    </a:p>
-                  </a:txBody>
-                  <a:tcPr/>
-                </a:tc>
-                <a:tc>
-                  <a:txBody>
-                    <a:bodyPr/>
-                    <a:lstStyle/>
-                    <a:p>
-                      <a:endParaRPr lang="en-US" sz="1400" dirty="0"/>
-                    </a:p>
-                  </a:txBody>
-                  <a:tcPr/>
-                </a:tc>
-                <a:tc>
-                  <a:txBody>
-                    <a:bodyPr/>
-                    <a:lstStyle/>
-                    <a:p>
-                      <a:endParaRPr lang="en-US" sz="1400" dirty="0"/>
-                    </a:p>
-                  </a:txBody>
-                  <a:tcPr/>
-                </a:tc>
-                <a:tc>
-                  <a:txBody>
-                    <a:bodyPr/>
-                    <a:lstStyle/>
-                    <a:p>
-                      <a:endParaRPr lang="en-US" sz="1400" dirty="0"/>
-                    </a:p>
-                  </a:txBody>
-                  <a:tcPr/>
-                </a:tc>
-                <a:extLst>
-                  <a:ext uri="{0D108BD9-81ED-4DB2-BD59-A6C34878D82A}">
-                    <a16:rowId xmlns:a16="http://schemas.microsoft.com/office/drawing/2014/main" val="3400326281"/>
-                  </a:ext>
-                </a:extLst>
-              </a:tr>
-              <a:tr h="315255">
-                <a:tc>
-                  <a:txBody>
-                    <a:bodyPr/>
-                    <a:lstStyle/>
-                    <a:p>
-                      <a:r>
-                        <a:rPr lang="en-US" sz="1400" dirty="0"/>
-                        <a:t>Weighted avg.</a:t>
-                      </a:r>
-                    </a:p>
-                  </a:txBody>
-                  <a:tcPr/>
-                </a:tc>
-                <a:tc>
-                  <a:txBody>
-                    <a:bodyPr/>
-                    <a:lstStyle/>
-                    <a:p>
-                      <a:endParaRPr lang="en-US" sz="1400" dirty="0"/>
-                    </a:p>
-                  </a:txBody>
-                  <a:tcPr/>
-                </a:tc>
-                <a:tc>
-                  <a:txBody>
-                    <a:bodyPr/>
-                    <a:lstStyle/>
-                    <a:p>
-                      <a:endParaRPr lang="en-US" sz="1400" dirty="0"/>
-                    </a:p>
-                  </a:txBody>
-                  <a:tcPr/>
-                </a:tc>
-                <a:tc>
-                  <a:txBody>
-                    <a:bodyPr/>
-                    <a:lstStyle/>
-                    <a:p>
-                      <a:endParaRPr lang="en-US" sz="1400" dirty="0"/>
-                    </a:p>
-                  </a:txBody>
-                  <a:tcPr/>
-                </a:tc>
-                <a:tc>
-                  <a:txBody>
-                    <a:bodyPr/>
-                    <a:lstStyle/>
-                    <a:p>
-                      <a:endParaRPr lang="en-US" sz="1400" dirty="0"/>
-                    </a:p>
-                  </a:txBody>
-                  <a:tcPr/>
-                </a:tc>
-                <a:extLst>
-                  <a:ext uri="{0D108BD9-81ED-4DB2-BD59-A6C34878D82A}">
-                    <a16:rowId xmlns:a16="http://schemas.microsoft.com/office/drawing/2014/main" val="567793856"/>
-                  </a:ext>
-                </a:extLst>
-              </a:tr>
-            </a:tbl>
-          </a:graphicData>
-        </a:graphic>
-      </p:graphicFrame>
-      <p:sp>
-        <p:nvSpPr>
-          <p:cNvPr id="10" name="Text Placeholder 1">
-            <a:extLst>
-              <a:ext uri="{FF2B5EF4-FFF2-40B4-BE49-F238E27FC236}">
-                <a16:creationId xmlns:a16="http://schemas.microsoft.com/office/drawing/2014/main" id="{1A1336B5-B134-A6D6-7E37-C992F21D2E2C}"/>
-              </a:ext>
-            </a:extLst>
-          </p:cNvPr>
-          <p:cNvSpPr txBox="1">
-            <a:spLocks/>
-          </p:cNvSpPr>
-          <p:nvPr/>
-        </p:nvSpPr>
-        <p:spPr>
-          <a:xfrm>
-            <a:off x="198963" y="3746388"/>
-            <a:ext cx="2474663" cy="430887"/>
-          </a:xfrm>
-          <a:prstGeom prst="rect">
-            <a:avLst/>
-          </a:prstGeom>
-        </p:spPr>
-        <p:txBody>
-          <a:bodyPr vert="horz" wrap="square" lIns="91440" tIns="91440" rIns="182880" bIns="91440" rtlCol="0">
-            <a:spAutoFit/>
-          </a:bodyPr>
-          <a:lstStyle>
-            <a:lvl1pPr marL="228462" marR="0" indent="-228462" algn="l" defTabSz="913632" rtl="0" eaLnBrk="1" fontAlgn="auto" latinLnBrk="0" hangingPunct="1">
-              <a:lnSpc>
-                <a:spcPct val="100000"/>
-              </a:lnSpc>
-              <a:spcBef>
-                <a:spcPts val="0"/>
-              </a:spcBef>
-              <a:spcAft>
-                <a:spcPts val="600"/>
-              </a:spcAft>
-              <a:buClr>
-                <a:schemeClr val="tx1">
-                  <a:lumMod val="50000"/>
-                </a:schemeClr>
-              </a:buClr>
-              <a:buSzPct val="90000"/>
-              <a:buFont typeface="Arial" pitchFamily="34" charset="0"/>
-              <a:buChar char="•"/>
-              <a:tabLst/>
-              <a:defRPr sz="1600" b="0" i="0" kern="1200" spc="0" baseline="0">
-                <a:solidFill>
-                  <a:schemeClr val="accent1"/>
-                </a:solidFill>
-                <a:latin typeface="+mn-lt"/>
-                <a:ea typeface="Helvetica Neue" panose="02000503000000020004" pitchFamily="2" charset="0"/>
-                <a:cs typeface="Helvetica Neue" panose="02000503000000020004" pitchFamily="2" charset="0"/>
-              </a:defRPr>
-            </a:lvl1pPr>
-            <a:lvl2pPr marL="458512" marR="0" indent="-172934" algn="l" defTabSz="913632" rtl="0" eaLnBrk="1" fontAlgn="auto" latinLnBrk="0" hangingPunct="1">
-              <a:lnSpc>
-                <a:spcPct val="100000"/>
-              </a:lnSpc>
-              <a:spcBef>
-                <a:spcPts val="0"/>
-              </a:spcBef>
-              <a:spcAft>
-                <a:spcPts val="600"/>
-              </a:spcAft>
-              <a:buClr>
-                <a:schemeClr val="tx1">
-                  <a:lumMod val="50000"/>
-                </a:schemeClr>
-              </a:buClr>
-              <a:buSzPct val="90000"/>
-              <a:buFont typeface="Arial" pitchFamily="34" charset="0"/>
-              <a:buChar char="•"/>
-              <a:tabLst/>
-              <a:defRPr sz="1400" b="0" i="0" kern="1200" spc="0" baseline="0">
-                <a:solidFill>
-                  <a:schemeClr val="accent1"/>
-                </a:solidFill>
-                <a:latin typeface="+mn-lt"/>
-                <a:ea typeface="Helvetica Neue" panose="02000503000000020004" pitchFamily="2" charset="0"/>
-                <a:cs typeface="Helvetica Neue" panose="02000503000000020004" pitchFamily="2" charset="0"/>
-              </a:defRPr>
-            </a:lvl2pPr>
-            <a:lvl3pPr marL="631446" marR="0" indent="-115818" algn="l" defTabSz="913632" rtl="0" eaLnBrk="1" fontAlgn="auto" latinLnBrk="0" hangingPunct="1">
-              <a:lnSpc>
-                <a:spcPct val="100000"/>
-              </a:lnSpc>
-              <a:spcBef>
-                <a:spcPts val="0"/>
-              </a:spcBef>
-              <a:spcAft>
-                <a:spcPts val="600"/>
-              </a:spcAft>
-              <a:buClr>
-                <a:schemeClr val="tx1">
-                  <a:lumMod val="50000"/>
-                </a:schemeClr>
-              </a:buClr>
-              <a:buSzPct val="90000"/>
-              <a:buFont typeface="Arial" pitchFamily="34" charset="0"/>
-              <a:buChar char="•"/>
-              <a:tabLst/>
-              <a:defRPr sz="1200" b="0" i="0" kern="1200" spc="0" baseline="0">
-                <a:solidFill>
-                  <a:schemeClr val="accent1"/>
-                </a:solidFill>
-                <a:latin typeface="+mn-lt"/>
-                <a:ea typeface="Helvetica Neue" panose="02000503000000020004" pitchFamily="2" charset="0"/>
-                <a:cs typeface="Helvetica Neue" panose="02000503000000020004" pitchFamily="2" charset="0"/>
-              </a:defRPr>
-            </a:lvl3pPr>
-            <a:lvl4pPr marL="802793" marR="0" indent="-114232" algn="l" defTabSz="913632" rtl="0" eaLnBrk="1" fontAlgn="auto" latinLnBrk="0" hangingPunct="1">
-              <a:lnSpc>
-                <a:spcPct val="100000"/>
-              </a:lnSpc>
-              <a:spcBef>
-                <a:spcPts val="0"/>
-              </a:spcBef>
-              <a:spcAft>
-                <a:spcPts val="600"/>
-              </a:spcAft>
-              <a:buClr>
-                <a:schemeClr val="tx1">
-                  <a:lumMod val="50000"/>
-                </a:schemeClr>
-              </a:buClr>
-              <a:buSzPct val="90000"/>
-              <a:buFont typeface="Arial" pitchFamily="34" charset="0"/>
-              <a:buChar char="•"/>
-              <a:tabLst/>
-              <a:defRPr sz="1050" b="0" i="0" kern="1200" spc="0" baseline="0">
-                <a:solidFill>
-                  <a:schemeClr val="accent1"/>
-                </a:solidFill>
-                <a:latin typeface="+mn-lt"/>
-                <a:ea typeface="Helvetica Neue" panose="02000503000000020004" pitchFamily="2" charset="0"/>
-                <a:cs typeface="Helvetica Neue" panose="02000503000000020004" pitchFamily="2" charset="0"/>
-              </a:defRPr>
-            </a:lvl4pPr>
-            <a:lvl5pPr marL="975727" marR="0" indent="-120578" algn="l" defTabSz="913632" rtl="0" eaLnBrk="1" fontAlgn="auto" latinLnBrk="0" hangingPunct="1">
-              <a:lnSpc>
-                <a:spcPct val="100000"/>
-              </a:lnSpc>
-              <a:spcBef>
-                <a:spcPts val="0"/>
-              </a:spcBef>
-              <a:spcAft>
-                <a:spcPts val="600"/>
-              </a:spcAft>
-              <a:buClr>
-                <a:schemeClr val="tx1">
-                  <a:lumMod val="50000"/>
-                </a:schemeClr>
-              </a:buClr>
-              <a:buSzPct val="90000"/>
-              <a:buFont typeface="Arial" pitchFamily="34" charset="0"/>
-              <a:buChar char="•"/>
-              <a:tabLst/>
-              <a:defRPr sz="900" b="0" i="0" kern="1200" spc="0" baseline="0">
-                <a:solidFill>
-                  <a:schemeClr val="accent1"/>
-                </a:solidFill>
-                <a:latin typeface="+mn-lt"/>
-                <a:ea typeface="Helvetica Neue" panose="02000503000000020004" pitchFamily="2" charset="0"/>
-                <a:cs typeface="Helvetica Neue" panose="02000503000000020004" pitchFamily="2" charset="0"/>
-              </a:defRPr>
-            </a:lvl5pPr>
-            <a:lvl6pPr marL="2512488" indent="-228408" algn="l" defTabSz="913632" rtl="0" eaLnBrk="1" latinLnBrk="0" hangingPunct="1">
-              <a:spcBef>
-                <a:spcPct val="20000"/>
-              </a:spcBef>
-              <a:buFont typeface="Arial" pitchFamily="34" charset="0"/>
-              <a:buChar char="•"/>
-              <a:defRPr sz="1958" kern="1200">
-                <a:solidFill>
-                  <a:schemeClr val="tx1"/>
-                </a:solidFill>
-                <a:latin typeface="+mn-lt"/>
-                <a:ea typeface="+mn-ea"/>
-                <a:cs typeface="+mn-cs"/>
-              </a:defRPr>
-            </a:lvl6pPr>
-            <a:lvl7pPr marL="2969305" indent="-228408" algn="l" defTabSz="913632" rtl="0" eaLnBrk="1" latinLnBrk="0" hangingPunct="1">
-              <a:spcBef>
-                <a:spcPct val="20000"/>
-              </a:spcBef>
-              <a:buFont typeface="Arial" pitchFamily="34" charset="0"/>
-              <a:buChar char="•"/>
-              <a:defRPr sz="1958" kern="1200">
-                <a:solidFill>
-                  <a:schemeClr val="tx1"/>
-                </a:solidFill>
-                <a:latin typeface="+mn-lt"/>
-                <a:ea typeface="+mn-ea"/>
-                <a:cs typeface="+mn-cs"/>
-              </a:defRPr>
-            </a:lvl7pPr>
-            <a:lvl8pPr marL="3426121" indent="-228408" algn="l" defTabSz="913632" rtl="0" eaLnBrk="1" latinLnBrk="0" hangingPunct="1">
-              <a:spcBef>
-                <a:spcPct val="20000"/>
-              </a:spcBef>
-              <a:buFont typeface="Arial" pitchFamily="34" charset="0"/>
-              <a:buChar char="•"/>
-              <a:defRPr sz="1958" kern="1200">
-                <a:solidFill>
-                  <a:schemeClr val="tx1"/>
-                </a:solidFill>
-                <a:latin typeface="+mn-lt"/>
-                <a:ea typeface="+mn-ea"/>
-                <a:cs typeface="+mn-cs"/>
-              </a:defRPr>
-            </a:lvl8pPr>
-            <a:lvl9pPr marL="3882937" indent="-228408" algn="l" defTabSz="913632" rtl="0" eaLnBrk="1" latinLnBrk="0" hangingPunct="1">
-              <a:spcBef>
-                <a:spcPct val="20000"/>
-              </a:spcBef>
-              <a:buFont typeface="Arial" pitchFamily="34" charset="0"/>
-              <a:buChar char="•"/>
-              <a:defRPr sz="1958" kern="1200">
-                <a:solidFill>
-                  <a:schemeClr val="tx1"/>
-                </a:solidFill>
-                <a:latin typeface="+mn-lt"/>
-                <a:ea typeface="+mn-ea"/>
-                <a:cs typeface="+mn-cs"/>
-              </a:defRPr>
-            </a:lvl9pPr>
-          </a:lstStyle>
-          <a:p>
-            <a:pPr marL="0" indent="0">
-              <a:buNone/>
-            </a:pPr>
-            <a:r>
-              <a:rPr lang="en-US" b="1" dirty="0"/>
-              <a:t>Classification Report</a:t>
-            </a:r>
-          </a:p>
-        </p:txBody>
-      </p:sp>
-      <p:sp>
-        <p:nvSpPr>
-          <p:cNvPr id="11" name="Text Placeholder 1">
-            <a:extLst>
-              <a:ext uri="{FF2B5EF4-FFF2-40B4-BE49-F238E27FC236}">
-                <a16:creationId xmlns:a16="http://schemas.microsoft.com/office/drawing/2014/main" id="{A7AE1D9E-B799-1EE9-655B-B01C1E2A1825}"/>
-              </a:ext>
-            </a:extLst>
-          </p:cNvPr>
-          <p:cNvSpPr txBox="1">
-            <a:spLocks/>
-          </p:cNvSpPr>
-          <p:nvPr/>
-        </p:nvSpPr>
-        <p:spPr>
-          <a:xfrm>
-            <a:off x="8252973" y="1736230"/>
-            <a:ext cx="3286358" cy="430887"/>
-          </a:xfrm>
-          <a:prstGeom prst="rect">
-            <a:avLst/>
-          </a:prstGeom>
-        </p:spPr>
-        <p:txBody>
-          <a:bodyPr vert="horz" wrap="square" lIns="91440" tIns="91440" rIns="182880" bIns="91440" rtlCol="0">
-            <a:spAutoFit/>
-          </a:bodyPr>
-          <a:lstStyle>
-            <a:lvl1pPr marL="228462" marR="0" indent="-228462" algn="l" defTabSz="913632" rtl="0" eaLnBrk="1" fontAlgn="auto" latinLnBrk="0" hangingPunct="1">
-              <a:lnSpc>
-                <a:spcPct val="100000"/>
-              </a:lnSpc>
-              <a:spcBef>
-                <a:spcPts val="0"/>
-              </a:spcBef>
-              <a:spcAft>
-                <a:spcPts val="600"/>
-              </a:spcAft>
-              <a:buClr>
-                <a:schemeClr val="tx1">
-                  <a:lumMod val="50000"/>
-                </a:schemeClr>
-              </a:buClr>
-              <a:buSzPct val="90000"/>
-              <a:buFont typeface="Arial" pitchFamily="34" charset="0"/>
-              <a:buChar char="•"/>
-              <a:tabLst/>
-              <a:defRPr sz="1600" b="0" i="0" kern="1200" spc="0" baseline="0">
-                <a:solidFill>
-                  <a:schemeClr val="accent1"/>
-                </a:solidFill>
-                <a:latin typeface="+mn-lt"/>
-                <a:ea typeface="Helvetica Neue" panose="02000503000000020004" pitchFamily="2" charset="0"/>
-                <a:cs typeface="Helvetica Neue" panose="02000503000000020004" pitchFamily="2" charset="0"/>
-              </a:defRPr>
-            </a:lvl1pPr>
-            <a:lvl2pPr marL="458512" marR="0" indent="-172934" algn="l" defTabSz="913632" rtl="0" eaLnBrk="1" fontAlgn="auto" latinLnBrk="0" hangingPunct="1">
-              <a:lnSpc>
-                <a:spcPct val="100000"/>
-              </a:lnSpc>
-              <a:spcBef>
-                <a:spcPts val="0"/>
-              </a:spcBef>
-              <a:spcAft>
-                <a:spcPts val="600"/>
-              </a:spcAft>
-              <a:buClr>
-                <a:schemeClr val="tx1">
-                  <a:lumMod val="50000"/>
-                </a:schemeClr>
-              </a:buClr>
-              <a:buSzPct val="90000"/>
-              <a:buFont typeface="Arial" pitchFamily="34" charset="0"/>
-              <a:buChar char="•"/>
-              <a:tabLst/>
-              <a:defRPr sz="1400" b="0" i="0" kern="1200" spc="0" baseline="0">
-                <a:solidFill>
-                  <a:schemeClr val="accent1"/>
-                </a:solidFill>
-                <a:latin typeface="+mn-lt"/>
-                <a:ea typeface="Helvetica Neue" panose="02000503000000020004" pitchFamily="2" charset="0"/>
-                <a:cs typeface="Helvetica Neue" panose="02000503000000020004" pitchFamily="2" charset="0"/>
-              </a:defRPr>
-            </a:lvl2pPr>
-            <a:lvl3pPr marL="631446" marR="0" indent="-115818" algn="l" defTabSz="913632" rtl="0" eaLnBrk="1" fontAlgn="auto" latinLnBrk="0" hangingPunct="1">
-              <a:lnSpc>
-                <a:spcPct val="100000"/>
-              </a:lnSpc>
-              <a:spcBef>
-                <a:spcPts val="0"/>
-              </a:spcBef>
-              <a:spcAft>
-                <a:spcPts val="600"/>
-              </a:spcAft>
-              <a:buClr>
-                <a:schemeClr val="tx1">
-                  <a:lumMod val="50000"/>
-                </a:schemeClr>
-              </a:buClr>
-              <a:buSzPct val="90000"/>
-              <a:buFont typeface="Arial" pitchFamily="34" charset="0"/>
-              <a:buChar char="•"/>
-              <a:tabLst/>
-              <a:defRPr sz="1200" b="0" i="0" kern="1200" spc="0" baseline="0">
-                <a:solidFill>
-                  <a:schemeClr val="accent1"/>
-                </a:solidFill>
-                <a:latin typeface="+mn-lt"/>
-                <a:ea typeface="Helvetica Neue" panose="02000503000000020004" pitchFamily="2" charset="0"/>
-                <a:cs typeface="Helvetica Neue" panose="02000503000000020004" pitchFamily="2" charset="0"/>
-              </a:defRPr>
-            </a:lvl3pPr>
-            <a:lvl4pPr marL="802793" marR="0" indent="-114232" algn="l" defTabSz="913632" rtl="0" eaLnBrk="1" fontAlgn="auto" latinLnBrk="0" hangingPunct="1">
-              <a:lnSpc>
-                <a:spcPct val="100000"/>
-              </a:lnSpc>
-              <a:spcBef>
-                <a:spcPts val="0"/>
-              </a:spcBef>
-              <a:spcAft>
-                <a:spcPts val="600"/>
-              </a:spcAft>
-              <a:buClr>
-                <a:schemeClr val="tx1">
-                  <a:lumMod val="50000"/>
-                </a:schemeClr>
-              </a:buClr>
-              <a:buSzPct val="90000"/>
-              <a:buFont typeface="Arial" pitchFamily="34" charset="0"/>
-              <a:buChar char="•"/>
-              <a:tabLst/>
-              <a:defRPr sz="1050" b="0" i="0" kern="1200" spc="0" baseline="0">
-                <a:solidFill>
-                  <a:schemeClr val="accent1"/>
-                </a:solidFill>
-                <a:latin typeface="+mn-lt"/>
-                <a:ea typeface="Helvetica Neue" panose="02000503000000020004" pitchFamily="2" charset="0"/>
-                <a:cs typeface="Helvetica Neue" panose="02000503000000020004" pitchFamily="2" charset="0"/>
-              </a:defRPr>
-            </a:lvl4pPr>
-            <a:lvl5pPr marL="975727" marR="0" indent="-120578" algn="l" defTabSz="913632" rtl="0" eaLnBrk="1" fontAlgn="auto" latinLnBrk="0" hangingPunct="1">
-              <a:lnSpc>
-                <a:spcPct val="100000"/>
-              </a:lnSpc>
-              <a:spcBef>
-                <a:spcPts val="0"/>
-              </a:spcBef>
-              <a:spcAft>
-                <a:spcPts val="600"/>
-              </a:spcAft>
-              <a:buClr>
-                <a:schemeClr val="tx1">
-                  <a:lumMod val="50000"/>
-                </a:schemeClr>
-              </a:buClr>
-              <a:buSzPct val="90000"/>
-              <a:buFont typeface="Arial" pitchFamily="34" charset="0"/>
-              <a:buChar char="•"/>
-              <a:tabLst/>
-              <a:defRPr sz="900" b="0" i="0" kern="1200" spc="0" baseline="0">
-                <a:solidFill>
-                  <a:schemeClr val="accent1"/>
-                </a:solidFill>
-                <a:latin typeface="+mn-lt"/>
-                <a:ea typeface="Helvetica Neue" panose="02000503000000020004" pitchFamily="2" charset="0"/>
-                <a:cs typeface="Helvetica Neue" panose="02000503000000020004" pitchFamily="2" charset="0"/>
-              </a:defRPr>
-            </a:lvl5pPr>
-            <a:lvl6pPr marL="2512488" indent="-228408" algn="l" defTabSz="913632" rtl="0" eaLnBrk="1" latinLnBrk="0" hangingPunct="1">
-              <a:spcBef>
-                <a:spcPct val="20000"/>
-              </a:spcBef>
-              <a:buFont typeface="Arial" pitchFamily="34" charset="0"/>
-              <a:buChar char="•"/>
-              <a:defRPr sz="1958" kern="1200">
-                <a:solidFill>
-                  <a:schemeClr val="tx1"/>
-                </a:solidFill>
-                <a:latin typeface="+mn-lt"/>
-                <a:ea typeface="+mn-ea"/>
-                <a:cs typeface="+mn-cs"/>
-              </a:defRPr>
-            </a:lvl6pPr>
-            <a:lvl7pPr marL="2969305" indent="-228408" algn="l" defTabSz="913632" rtl="0" eaLnBrk="1" latinLnBrk="0" hangingPunct="1">
-              <a:spcBef>
-                <a:spcPct val="20000"/>
-              </a:spcBef>
-              <a:buFont typeface="Arial" pitchFamily="34" charset="0"/>
-              <a:buChar char="•"/>
-              <a:defRPr sz="1958" kern="1200">
-                <a:solidFill>
-                  <a:schemeClr val="tx1"/>
-                </a:solidFill>
-                <a:latin typeface="+mn-lt"/>
-                <a:ea typeface="+mn-ea"/>
-                <a:cs typeface="+mn-cs"/>
-              </a:defRPr>
-            </a:lvl7pPr>
-            <a:lvl8pPr marL="3426121" indent="-228408" algn="l" defTabSz="913632" rtl="0" eaLnBrk="1" latinLnBrk="0" hangingPunct="1">
-              <a:spcBef>
-                <a:spcPct val="20000"/>
-              </a:spcBef>
-              <a:buFont typeface="Arial" pitchFamily="34" charset="0"/>
-              <a:buChar char="•"/>
-              <a:defRPr sz="1958" kern="1200">
-                <a:solidFill>
-                  <a:schemeClr val="tx1"/>
-                </a:solidFill>
-                <a:latin typeface="+mn-lt"/>
-                <a:ea typeface="+mn-ea"/>
-                <a:cs typeface="+mn-cs"/>
-              </a:defRPr>
-            </a:lvl8pPr>
-            <a:lvl9pPr marL="3882937" indent="-228408" algn="l" defTabSz="913632" rtl="0" eaLnBrk="1" latinLnBrk="0" hangingPunct="1">
-              <a:spcBef>
-                <a:spcPct val="20000"/>
-              </a:spcBef>
-              <a:buFont typeface="Arial" pitchFamily="34" charset="0"/>
-              <a:buChar char="•"/>
-              <a:defRPr sz="1958" kern="1200">
-                <a:solidFill>
-                  <a:schemeClr val="tx1"/>
-                </a:solidFill>
-                <a:latin typeface="+mn-lt"/>
-                <a:ea typeface="+mn-ea"/>
-                <a:cs typeface="+mn-cs"/>
-              </a:defRPr>
-            </a:lvl9pPr>
-          </a:lstStyle>
-          <a:p>
-            <a:pPr marL="0" indent="0">
-              <a:buFont typeface="Arial" pitchFamily="34" charset="0"/>
-              <a:buNone/>
-            </a:pPr>
-            <a:r>
-              <a:rPr lang="en-US" b="1" dirty="0"/>
-              <a:t>Precision Recall Plot</a:t>
-            </a:r>
-          </a:p>
-        </p:txBody>
-      </p:sp>
     </p:spTree>
     <p:extLst>
       <p:ext uri="{BB962C8B-B14F-4D97-AF65-F5344CB8AC3E}">
@@ -9627,860 +7596,125 @@
           </a:p>
         </p:txBody>
       </p:sp>
-      <p:graphicFrame>
-        <p:nvGraphicFramePr>
-          <p:cNvPr id="9" name="Table 8">
+      <p:pic>
+        <p:nvPicPr>
+          <p:cNvPr id="2" name="Picture 1">
             <a:extLst>
               <a:ext uri="{FF2B5EF4-FFF2-40B4-BE49-F238E27FC236}">
-                <a16:creationId xmlns:a16="http://schemas.microsoft.com/office/drawing/2014/main" id="{600EDC94-68F2-A079-9734-F0B959850600}"/>
+                <a16:creationId xmlns:a16="http://schemas.microsoft.com/office/drawing/2014/main" id="{5FF9E4CC-E197-2CE7-F75F-44C07E6B62A5}"/>
               </a:ext>
             </a:extLst>
           </p:cNvPr>
-          <p:cNvGraphicFramePr>
-            <a:graphicFrameLocks noGrp="1"/>
-          </p:cNvGraphicFramePr>
-          <p:nvPr>
-            <p:extLst>
-              <p:ext uri="{D42A27DB-BD31-4B8C-83A1-F6EECF244321}">
-                <p14:modId xmlns:p14="http://schemas.microsoft.com/office/powerpoint/2010/main" val="2545876357"/>
-              </p:ext>
-            </p:extLst>
-          </p:nvPr>
-        </p:nvGraphicFramePr>
-        <p:xfrm>
-          <a:off x="274392" y="4168545"/>
-          <a:ext cx="6952975" cy="1576275"/>
-        </p:xfrm>
-        <a:graphic>
-          <a:graphicData uri="http://schemas.openxmlformats.org/drawingml/2006/table">
-            <a:tbl>
-              <a:tblPr firstRow="1" bandRow="1">
-                <a:tableStyleId>{C083E6E3-FA7D-4D7B-A595-EF9225AFEA82}</a:tableStyleId>
-              </a:tblPr>
-              <a:tblGrid>
-                <a:gridCol w="1390595">
-                  <a:extLst>
-                    <a:ext uri="{9D8B030D-6E8A-4147-A177-3AD203B41FA5}">
-                      <a16:colId xmlns:a16="http://schemas.microsoft.com/office/drawing/2014/main" val="3316613107"/>
-                    </a:ext>
-                  </a:extLst>
-                </a:gridCol>
-                <a:gridCol w="1390595">
-                  <a:extLst>
-                    <a:ext uri="{9D8B030D-6E8A-4147-A177-3AD203B41FA5}">
-                      <a16:colId xmlns:a16="http://schemas.microsoft.com/office/drawing/2014/main" val="4065112024"/>
-                    </a:ext>
-                  </a:extLst>
-                </a:gridCol>
-                <a:gridCol w="1390595">
-                  <a:extLst>
-                    <a:ext uri="{9D8B030D-6E8A-4147-A177-3AD203B41FA5}">
-                      <a16:colId xmlns:a16="http://schemas.microsoft.com/office/drawing/2014/main" val="2289020803"/>
-                    </a:ext>
-                  </a:extLst>
-                </a:gridCol>
-                <a:gridCol w="1390595">
-                  <a:extLst>
-                    <a:ext uri="{9D8B030D-6E8A-4147-A177-3AD203B41FA5}">
-                      <a16:colId xmlns:a16="http://schemas.microsoft.com/office/drawing/2014/main" val="3006722418"/>
-                    </a:ext>
-                  </a:extLst>
-                </a:gridCol>
-                <a:gridCol w="1390595">
-                  <a:extLst>
-                    <a:ext uri="{9D8B030D-6E8A-4147-A177-3AD203B41FA5}">
-                      <a16:colId xmlns:a16="http://schemas.microsoft.com/office/drawing/2014/main" val="3047965245"/>
-                    </a:ext>
-                  </a:extLst>
-                </a:gridCol>
-              </a:tblGrid>
-              <a:tr h="315255">
-                <a:tc>
-                  <a:txBody>
-                    <a:bodyPr/>
-                    <a:lstStyle/>
-                    <a:p>
-                      <a:endParaRPr lang="en-US" sz="1400" dirty="0"/>
-                    </a:p>
-                  </a:txBody>
-                  <a:tcPr/>
-                </a:tc>
-                <a:tc>
-                  <a:txBody>
-                    <a:bodyPr/>
-                    <a:lstStyle/>
-                    <a:p>
-                      <a:r>
-                        <a:rPr lang="en-US" sz="1400" dirty="0"/>
-                        <a:t>Precision</a:t>
-                      </a:r>
-                    </a:p>
-                  </a:txBody>
-                  <a:tcPr/>
-                </a:tc>
-                <a:tc>
-                  <a:txBody>
-                    <a:bodyPr/>
-                    <a:lstStyle/>
-                    <a:p>
-                      <a:r>
-                        <a:rPr lang="en-US" sz="1400" dirty="0"/>
-                        <a:t>Recall</a:t>
-                      </a:r>
-                    </a:p>
-                  </a:txBody>
-                  <a:tcPr/>
-                </a:tc>
-                <a:tc>
-                  <a:txBody>
-                    <a:bodyPr/>
-                    <a:lstStyle/>
-                    <a:p>
-                      <a:r>
-                        <a:rPr lang="en-US" sz="1400" dirty="0"/>
-                        <a:t>F1-score</a:t>
-                      </a:r>
-                    </a:p>
-                  </a:txBody>
-                  <a:tcPr/>
-                </a:tc>
-                <a:tc>
-                  <a:txBody>
-                    <a:bodyPr/>
-                    <a:lstStyle/>
-                    <a:p>
-                      <a:r>
-                        <a:rPr lang="en-US" sz="1400" dirty="0"/>
-                        <a:t>Support</a:t>
-                      </a:r>
-                    </a:p>
-                  </a:txBody>
-                  <a:tcPr/>
-                </a:tc>
-                <a:extLst>
-                  <a:ext uri="{0D108BD9-81ED-4DB2-BD59-A6C34878D82A}">
-                    <a16:rowId xmlns:a16="http://schemas.microsoft.com/office/drawing/2014/main" val="3723781388"/>
-                  </a:ext>
-                </a:extLst>
-              </a:tr>
-              <a:tr h="315255">
-                <a:tc>
-                  <a:txBody>
-                    <a:bodyPr/>
-                    <a:lstStyle/>
-                    <a:p>
-                      <a:endParaRPr lang="en-US" sz="1400" dirty="0"/>
-                    </a:p>
-                  </a:txBody>
-                  <a:tcPr/>
-                </a:tc>
-                <a:tc>
-                  <a:txBody>
-                    <a:bodyPr/>
-                    <a:lstStyle/>
-                    <a:p>
-                      <a:endParaRPr lang="en-US" sz="1400" dirty="0"/>
-                    </a:p>
-                  </a:txBody>
-                  <a:tcPr/>
-                </a:tc>
-                <a:tc>
-                  <a:txBody>
-                    <a:bodyPr/>
-                    <a:lstStyle/>
-                    <a:p>
-                      <a:endParaRPr lang="en-US" sz="1400"/>
-                    </a:p>
-                  </a:txBody>
-                  <a:tcPr/>
-                </a:tc>
-                <a:tc>
-                  <a:txBody>
-                    <a:bodyPr/>
-                    <a:lstStyle/>
-                    <a:p>
-                      <a:endParaRPr lang="en-US" sz="1400"/>
-                    </a:p>
-                  </a:txBody>
-                  <a:tcPr/>
-                </a:tc>
-                <a:tc>
-                  <a:txBody>
-                    <a:bodyPr/>
-                    <a:lstStyle/>
-                    <a:p>
-                      <a:endParaRPr lang="en-US" sz="1400"/>
-                    </a:p>
-                  </a:txBody>
-                  <a:tcPr/>
-                </a:tc>
-                <a:extLst>
-                  <a:ext uri="{0D108BD9-81ED-4DB2-BD59-A6C34878D82A}">
-                    <a16:rowId xmlns:a16="http://schemas.microsoft.com/office/drawing/2014/main" val="2479040546"/>
-                  </a:ext>
-                </a:extLst>
-              </a:tr>
-              <a:tr h="315255">
-                <a:tc>
-                  <a:txBody>
-                    <a:bodyPr/>
-                    <a:lstStyle/>
-                    <a:p>
-                      <a:r>
-                        <a:rPr lang="en-US" sz="1400" dirty="0"/>
-                        <a:t>Accuracy</a:t>
-                      </a:r>
-                    </a:p>
-                  </a:txBody>
-                  <a:tcPr/>
-                </a:tc>
-                <a:tc>
-                  <a:txBody>
-                    <a:bodyPr/>
-                    <a:lstStyle/>
-                    <a:p>
-                      <a:endParaRPr lang="en-US" sz="1400" dirty="0"/>
-                    </a:p>
-                  </a:txBody>
-                  <a:tcPr/>
-                </a:tc>
-                <a:tc>
-                  <a:txBody>
-                    <a:bodyPr/>
-                    <a:lstStyle/>
-                    <a:p>
-                      <a:endParaRPr lang="en-US" sz="1400" dirty="0"/>
-                    </a:p>
-                  </a:txBody>
-                  <a:tcPr/>
-                </a:tc>
-                <a:tc>
-                  <a:txBody>
-                    <a:bodyPr/>
-                    <a:lstStyle/>
-                    <a:p>
-                      <a:endParaRPr lang="en-US" sz="1400"/>
-                    </a:p>
-                  </a:txBody>
-                  <a:tcPr/>
-                </a:tc>
-                <a:tc>
-                  <a:txBody>
-                    <a:bodyPr/>
-                    <a:lstStyle/>
-                    <a:p>
-                      <a:endParaRPr lang="en-US" sz="1400"/>
-                    </a:p>
-                  </a:txBody>
-                  <a:tcPr/>
-                </a:tc>
-                <a:extLst>
-                  <a:ext uri="{0D108BD9-81ED-4DB2-BD59-A6C34878D82A}">
-                    <a16:rowId xmlns:a16="http://schemas.microsoft.com/office/drawing/2014/main" val="2695798934"/>
-                  </a:ext>
-                </a:extLst>
-              </a:tr>
-              <a:tr h="315255">
-                <a:tc>
-                  <a:txBody>
-                    <a:bodyPr/>
-                    <a:lstStyle/>
-                    <a:p>
-                      <a:r>
-                        <a:rPr lang="en-US" sz="1400" dirty="0"/>
-                        <a:t>Macro avg.</a:t>
-                      </a:r>
-                    </a:p>
-                  </a:txBody>
-                  <a:tcPr/>
-                </a:tc>
-                <a:tc>
-                  <a:txBody>
-                    <a:bodyPr/>
-                    <a:lstStyle/>
-                    <a:p>
-                      <a:endParaRPr lang="en-US" sz="1400"/>
-                    </a:p>
-                  </a:txBody>
-                  <a:tcPr/>
-                </a:tc>
-                <a:tc>
-                  <a:txBody>
-                    <a:bodyPr/>
-                    <a:lstStyle/>
-                    <a:p>
-                      <a:endParaRPr lang="en-US" sz="1400" dirty="0"/>
-                    </a:p>
-                  </a:txBody>
-                  <a:tcPr/>
-                </a:tc>
-                <a:tc>
-                  <a:txBody>
-                    <a:bodyPr/>
-                    <a:lstStyle/>
-                    <a:p>
-                      <a:endParaRPr lang="en-US" sz="1400" dirty="0"/>
-                    </a:p>
-                  </a:txBody>
-                  <a:tcPr/>
-                </a:tc>
-                <a:tc>
-                  <a:txBody>
-                    <a:bodyPr/>
-                    <a:lstStyle/>
-                    <a:p>
-                      <a:endParaRPr lang="en-US" sz="1400" dirty="0"/>
-                    </a:p>
-                  </a:txBody>
-                  <a:tcPr/>
-                </a:tc>
-                <a:extLst>
-                  <a:ext uri="{0D108BD9-81ED-4DB2-BD59-A6C34878D82A}">
-                    <a16:rowId xmlns:a16="http://schemas.microsoft.com/office/drawing/2014/main" val="3400326281"/>
-                  </a:ext>
-                </a:extLst>
-              </a:tr>
-              <a:tr h="315255">
-                <a:tc>
-                  <a:txBody>
-                    <a:bodyPr/>
-                    <a:lstStyle/>
-                    <a:p>
-                      <a:r>
-                        <a:rPr lang="en-US" sz="1400" dirty="0"/>
-                        <a:t>Weighted avg.</a:t>
-                      </a:r>
-                    </a:p>
-                  </a:txBody>
-                  <a:tcPr/>
-                </a:tc>
-                <a:tc>
-                  <a:txBody>
-                    <a:bodyPr/>
-                    <a:lstStyle/>
-                    <a:p>
-                      <a:endParaRPr lang="en-US" sz="1400" dirty="0"/>
-                    </a:p>
-                  </a:txBody>
-                  <a:tcPr/>
-                </a:tc>
-                <a:tc>
-                  <a:txBody>
-                    <a:bodyPr/>
-                    <a:lstStyle/>
-                    <a:p>
-                      <a:endParaRPr lang="en-US" sz="1400" dirty="0"/>
-                    </a:p>
-                  </a:txBody>
-                  <a:tcPr/>
-                </a:tc>
-                <a:tc>
-                  <a:txBody>
-                    <a:bodyPr/>
-                    <a:lstStyle/>
-                    <a:p>
-                      <a:endParaRPr lang="en-US" sz="1400" dirty="0"/>
-                    </a:p>
-                  </a:txBody>
-                  <a:tcPr/>
-                </a:tc>
-                <a:tc>
-                  <a:txBody>
-                    <a:bodyPr/>
-                    <a:lstStyle/>
-                    <a:p>
-                      <a:endParaRPr lang="en-US" sz="1400" dirty="0"/>
-                    </a:p>
-                  </a:txBody>
-                  <a:tcPr/>
-                </a:tc>
-                <a:extLst>
-                  <a:ext uri="{0D108BD9-81ED-4DB2-BD59-A6C34878D82A}">
-                    <a16:rowId xmlns:a16="http://schemas.microsoft.com/office/drawing/2014/main" val="567793856"/>
-                  </a:ext>
-                </a:extLst>
-              </a:tr>
-            </a:tbl>
-          </a:graphicData>
-        </a:graphic>
-      </p:graphicFrame>
-      <p:sp>
-        <p:nvSpPr>
-          <p:cNvPr id="10" name="Text Placeholder 1">
-            <a:extLst>
-              <a:ext uri="{FF2B5EF4-FFF2-40B4-BE49-F238E27FC236}">
-                <a16:creationId xmlns:a16="http://schemas.microsoft.com/office/drawing/2014/main" id="{B32EF183-9AC2-935B-82FB-AADA3A2E830F}"/>
-              </a:ext>
-            </a:extLst>
-          </p:cNvPr>
-          <p:cNvSpPr txBox="1">
-            <a:spLocks/>
-          </p:cNvSpPr>
+          <p:cNvPicPr>
+            <a:picLocks noChangeAspect="1"/>
+          </p:cNvPicPr>
           <p:nvPr/>
-        </p:nvSpPr>
+        </p:nvPicPr>
+        <p:blipFill>
+          <a:blip r:embed="rId2"/>
+          <a:stretch>
+            <a:fillRect/>
+          </a:stretch>
+        </p:blipFill>
         <p:spPr>
           <a:xfrm>
-            <a:off x="198963" y="3746388"/>
-            <a:ext cx="2474663" cy="430887"/>
+            <a:off x="5545834" y="1462996"/>
+            <a:ext cx="5899074" cy="4516783"/>
           </a:xfrm>
           <a:prstGeom prst="rect">
             <a:avLst/>
           </a:prstGeom>
         </p:spPr>
-        <p:txBody>
-          <a:bodyPr vert="horz" wrap="square" lIns="91440" tIns="91440" rIns="182880" bIns="91440" rtlCol="0">
-            <a:spAutoFit/>
-          </a:bodyPr>
-          <a:lstStyle>
-            <a:lvl1pPr marL="228462" marR="0" indent="-228462" algn="l" defTabSz="913632" rtl="0" eaLnBrk="1" fontAlgn="auto" latinLnBrk="0" hangingPunct="1">
-              <a:lnSpc>
-                <a:spcPct val="100000"/>
-              </a:lnSpc>
-              <a:spcBef>
-                <a:spcPts val="0"/>
-              </a:spcBef>
-              <a:spcAft>
-                <a:spcPts val="600"/>
-              </a:spcAft>
-              <a:buClr>
-                <a:schemeClr val="tx1">
-                  <a:lumMod val="50000"/>
-                </a:schemeClr>
-              </a:buClr>
-              <a:buSzPct val="90000"/>
-              <a:buFont typeface="Arial" pitchFamily="34" charset="0"/>
-              <a:buChar char="•"/>
-              <a:tabLst/>
-              <a:defRPr sz="1600" b="0" i="0" kern="1200" spc="0" baseline="0">
-                <a:solidFill>
-                  <a:schemeClr val="accent1"/>
-                </a:solidFill>
-                <a:latin typeface="+mn-lt"/>
-                <a:ea typeface="Helvetica Neue" panose="02000503000000020004" pitchFamily="2" charset="0"/>
-                <a:cs typeface="Helvetica Neue" panose="02000503000000020004" pitchFamily="2" charset="0"/>
-              </a:defRPr>
-            </a:lvl1pPr>
-            <a:lvl2pPr marL="458512" marR="0" indent="-172934" algn="l" defTabSz="913632" rtl="0" eaLnBrk="1" fontAlgn="auto" latinLnBrk="0" hangingPunct="1">
-              <a:lnSpc>
-                <a:spcPct val="100000"/>
-              </a:lnSpc>
-              <a:spcBef>
-                <a:spcPts val="0"/>
-              </a:spcBef>
-              <a:spcAft>
-                <a:spcPts val="600"/>
-              </a:spcAft>
-              <a:buClr>
-                <a:schemeClr val="tx1">
-                  <a:lumMod val="50000"/>
-                </a:schemeClr>
-              </a:buClr>
-              <a:buSzPct val="90000"/>
-              <a:buFont typeface="Arial" pitchFamily="34" charset="0"/>
-              <a:buChar char="•"/>
-              <a:tabLst/>
-              <a:defRPr sz="1400" b="0" i="0" kern="1200" spc="0" baseline="0">
-                <a:solidFill>
-                  <a:schemeClr val="accent1"/>
-                </a:solidFill>
-                <a:latin typeface="+mn-lt"/>
-                <a:ea typeface="Helvetica Neue" panose="02000503000000020004" pitchFamily="2" charset="0"/>
-                <a:cs typeface="Helvetica Neue" panose="02000503000000020004" pitchFamily="2" charset="0"/>
-              </a:defRPr>
-            </a:lvl2pPr>
-            <a:lvl3pPr marL="631446" marR="0" indent="-115818" algn="l" defTabSz="913632" rtl="0" eaLnBrk="1" fontAlgn="auto" latinLnBrk="0" hangingPunct="1">
-              <a:lnSpc>
-                <a:spcPct val="100000"/>
-              </a:lnSpc>
-              <a:spcBef>
-                <a:spcPts val="0"/>
-              </a:spcBef>
-              <a:spcAft>
-                <a:spcPts val="600"/>
-              </a:spcAft>
-              <a:buClr>
-                <a:schemeClr val="tx1">
-                  <a:lumMod val="50000"/>
-                </a:schemeClr>
-              </a:buClr>
-              <a:buSzPct val="90000"/>
-              <a:buFont typeface="Arial" pitchFamily="34" charset="0"/>
-              <a:buChar char="•"/>
-              <a:tabLst/>
-              <a:defRPr sz="1200" b="0" i="0" kern="1200" spc="0" baseline="0">
-                <a:solidFill>
-                  <a:schemeClr val="accent1"/>
-                </a:solidFill>
-                <a:latin typeface="+mn-lt"/>
-                <a:ea typeface="Helvetica Neue" panose="02000503000000020004" pitchFamily="2" charset="0"/>
-                <a:cs typeface="Helvetica Neue" panose="02000503000000020004" pitchFamily="2" charset="0"/>
-              </a:defRPr>
-            </a:lvl3pPr>
-            <a:lvl4pPr marL="802793" marR="0" indent="-114232" algn="l" defTabSz="913632" rtl="0" eaLnBrk="1" fontAlgn="auto" latinLnBrk="0" hangingPunct="1">
-              <a:lnSpc>
-                <a:spcPct val="100000"/>
-              </a:lnSpc>
-              <a:spcBef>
-                <a:spcPts val="0"/>
-              </a:spcBef>
-              <a:spcAft>
-                <a:spcPts val="600"/>
-              </a:spcAft>
-              <a:buClr>
-                <a:schemeClr val="tx1">
-                  <a:lumMod val="50000"/>
-                </a:schemeClr>
-              </a:buClr>
-              <a:buSzPct val="90000"/>
-              <a:buFont typeface="Arial" pitchFamily="34" charset="0"/>
-              <a:buChar char="•"/>
-              <a:tabLst/>
-              <a:defRPr sz="1050" b="0" i="0" kern="1200" spc="0" baseline="0">
-                <a:solidFill>
-                  <a:schemeClr val="accent1"/>
-                </a:solidFill>
-                <a:latin typeface="+mn-lt"/>
-                <a:ea typeface="Helvetica Neue" panose="02000503000000020004" pitchFamily="2" charset="0"/>
-                <a:cs typeface="Helvetica Neue" panose="02000503000000020004" pitchFamily="2" charset="0"/>
-              </a:defRPr>
-            </a:lvl4pPr>
-            <a:lvl5pPr marL="975727" marR="0" indent="-120578" algn="l" defTabSz="913632" rtl="0" eaLnBrk="1" fontAlgn="auto" latinLnBrk="0" hangingPunct="1">
-              <a:lnSpc>
-                <a:spcPct val="100000"/>
-              </a:lnSpc>
-              <a:spcBef>
-                <a:spcPts val="0"/>
-              </a:spcBef>
-              <a:spcAft>
-                <a:spcPts val="600"/>
-              </a:spcAft>
-              <a:buClr>
-                <a:schemeClr val="tx1">
-                  <a:lumMod val="50000"/>
-                </a:schemeClr>
-              </a:buClr>
-              <a:buSzPct val="90000"/>
-              <a:buFont typeface="Arial" pitchFamily="34" charset="0"/>
-              <a:buChar char="•"/>
-              <a:tabLst/>
-              <a:defRPr sz="900" b="0" i="0" kern="1200" spc="0" baseline="0">
-                <a:solidFill>
-                  <a:schemeClr val="accent1"/>
-                </a:solidFill>
-                <a:latin typeface="+mn-lt"/>
-                <a:ea typeface="Helvetica Neue" panose="02000503000000020004" pitchFamily="2" charset="0"/>
-                <a:cs typeface="Helvetica Neue" panose="02000503000000020004" pitchFamily="2" charset="0"/>
-              </a:defRPr>
-            </a:lvl5pPr>
-            <a:lvl6pPr marL="2512488" indent="-228408" algn="l" defTabSz="913632" rtl="0" eaLnBrk="1" latinLnBrk="0" hangingPunct="1">
-              <a:spcBef>
-                <a:spcPct val="20000"/>
-              </a:spcBef>
-              <a:buFont typeface="Arial" pitchFamily="34" charset="0"/>
-              <a:buChar char="•"/>
-              <a:defRPr sz="1958" kern="1200">
-                <a:solidFill>
-                  <a:schemeClr val="tx1"/>
-                </a:solidFill>
-                <a:latin typeface="+mn-lt"/>
-                <a:ea typeface="+mn-ea"/>
-                <a:cs typeface="+mn-cs"/>
-              </a:defRPr>
-            </a:lvl6pPr>
-            <a:lvl7pPr marL="2969305" indent="-228408" algn="l" defTabSz="913632" rtl="0" eaLnBrk="1" latinLnBrk="0" hangingPunct="1">
-              <a:spcBef>
-                <a:spcPct val="20000"/>
-              </a:spcBef>
-              <a:buFont typeface="Arial" pitchFamily="34" charset="0"/>
-              <a:buChar char="•"/>
-              <a:defRPr sz="1958" kern="1200">
-                <a:solidFill>
-                  <a:schemeClr val="tx1"/>
-                </a:solidFill>
-                <a:latin typeface="+mn-lt"/>
-                <a:ea typeface="+mn-ea"/>
-                <a:cs typeface="+mn-cs"/>
-              </a:defRPr>
-            </a:lvl7pPr>
-            <a:lvl8pPr marL="3426121" indent="-228408" algn="l" defTabSz="913632" rtl="0" eaLnBrk="1" latinLnBrk="0" hangingPunct="1">
-              <a:spcBef>
-                <a:spcPct val="20000"/>
-              </a:spcBef>
-              <a:buFont typeface="Arial" pitchFamily="34" charset="0"/>
-              <a:buChar char="•"/>
-              <a:defRPr sz="1958" kern="1200">
-                <a:solidFill>
-                  <a:schemeClr val="tx1"/>
-                </a:solidFill>
-                <a:latin typeface="+mn-lt"/>
-                <a:ea typeface="+mn-ea"/>
-                <a:cs typeface="+mn-cs"/>
-              </a:defRPr>
-            </a:lvl8pPr>
-            <a:lvl9pPr marL="3882937" indent="-228408" algn="l" defTabSz="913632" rtl="0" eaLnBrk="1" latinLnBrk="0" hangingPunct="1">
-              <a:spcBef>
-                <a:spcPct val="20000"/>
-              </a:spcBef>
-              <a:buFont typeface="Arial" pitchFamily="34" charset="0"/>
-              <a:buChar char="•"/>
-              <a:defRPr sz="1958" kern="1200">
-                <a:solidFill>
-                  <a:schemeClr val="tx1"/>
-                </a:solidFill>
-                <a:latin typeface="+mn-lt"/>
-                <a:ea typeface="+mn-ea"/>
-                <a:cs typeface="+mn-cs"/>
-              </a:defRPr>
-            </a:lvl9pPr>
-          </a:lstStyle>
-          <a:p>
-            <a:pPr marL="0" indent="0">
-              <a:buNone/>
-            </a:pPr>
-            <a:r>
-              <a:rPr lang="en-US" b="1" dirty="0"/>
-              <a:t>Classification Report</a:t>
-            </a:r>
-          </a:p>
-        </p:txBody>
-      </p:sp>
+      </p:pic>
       <p:sp>
         <p:nvSpPr>
-          <p:cNvPr id="11" name="Text Placeholder 1">
+          <p:cNvPr id="6" name="TextBox 5">
             <a:extLst>
               <a:ext uri="{FF2B5EF4-FFF2-40B4-BE49-F238E27FC236}">
-                <a16:creationId xmlns:a16="http://schemas.microsoft.com/office/drawing/2014/main" id="{258FD66E-F1CF-EA8A-5899-C9CC803D30E7}"/>
+                <a16:creationId xmlns:a16="http://schemas.microsoft.com/office/drawing/2014/main" id="{7BBA6516-6A6D-E377-D2A5-ECE79A7B788C}"/>
               </a:ext>
             </a:extLst>
           </p:cNvPr>
-          <p:cNvSpPr txBox="1">
-            <a:spLocks/>
-          </p:cNvSpPr>
+          <p:cNvSpPr txBox="1"/>
           <p:nvPr/>
         </p:nvSpPr>
         <p:spPr>
           <a:xfrm>
-            <a:off x="8252973" y="1736230"/>
-            <a:ext cx="3286358" cy="430887"/>
+            <a:off x="109510" y="4339381"/>
+            <a:ext cx="8551556" cy="1815882"/>
           </a:xfrm>
           <a:prstGeom prst="rect">
             <a:avLst/>
           </a:prstGeom>
+          <a:noFill/>
         </p:spPr>
         <p:txBody>
-          <a:bodyPr vert="horz" wrap="square" lIns="91440" tIns="91440" rIns="182880" bIns="91440" rtlCol="0">
+          <a:bodyPr wrap="square">
             <a:spAutoFit/>
           </a:bodyPr>
-          <a:lstStyle>
-            <a:lvl1pPr marL="228462" marR="0" indent="-228462" algn="l" defTabSz="913632" rtl="0" eaLnBrk="1" fontAlgn="auto" latinLnBrk="0" hangingPunct="1">
-              <a:lnSpc>
-                <a:spcPct val="100000"/>
-              </a:lnSpc>
-              <a:spcBef>
-                <a:spcPts val="0"/>
-              </a:spcBef>
-              <a:spcAft>
-                <a:spcPts val="600"/>
-              </a:spcAft>
-              <a:buClr>
-                <a:schemeClr val="tx1">
-                  <a:lumMod val="50000"/>
-                </a:schemeClr>
-              </a:buClr>
-              <a:buSzPct val="90000"/>
-              <a:buFont typeface="Arial" pitchFamily="34" charset="0"/>
-              <a:buChar char="•"/>
-              <a:tabLst/>
-              <a:defRPr sz="1600" b="0" i="0" kern="1200" spc="0" baseline="0">
-                <a:solidFill>
-                  <a:schemeClr val="accent1"/>
-                </a:solidFill>
-                <a:latin typeface="+mn-lt"/>
-                <a:ea typeface="Helvetica Neue" panose="02000503000000020004" pitchFamily="2" charset="0"/>
-                <a:cs typeface="Helvetica Neue" panose="02000503000000020004" pitchFamily="2" charset="0"/>
-              </a:defRPr>
-            </a:lvl1pPr>
-            <a:lvl2pPr marL="458512" marR="0" indent="-172934" algn="l" defTabSz="913632" rtl="0" eaLnBrk="1" fontAlgn="auto" latinLnBrk="0" hangingPunct="1">
-              <a:lnSpc>
-                <a:spcPct val="100000"/>
-              </a:lnSpc>
-              <a:spcBef>
-                <a:spcPts val="0"/>
-              </a:spcBef>
-              <a:spcAft>
-                <a:spcPts val="600"/>
-              </a:spcAft>
-              <a:buClr>
-                <a:schemeClr val="tx1">
-                  <a:lumMod val="50000"/>
-                </a:schemeClr>
-              </a:buClr>
-              <a:buSzPct val="90000"/>
-              <a:buFont typeface="Arial" pitchFamily="34" charset="0"/>
-              <a:buChar char="•"/>
-              <a:tabLst/>
-              <a:defRPr sz="1400" b="0" i="0" kern="1200" spc="0" baseline="0">
-                <a:solidFill>
-                  <a:schemeClr val="accent1"/>
-                </a:solidFill>
-                <a:latin typeface="+mn-lt"/>
-                <a:ea typeface="Helvetica Neue" panose="02000503000000020004" pitchFamily="2" charset="0"/>
-                <a:cs typeface="Helvetica Neue" panose="02000503000000020004" pitchFamily="2" charset="0"/>
-              </a:defRPr>
-            </a:lvl2pPr>
-            <a:lvl3pPr marL="631446" marR="0" indent="-115818" algn="l" defTabSz="913632" rtl="0" eaLnBrk="1" fontAlgn="auto" latinLnBrk="0" hangingPunct="1">
-              <a:lnSpc>
-                <a:spcPct val="100000"/>
-              </a:lnSpc>
-              <a:spcBef>
-                <a:spcPts val="0"/>
-              </a:spcBef>
-              <a:spcAft>
-                <a:spcPts val="600"/>
-              </a:spcAft>
-              <a:buClr>
-                <a:schemeClr val="tx1">
-                  <a:lumMod val="50000"/>
-                </a:schemeClr>
-              </a:buClr>
-              <a:buSzPct val="90000"/>
-              <a:buFont typeface="Arial" pitchFamily="34" charset="0"/>
-              <a:buChar char="•"/>
-              <a:tabLst/>
-              <a:defRPr sz="1200" b="0" i="0" kern="1200" spc="0" baseline="0">
-                <a:solidFill>
-                  <a:schemeClr val="accent1"/>
-                </a:solidFill>
-                <a:latin typeface="+mn-lt"/>
-                <a:ea typeface="Helvetica Neue" panose="02000503000000020004" pitchFamily="2" charset="0"/>
-                <a:cs typeface="Helvetica Neue" panose="02000503000000020004" pitchFamily="2" charset="0"/>
-              </a:defRPr>
-            </a:lvl3pPr>
-            <a:lvl4pPr marL="802793" marR="0" indent="-114232" algn="l" defTabSz="913632" rtl="0" eaLnBrk="1" fontAlgn="auto" latinLnBrk="0" hangingPunct="1">
-              <a:lnSpc>
-                <a:spcPct val="100000"/>
-              </a:lnSpc>
-              <a:spcBef>
-                <a:spcPts val="0"/>
-              </a:spcBef>
-              <a:spcAft>
-                <a:spcPts val="600"/>
-              </a:spcAft>
-              <a:buClr>
-                <a:schemeClr val="tx1">
-                  <a:lumMod val="50000"/>
-                </a:schemeClr>
-              </a:buClr>
-              <a:buSzPct val="90000"/>
-              <a:buFont typeface="Arial" pitchFamily="34" charset="0"/>
-              <a:buChar char="•"/>
-              <a:tabLst/>
-              <a:defRPr sz="1050" b="0" i="0" kern="1200" spc="0" baseline="0">
-                <a:solidFill>
-                  <a:schemeClr val="accent1"/>
-                </a:solidFill>
-                <a:latin typeface="+mn-lt"/>
-                <a:ea typeface="Helvetica Neue" panose="02000503000000020004" pitchFamily="2" charset="0"/>
-                <a:cs typeface="Helvetica Neue" panose="02000503000000020004" pitchFamily="2" charset="0"/>
-              </a:defRPr>
-            </a:lvl4pPr>
-            <a:lvl5pPr marL="975727" marR="0" indent="-120578" algn="l" defTabSz="913632" rtl="0" eaLnBrk="1" fontAlgn="auto" latinLnBrk="0" hangingPunct="1">
-              <a:lnSpc>
-                <a:spcPct val="100000"/>
-              </a:lnSpc>
-              <a:spcBef>
-                <a:spcPts val="0"/>
-              </a:spcBef>
-              <a:spcAft>
-                <a:spcPts val="600"/>
-              </a:spcAft>
-              <a:buClr>
-                <a:schemeClr val="tx1">
-                  <a:lumMod val="50000"/>
-                </a:schemeClr>
-              </a:buClr>
-              <a:buSzPct val="90000"/>
-              <a:buFont typeface="Arial" pitchFamily="34" charset="0"/>
-              <a:buChar char="•"/>
-              <a:tabLst/>
-              <a:defRPr sz="900" b="0" i="0" kern="1200" spc="0" baseline="0">
-                <a:solidFill>
-                  <a:schemeClr val="accent1"/>
-                </a:solidFill>
-                <a:latin typeface="+mn-lt"/>
-                <a:ea typeface="Helvetica Neue" panose="02000503000000020004" pitchFamily="2" charset="0"/>
-                <a:cs typeface="Helvetica Neue" panose="02000503000000020004" pitchFamily="2" charset="0"/>
-              </a:defRPr>
-            </a:lvl5pPr>
-            <a:lvl6pPr marL="2512488" indent="-228408" algn="l" defTabSz="913632" rtl="0" eaLnBrk="1" latinLnBrk="0" hangingPunct="1">
-              <a:spcBef>
-                <a:spcPct val="20000"/>
-              </a:spcBef>
-              <a:buFont typeface="Arial" pitchFamily="34" charset="0"/>
-              <a:buChar char="•"/>
-              <a:defRPr sz="1958" kern="1200">
-                <a:solidFill>
-                  <a:schemeClr val="tx1"/>
-                </a:solidFill>
-                <a:latin typeface="+mn-lt"/>
-                <a:ea typeface="+mn-ea"/>
-                <a:cs typeface="+mn-cs"/>
-              </a:defRPr>
-            </a:lvl6pPr>
-            <a:lvl7pPr marL="2969305" indent="-228408" algn="l" defTabSz="913632" rtl="0" eaLnBrk="1" latinLnBrk="0" hangingPunct="1">
-              <a:spcBef>
-                <a:spcPct val="20000"/>
-              </a:spcBef>
-              <a:buFont typeface="Arial" pitchFamily="34" charset="0"/>
-              <a:buChar char="•"/>
-              <a:defRPr sz="1958" kern="1200">
-                <a:solidFill>
-                  <a:schemeClr val="tx1"/>
-                </a:solidFill>
-                <a:latin typeface="+mn-lt"/>
-                <a:ea typeface="+mn-ea"/>
-                <a:cs typeface="+mn-cs"/>
-              </a:defRPr>
-            </a:lvl7pPr>
-            <a:lvl8pPr marL="3426121" indent="-228408" algn="l" defTabSz="913632" rtl="0" eaLnBrk="1" latinLnBrk="0" hangingPunct="1">
-              <a:spcBef>
-                <a:spcPct val="20000"/>
-              </a:spcBef>
-              <a:buFont typeface="Arial" pitchFamily="34" charset="0"/>
-              <a:buChar char="•"/>
-              <a:defRPr sz="1958" kern="1200">
-                <a:solidFill>
-                  <a:schemeClr val="tx1"/>
-                </a:solidFill>
-                <a:latin typeface="+mn-lt"/>
-                <a:ea typeface="+mn-ea"/>
-                <a:cs typeface="+mn-cs"/>
-              </a:defRPr>
-            </a:lvl8pPr>
-            <a:lvl9pPr marL="3882937" indent="-228408" algn="l" defTabSz="913632" rtl="0" eaLnBrk="1" latinLnBrk="0" hangingPunct="1">
-              <a:spcBef>
-                <a:spcPct val="20000"/>
-              </a:spcBef>
-              <a:buFont typeface="Arial" pitchFamily="34" charset="0"/>
-              <a:buChar char="•"/>
-              <a:defRPr sz="1958" kern="1200">
-                <a:solidFill>
-                  <a:schemeClr val="tx1"/>
-                </a:solidFill>
-                <a:latin typeface="+mn-lt"/>
-                <a:ea typeface="+mn-ea"/>
-                <a:cs typeface="+mn-cs"/>
-              </a:defRPr>
-            </a:lvl9pPr>
-          </a:lstStyle>
-          <a:p>
-            <a:pPr marL="0" indent="0">
-              <a:buFont typeface="Arial" pitchFamily="34" charset="0"/>
-              <a:buNone/>
-            </a:pPr>
-            <a:r>
-              <a:rPr lang="en-US" b="1" dirty="0"/>
-              <a:t>Precision Recall Plot</a:t>
+          <a:lstStyle/>
+          <a:p>
+            <a:r>
+              <a:rPr lang="en-US" sz="1400" dirty="0">
+                <a:effectLst/>
+                <a:latin typeface="Menlo" panose="020B0609030804020204" pitchFamily="49" charset="0"/>
+              </a:rPr>
+              <a:t>Results for </a:t>
+            </a:r>
+            <a:r>
+              <a:rPr lang="en-US" sz="1400" dirty="0" err="1">
+                <a:effectLst/>
+                <a:latin typeface="Menlo" panose="020B0609030804020204" pitchFamily="49" charset="0"/>
+              </a:rPr>
+              <a:t>LogisticModel</a:t>
+            </a:r>
+            <a:r>
+              <a:rPr lang="en-US" sz="1400" dirty="0">
+                <a:effectLst/>
+                <a:latin typeface="Menlo" panose="020B0609030804020204" pitchFamily="49" charset="0"/>
+              </a:rPr>
+              <a:t>: {'accuracy': 0.7925147734734077, 'precision': 0.8147448015122873, 'recall': 0.6640986132511556, 'f1_score': 0.731748726655348}</a:t>
+            </a:r>
+          </a:p>
+          <a:p>
+            <a:r>
+              <a:rPr lang="en-US" sz="1400" dirty="0">
+                <a:effectLst/>
+                <a:latin typeface="Menlo" panose="020B0609030804020204" pitchFamily="49" charset="0"/>
+              </a:rPr>
+              <a:t>Elapsed: 0.0894 seconds</a:t>
+            </a:r>
+          </a:p>
+          <a:p>
+            <a:r>
+              <a:rPr lang="en-US" sz="1400" dirty="0">
+                <a:effectLst/>
+                <a:latin typeface="Menlo" panose="020B0609030804020204" pitchFamily="49" charset="0"/>
+              </a:rPr>
+              <a:t>Results for </a:t>
+            </a:r>
+            <a:r>
+              <a:rPr lang="en-US" sz="1400" dirty="0" err="1">
+                <a:effectLst/>
+                <a:latin typeface="Menlo" panose="020B0609030804020204" pitchFamily="49" charset="0"/>
+              </a:rPr>
+              <a:t>GradientBoostingClassifierModel</a:t>
+            </a:r>
+            <a:r>
+              <a:rPr lang="en-US" sz="1400" dirty="0">
+                <a:effectLst/>
+                <a:latin typeface="Menlo" panose="020B0609030804020204" pitchFamily="49" charset="0"/>
+              </a:rPr>
+              <a:t>: {'accuracy': 0.7570584372948129, 'precision': 0.7469026548672566, 'recall': 0.650231124807396, 'f1_score': 0.6952224052718287}</a:t>
+            </a:r>
+          </a:p>
+          <a:p>
+            <a:r>
+              <a:rPr lang="en-US" sz="1400" dirty="0">
+                <a:effectLst/>
+                <a:latin typeface="Menlo" panose="020B0609030804020204" pitchFamily="49" charset="0"/>
+              </a:rPr>
+              <a:t>Elapsed: 1.014 seconds</a:t>
             </a:r>
           </a:p>
         </p:txBody>
@@ -11076,860 +8310,125 @@
           </a:p>
         </p:txBody>
       </p:sp>
-      <p:graphicFrame>
-        <p:nvGraphicFramePr>
-          <p:cNvPr id="9" name="Table 8">
+      <p:pic>
+        <p:nvPicPr>
+          <p:cNvPr id="2" name="Picture 1">
             <a:extLst>
               <a:ext uri="{FF2B5EF4-FFF2-40B4-BE49-F238E27FC236}">
-                <a16:creationId xmlns:a16="http://schemas.microsoft.com/office/drawing/2014/main" id="{AB64873A-873B-78A1-B359-25CCA56D96AD}"/>
+                <a16:creationId xmlns:a16="http://schemas.microsoft.com/office/drawing/2014/main" id="{2EE80DE6-EFEE-3D72-4ABC-5B577D02E4B1}"/>
               </a:ext>
             </a:extLst>
           </p:cNvPr>
-          <p:cNvGraphicFramePr>
-            <a:graphicFrameLocks noGrp="1"/>
-          </p:cNvGraphicFramePr>
-          <p:nvPr>
-            <p:extLst>
-              <p:ext uri="{D42A27DB-BD31-4B8C-83A1-F6EECF244321}">
-                <p14:modId xmlns:p14="http://schemas.microsoft.com/office/powerpoint/2010/main" val="2545876357"/>
-              </p:ext>
-            </p:extLst>
-          </p:nvPr>
-        </p:nvGraphicFramePr>
-        <p:xfrm>
-          <a:off x="274392" y="4168545"/>
-          <a:ext cx="6952975" cy="1576275"/>
-        </p:xfrm>
-        <a:graphic>
-          <a:graphicData uri="http://schemas.openxmlformats.org/drawingml/2006/table">
-            <a:tbl>
-              <a:tblPr firstRow="1" bandRow="1">
-                <a:tableStyleId>{C083E6E3-FA7D-4D7B-A595-EF9225AFEA82}</a:tableStyleId>
-              </a:tblPr>
-              <a:tblGrid>
-                <a:gridCol w="1390595">
-                  <a:extLst>
-                    <a:ext uri="{9D8B030D-6E8A-4147-A177-3AD203B41FA5}">
-                      <a16:colId xmlns:a16="http://schemas.microsoft.com/office/drawing/2014/main" val="3316613107"/>
-                    </a:ext>
-                  </a:extLst>
-                </a:gridCol>
-                <a:gridCol w="1390595">
-                  <a:extLst>
-                    <a:ext uri="{9D8B030D-6E8A-4147-A177-3AD203B41FA5}">
-                      <a16:colId xmlns:a16="http://schemas.microsoft.com/office/drawing/2014/main" val="4065112024"/>
-                    </a:ext>
-                  </a:extLst>
-                </a:gridCol>
-                <a:gridCol w="1390595">
-                  <a:extLst>
-                    <a:ext uri="{9D8B030D-6E8A-4147-A177-3AD203B41FA5}">
-                      <a16:colId xmlns:a16="http://schemas.microsoft.com/office/drawing/2014/main" val="2289020803"/>
-                    </a:ext>
-                  </a:extLst>
-                </a:gridCol>
-                <a:gridCol w="1390595">
-                  <a:extLst>
-                    <a:ext uri="{9D8B030D-6E8A-4147-A177-3AD203B41FA5}">
-                      <a16:colId xmlns:a16="http://schemas.microsoft.com/office/drawing/2014/main" val="3006722418"/>
-                    </a:ext>
-                  </a:extLst>
-                </a:gridCol>
-                <a:gridCol w="1390595">
-                  <a:extLst>
-                    <a:ext uri="{9D8B030D-6E8A-4147-A177-3AD203B41FA5}">
-                      <a16:colId xmlns:a16="http://schemas.microsoft.com/office/drawing/2014/main" val="3047965245"/>
-                    </a:ext>
-                  </a:extLst>
-                </a:gridCol>
-              </a:tblGrid>
-              <a:tr h="315255">
-                <a:tc>
-                  <a:txBody>
-                    <a:bodyPr/>
-                    <a:lstStyle/>
-                    <a:p>
-                      <a:endParaRPr lang="en-US" sz="1400" dirty="0"/>
-                    </a:p>
-                  </a:txBody>
-                  <a:tcPr/>
-                </a:tc>
-                <a:tc>
-                  <a:txBody>
-                    <a:bodyPr/>
-                    <a:lstStyle/>
-                    <a:p>
-                      <a:r>
-                        <a:rPr lang="en-US" sz="1400" dirty="0"/>
-                        <a:t>Precision</a:t>
-                      </a:r>
-                    </a:p>
-                  </a:txBody>
-                  <a:tcPr/>
-                </a:tc>
-                <a:tc>
-                  <a:txBody>
-                    <a:bodyPr/>
-                    <a:lstStyle/>
-                    <a:p>
-                      <a:r>
-                        <a:rPr lang="en-US" sz="1400" dirty="0"/>
-                        <a:t>Recall</a:t>
-                      </a:r>
-                    </a:p>
-                  </a:txBody>
-                  <a:tcPr/>
-                </a:tc>
-                <a:tc>
-                  <a:txBody>
-                    <a:bodyPr/>
-                    <a:lstStyle/>
-                    <a:p>
-                      <a:r>
-                        <a:rPr lang="en-US" sz="1400" dirty="0"/>
-                        <a:t>F1-score</a:t>
-                      </a:r>
-                    </a:p>
-                  </a:txBody>
-                  <a:tcPr/>
-                </a:tc>
-                <a:tc>
-                  <a:txBody>
-                    <a:bodyPr/>
-                    <a:lstStyle/>
-                    <a:p>
-                      <a:r>
-                        <a:rPr lang="en-US" sz="1400" dirty="0"/>
-                        <a:t>Support</a:t>
-                      </a:r>
-                    </a:p>
-                  </a:txBody>
-                  <a:tcPr/>
-                </a:tc>
-                <a:extLst>
-                  <a:ext uri="{0D108BD9-81ED-4DB2-BD59-A6C34878D82A}">
-                    <a16:rowId xmlns:a16="http://schemas.microsoft.com/office/drawing/2014/main" val="3723781388"/>
-                  </a:ext>
-                </a:extLst>
-              </a:tr>
-              <a:tr h="315255">
-                <a:tc>
-                  <a:txBody>
-                    <a:bodyPr/>
-                    <a:lstStyle/>
-                    <a:p>
-                      <a:endParaRPr lang="en-US" sz="1400" dirty="0"/>
-                    </a:p>
-                  </a:txBody>
-                  <a:tcPr/>
-                </a:tc>
-                <a:tc>
-                  <a:txBody>
-                    <a:bodyPr/>
-                    <a:lstStyle/>
-                    <a:p>
-                      <a:endParaRPr lang="en-US" sz="1400" dirty="0"/>
-                    </a:p>
-                  </a:txBody>
-                  <a:tcPr/>
-                </a:tc>
-                <a:tc>
-                  <a:txBody>
-                    <a:bodyPr/>
-                    <a:lstStyle/>
-                    <a:p>
-                      <a:endParaRPr lang="en-US" sz="1400"/>
-                    </a:p>
-                  </a:txBody>
-                  <a:tcPr/>
-                </a:tc>
-                <a:tc>
-                  <a:txBody>
-                    <a:bodyPr/>
-                    <a:lstStyle/>
-                    <a:p>
-                      <a:endParaRPr lang="en-US" sz="1400"/>
-                    </a:p>
-                  </a:txBody>
-                  <a:tcPr/>
-                </a:tc>
-                <a:tc>
-                  <a:txBody>
-                    <a:bodyPr/>
-                    <a:lstStyle/>
-                    <a:p>
-                      <a:endParaRPr lang="en-US" sz="1400"/>
-                    </a:p>
-                  </a:txBody>
-                  <a:tcPr/>
-                </a:tc>
-                <a:extLst>
-                  <a:ext uri="{0D108BD9-81ED-4DB2-BD59-A6C34878D82A}">
-                    <a16:rowId xmlns:a16="http://schemas.microsoft.com/office/drawing/2014/main" val="2479040546"/>
-                  </a:ext>
-                </a:extLst>
-              </a:tr>
-              <a:tr h="315255">
-                <a:tc>
-                  <a:txBody>
-                    <a:bodyPr/>
-                    <a:lstStyle/>
-                    <a:p>
-                      <a:r>
-                        <a:rPr lang="en-US" sz="1400" dirty="0"/>
-                        <a:t>Accuracy</a:t>
-                      </a:r>
-                    </a:p>
-                  </a:txBody>
-                  <a:tcPr/>
-                </a:tc>
-                <a:tc>
-                  <a:txBody>
-                    <a:bodyPr/>
-                    <a:lstStyle/>
-                    <a:p>
-                      <a:endParaRPr lang="en-US" sz="1400" dirty="0"/>
-                    </a:p>
-                  </a:txBody>
-                  <a:tcPr/>
-                </a:tc>
-                <a:tc>
-                  <a:txBody>
-                    <a:bodyPr/>
-                    <a:lstStyle/>
-                    <a:p>
-                      <a:endParaRPr lang="en-US" sz="1400" dirty="0"/>
-                    </a:p>
-                  </a:txBody>
-                  <a:tcPr/>
-                </a:tc>
-                <a:tc>
-                  <a:txBody>
-                    <a:bodyPr/>
-                    <a:lstStyle/>
-                    <a:p>
-                      <a:endParaRPr lang="en-US" sz="1400"/>
-                    </a:p>
-                  </a:txBody>
-                  <a:tcPr/>
-                </a:tc>
-                <a:tc>
-                  <a:txBody>
-                    <a:bodyPr/>
-                    <a:lstStyle/>
-                    <a:p>
-                      <a:endParaRPr lang="en-US" sz="1400"/>
-                    </a:p>
-                  </a:txBody>
-                  <a:tcPr/>
-                </a:tc>
-                <a:extLst>
-                  <a:ext uri="{0D108BD9-81ED-4DB2-BD59-A6C34878D82A}">
-                    <a16:rowId xmlns:a16="http://schemas.microsoft.com/office/drawing/2014/main" val="2695798934"/>
-                  </a:ext>
-                </a:extLst>
-              </a:tr>
-              <a:tr h="315255">
-                <a:tc>
-                  <a:txBody>
-                    <a:bodyPr/>
-                    <a:lstStyle/>
-                    <a:p>
-                      <a:r>
-                        <a:rPr lang="en-US" sz="1400" dirty="0"/>
-                        <a:t>Macro avg.</a:t>
-                      </a:r>
-                    </a:p>
-                  </a:txBody>
-                  <a:tcPr/>
-                </a:tc>
-                <a:tc>
-                  <a:txBody>
-                    <a:bodyPr/>
-                    <a:lstStyle/>
-                    <a:p>
-                      <a:endParaRPr lang="en-US" sz="1400"/>
-                    </a:p>
-                  </a:txBody>
-                  <a:tcPr/>
-                </a:tc>
-                <a:tc>
-                  <a:txBody>
-                    <a:bodyPr/>
-                    <a:lstStyle/>
-                    <a:p>
-                      <a:endParaRPr lang="en-US" sz="1400" dirty="0"/>
-                    </a:p>
-                  </a:txBody>
-                  <a:tcPr/>
-                </a:tc>
-                <a:tc>
-                  <a:txBody>
-                    <a:bodyPr/>
-                    <a:lstStyle/>
-                    <a:p>
-                      <a:endParaRPr lang="en-US" sz="1400" dirty="0"/>
-                    </a:p>
-                  </a:txBody>
-                  <a:tcPr/>
-                </a:tc>
-                <a:tc>
-                  <a:txBody>
-                    <a:bodyPr/>
-                    <a:lstStyle/>
-                    <a:p>
-                      <a:endParaRPr lang="en-US" sz="1400" dirty="0"/>
-                    </a:p>
-                  </a:txBody>
-                  <a:tcPr/>
-                </a:tc>
-                <a:extLst>
-                  <a:ext uri="{0D108BD9-81ED-4DB2-BD59-A6C34878D82A}">
-                    <a16:rowId xmlns:a16="http://schemas.microsoft.com/office/drawing/2014/main" val="3400326281"/>
-                  </a:ext>
-                </a:extLst>
-              </a:tr>
-              <a:tr h="315255">
-                <a:tc>
-                  <a:txBody>
-                    <a:bodyPr/>
-                    <a:lstStyle/>
-                    <a:p>
-                      <a:r>
-                        <a:rPr lang="en-US" sz="1400" dirty="0"/>
-                        <a:t>Weighted avg.</a:t>
-                      </a:r>
-                    </a:p>
-                  </a:txBody>
-                  <a:tcPr/>
-                </a:tc>
-                <a:tc>
-                  <a:txBody>
-                    <a:bodyPr/>
-                    <a:lstStyle/>
-                    <a:p>
-                      <a:endParaRPr lang="en-US" sz="1400" dirty="0"/>
-                    </a:p>
-                  </a:txBody>
-                  <a:tcPr/>
-                </a:tc>
-                <a:tc>
-                  <a:txBody>
-                    <a:bodyPr/>
-                    <a:lstStyle/>
-                    <a:p>
-                      <a:endParaRPr lang="en-US" sz="1400" dirty="0"/>
-                    </a:p>
-                  </a:txBody>
-                  <a:tcPr/>
-                </a:tc>
-                <a:tc>
-                  <a:txBody>
-                    <a:bodyPr/>
-                    <a:lstStyle/>
-                    <a:p>
-                      <a:endParaRPr lang="en-US" sz="1400" dirty="0"/>
-                    </a:p>
-                  </a:txBody>
-                  <a:tcPr/>
-                </a:tc>
-                <a:tc>
-                  <a:txBody>
-                    <a:bodyPr/>
-                    <a:lstStyle/>
-                    <a:p>
-                      <a:endParaRPr lang="en-US" sz="1400" dirty="0"/>
-                    </a:p>
-                  </a:txBody>
-                  <a:tcPr/>
-                </a:tc>
-                <a:extLst>
-                  <a:ext uri="{0D108BD9-81ED-4DB2-BD59-A6C34878D82A}">
-                    <a16:rowId xmlns:a16="http://schemas.microsoft.com/office/drawing/2014/main" val="567793856"/>
-                  </a:ext>
-                </a:extLst>
-              </a:tr>
-            </a:tbl>
-          </a:graphicData>
-        </a:graphic>
-      </p:graphicFrame>
-      <p:sp>
-        <p:nvSpPr>
-          <p:cNvPr id="10" name="Text Placeholder 1">
-            <a:extLst>
-              <a:ext uri="{FF2B5EF4-FFF2-40B4-BE49-F238E27FC236}">
-                <a16:creationId xmlns:a16="http://schemas.microsoft.com/office/drawing/2014/main" id="{A9717B10-9A74-AF3F-CA90-89E33F662CBD}"/>
-              </a:ext>
-            </a:extLst>
-          </p:cNvPr>
-          <p:cNvSpPr txBox="1">
-            <a:spLocks/>
-          </p:cNvSpPr>
+          <p:cNvPicPr>
+            <a:picLocks noChangeAspect="1"/>
+          </p:cNvPicPr>
           <p:nvPr/>
-        </p:nvSpPr>
+        </p:nvPicPr>
+        <p:blipFill>
+          <a:blip r:embed="rId2"/>
+          <a:stretch>
+            <a:fillRect/>
+          </a:stretch>
+        </p:blipFill>
         <p:spPr>
           <a:xfrm>
-            <a:off x="198963" y="3746388"/>
-            <a:ext cx="2474663" cy="430887"/>
+            <a:off x="6096000" y="1470991"/>
+            <a:ext cx="5491078" cy="4095198"/>
           </a:xfrm>
           <a:prstGeom prst="rect">
             <a:avLst/>
           </a:prstGeom>
         </p:spPr>
-        <p:txBody>
-          <a:bodyPr vert="horz" wrap="square" lIns="91440" tIns="91440" rIns="182880" bIns="91440" rtlCol="0">
-            <a:spAutoFit/>
-          </a:bodyPr>
-          <a:lstStyle>
-            <a:lvl1pPr marL="228462" marR="0" indent="-228462" algn="l" defTabSz="913632" rtl="0" eaLnBrk="1" fontAlgn="auto" latinLnBrk="0" hangingPunct="1">
-              <a:lnSpc>
-                <a:spcPct val="100000"/>
-              </a:lnSpc>
-              <a:spcBef>
-                <a:spcPts val="0"/>
-              </a:spcBef>
-              <a:spcAft>
-                <a:spcPts val="600"/>
-              </a:spcAft>
-              <a:buClr>
-                <a:schemeClr val="tx1">
-                  <a:lumMod val="50000"/>
-                </a:schemeClr>
-              </a:buClr>
-              <a:buSzPct val="90000"/>
-              <a:buFont typeface="Arial" pitchFamily="34" charset="0"/>
-              <a:buChar char="•"/>
-              <a:tabLst/>
-              <a:defRPr sz="1600" b="0" i="0" kern="1200" spc="0" baseline="0">
-                <a:solidFill>
-                  <a:schemeClr val="accent1"/>
-                </a:solidFill>
-                <a:latin typeface="+mn-lt"/>
-                <a:ea typeface="Helvetica Neue" panose="02000503000000020004" pitchFamily="2" charset="0"/>
-                <a:cs typeface="Helvetica Neue" panose="02000503000000020004" pitchFamily="2" charset="0"/>
-              </a:defRPr>
-            </a:lvl1pPr>
-            <a:lvl2pPr marL="458512" marR="0" indent="-172934" algn="l" defTabSz="913632" rtl="0" eaLnBrk="1" fontAlgn="auto" latinLnBrk="0" hangingPunct="1">
-              <a:lnSpc>
-                <a:spcPct val="100000"/>
-              </a:lnSpc>
-              <a:spcBef>
-                <a:spcPts val="0"/>
-              </a:spcBef>
-              <a:spcAft>
-                <a:spcPts val="600"/>
-              </a:spcAft>
-              <a:buClr>
-                <a:schemeClr val="tx1">
-                  <a:lumMod val="50000"/>
-                </a:schemeClr>
-              </a:buClr>
-              <a:buSzPct val="90000"/>
-              <a:buFont typeface="Arial" pitchFamily="34" charset="0"/>
-              <a:buChar char="•"/>
-              <a:tabLst/>
-              <a:defRPr sz="1400" b="0" i="0" kern="1200" spc="0" baseline="0">
-                <a:solidFill>
-                  <a:schemeClr val="accent1"/>
-                </a:solidFill>
-                <a:latin typeface="+mn-lt"/>
-                <a:ea typeface="Helvetica Neue" panose="02000503000000020004" pitchFamily="2" charset="0"/>
-                <a:cs typeface="Helvetica Neue" panose="02000503000000020004" pitchFamily="2" charset="0"/>
-              </a:defRPr>
-            </a:lvl2pPr>
-            <a:lvl3pPr marL="631446" marR="0" indent="-115818" algn="l" defTabSz="913632" rtl="0" eaLnBrk="1" fontAlgn="auto" latinLnBrk="0" hangingPunct="1">
-              <a:lnSpc>
-                <a:spcPct val="100000"/>
-              </a:lnSpc>
-              <a:spcBef>
-                <a:spcPts val="0"/>
-              </a:spcBef>
-              <a:spcAft>
-                <a:spcPts val="600"/>
-              </a:spcAft>
-              <a:buClr>
-                <a:schemeClr val="tx1">
-                  <a:lumMod val="50000"/>
-                </a:schemeClr>
-              </a:buClr>
-              <a:buSzPct val="90000"/>
-              <a:buFont typeface="Arial" pitchFamily="34" charset="0"/>
-              <a:buChar char="•"/>
-              <a:tabLst/>
-              <a:defRPr sz="1200" b="0" i="0" kern="1200" spc="0" baseline="0">
-                <a:solidFill>
-                  <a:schemeClr val="accent1"/>
-                </a:solidFill>
-                <a:latin typeface="+mn-lt"/>
-                <a:ea typeface="Helvetica Neue" panose="02000503000000020004" pitchFamily="2" charset="0"/>
-                <a:cs typeface="Helvetica Neue" panose="02000503000000020004" pitchFamily="2" charset="0"/>
-              </a:defRPr>
-            </a:lvl3pPr>
-            <a:lvl4pPr marL="802793" marR="0" indent="-114232" algn="l" defTabSz="913632" rtl="0" eaLnBrk="1" fontAlgn="auto" latinLnBrk="0" hangingPunct="1">
-              <a:lnSpc>
-                <a:spcPct val="100000"/>
-              </a:lnSpc>
-              <a:spcBef>
-                <a:spcPts val="0"/>
-              </a:spcBef>
-              <a:spcAft>
-                <a:spcPts val="600"/>
-              </a:spcAft>
-              <a:buClr>
-                <a:schemeClr val="tx1">
-                  <a:lumMod val="50000"/>
-                </a:schemeClr>
-              </a:buClr>
-              <a:buSzPct val="90000"/>
-              <a:buFont typeface="Arial" pitchFamily="34" charset="0"/>
-              <a:buChar char="•"/>
-              <a:tabLst/>
-              <a:defRPr sz="1050" b="0" i="0" kern="1200" spc="0" baseline="0">
-                <a:solidFill>
-                  <a:schemeClr val="accent1"/>
-                </a:solidFill>
-                <a:latin typeface="+mn-lt"/>
-                <a:ea typeface="Helvetica Neue" panose="02000503000000020004" pitchFamily="2" charset="0"/>
-                <a:cs typeface="Helvetica Neue" panose="02000503000000020004" pitchFamily="2" charset="0"/>
-              </a:defRPr>
-            </a:lvl4pPr>
-            <a:lvl5pPr marL="975727" marR="0" indent="-120578" algn="l" defTabSz="913632" rtl="0" eaLnBrk="1" fontAlgn="auto" latinLnBrk="0" hangingPunct="1">
-              <a:lnSpc>
-                <a:spcPct val="100000"/>
-              </a:lnSpc>
-              <a:spcBef>
-                <a:spcPts val="0"/>
-              </a:spcBef>
-              <a:spcAft>
-                <a:spcPts val="600"/>
-              </a:spcAft>
-              <a:buClr>
-                <a:schemeClr val="tx1">
-                  <a:lumMod val="50000"/>
-                </a:schemeClr>
-              </a:buClr>
-              <a:buSzPct val="90000"/>
-              <a:buFont typeface="Arial" pitchFamily="34" charset="0"/>
-              <a:buChar char="•"/>
-              <a:tabLst/>
-              <a:defRPr sz="900" b="0" i="0" kern="1200" spc="0" baseline="0">
-                <a:solidFill>
-                  <a:schemeClr val="accent1"/>
-                </a:solidFill>
-                <a:latin typeface="+mn-lt"/>
-                <a:ea typeface="Helvetica Neue" panose="02000503000000020004" pitchFamily="2" charset="0"/>
-                <a:cs typeface="Helvetica Neue" panose="02000503000000020004" pitchFamily="2" charset="0"/>
-              </a:defRPr>
-            </a:lvl5pPr>
-            <a:lvl6pPr marL="2512488" indent="-228408" algn="l" defTabSz="913632" rtl="0" eaLnBrk="1" latinLnBrk="0" hangingPunct="1">
-              <a:spcBef>
-                <a:spcPct val="20000"/>
-              </a:spcBef>
-              <a:buFont typeface="Arial" pitchFamily="34" charset="0"/>
-              <a:buChar char="•"/>
-              <a:defRPr sz="1958" kern="1200">
-                <a:solidFill>
-                  <a:schemeClr val="tx1"/>
-                </a:solidFill>
-                <a:latin typeface="+mn-lt"/>
-                <a:ea typeface="+mn-ea"/>
-                <a:cs typeface="+mn-cs"/>
-              </a:defRPr>
-            </a:lvl6pPr>
-            <a:lvl7pPr marL="2969305" indent="-228408" algn="l" defTabSz="913632" rtl="0" eaLnBrk="1" latinLnBrk="0" hangingPunct="1">
-              <a:spcBef>
-                <a:spcPct val="20000"/>
-              </a:spcBef>
-              <a:buFont typeface="Arial" pitchFamily="34" charset="0"/>
-              <a:buChar char="•"/>
-              <a:defRPr sz="1958" kern="1200">
-                <a:solidFill>
-                  <a:schemeClr val="tx1"/>
-                </a:solidFill>
-                <a:latin typeface="+mn-lt"/>
-                <a:ea typeface="+mn-ea"/>
-                <a:cs typeface="+mn-cs"/>
-              </a:defRPr>
-            </a:lvl7pPr>
-            <a:lvl8pPr marL="3426121" indent="-228408" algn="l" defTabSz="913632" rtl="0" eaLnBrk="1" latinLnBrk="0" hangingPunct="1">
-              <a:spcBef>
-                <a:spcPct val="20000"/>
-              </a:spcBef>
-              <a:buFont typeface="Arial" pitchFamily="34" charset="0"/>
-              <a:buChar char="•"/>
-              <a:defRPr sz="1958" kern="1200">
-                <a:solidFill>
-                  <a:schemeClr val="tx1"/>
-                </a:solidFill>
-                <a:latin typeface="+mn-lt"/>
-                <a:ea typeface="+mn-ea"/>
-                <a:cs typeface="+mn-cs"/>
-              </a:defRPr>
-            </a:lvl8pPr>
-            <a:lvl9pPr marL="3882937" indent="-228408" algn="l" defTabSz="913632" rtl="0" eaLnBrk="1" latinLnBrk="0" hangingPunct="1">
-              <a:spcBef>
-                <a:spcPct val="20000"/>
-              </a:spcBef>
-              <a:buFont typeface="Arial" pitchFamily="34" charset="0"/>
-              <a:buChar char="•"/>
-              <a:defRPr sz="1958" kern="1200">
-                <a:solidFill>
-                  <a:schemeClr val="tx1"/>
-                </a:solidFill>
-                <a:latin typeface="+mn-lt"/>
-                <a:ea typeface="+mn-ea"/>
-                <a:cs typeface="+mn-cs"/>
-              </a:defRPr>
-            </a:lvl9pPr>
-          </a:lstStyle>
-          <a:p>
-            <a:pPr marL="0" indent="0">
-              <a:buNone/>
-            </a:pPr>
-            <a:r>
-              <a:rPr lang="en-US" b="1" dirty="0"/>
-              <a:t>Classification Report</a:t>
-            </a:r>
-          </a:p>
-        </p:txBody>
-      </p:sp>
+      </p:pic>
       <p:sp>
         <p:nvSpPr>
-          <p:cNvPr id="11" name="Text Placeholder 1">
+          <p:cNvPr id="6" name="TextBox 5">
             <a:extLst>
               <a:ext uri="{FF2B5EF4-FFF2-40B4-BE49-F238E27FC236}">
-                <a16:creationId xmlns:a16="http://schemas.microsoft.com/office/drawing/2014/main" id="{A46C54CC-D341-4A7A-62BE-0209720723CF}"/>
+                <a16:creationId xmlns:a16="http://schemas.microsoft.com/office/drawing/2014/main" id="{594E9889-ABF8-5659-6842-B7BE74F2856C}"/>
               </a:ext>
             </a:extLst>
           </p:cNvPr>
-          <p:cNvSpPr txBox="1">
-            <a:spLocks/>
-          </p:cNvSpPr>
+          <p:cNvSpPr txBox="1"/>
           <p:nvPr/>
         </p:nvSpPr>
         <p:spPr>
           <a:xfrm>
-            <a:off x="8252973" y="1736230"/>
-            <a:ext cx="3286358" cy="430887"/>
+            <a:off x="109510" y="4095603"/>
+            <a:ext cx="6097656" cy="2031325"/>
           </a:xfrm>
           <a:prstGeom prst="rect">
             <a:avLst/>
           </a:prstGeom>
+          <a:noFill/>
         </p:spPr>
         <p:txBody>
-          <a:bodyPr vert="horz" wrap="square" lIns="91440" tIns="91440" rIns="182880" bIns="91440" rtlCol="0">
+          <a:bodyPr wrap="square">
             <a:spAutoFit/>
           </a:bodyPr>
-          <a:lstStyle>
-            <a:lvl1pPr marL="228462" marR="0" indent="-228462" algn="l" defTabSz="913632" rtl="0" eaLnBrk="1" fontAlgn="auto" latinLnBrk="0" hangingPunct="1">
-              <a:lnSpc>
-                <a:spcPct val="100000"/>
-              </a:lnSpc>
-              <a:spcBef>
-                <a:spcPts val="0"/>
-              </a:spcBef>
-              <a:spcAft>
-                <a:spcPts val="600"/>
-              </a:spcAft>
-              <a:buClr>
-                <a:schemeClr val="tx1">
-                  <a:lumMod val="50000"/>
-                </a:schemeClr>
-              </a:buClr>
-              <a:buSzPct val="90000"/>
-              <a:buFont typeface="Arial" pitchFamily="34" charset="0"/>
-              <a:buChar char="•"/>
-              <a:tabLst/>
-              <a:defRPr sz="1600" b="0" i="0" kern="1200" spc="0" baseline="0">
-                <a:solidFill>
-                  <a:schemeClr val="accent1"/>
-                </a:solidFill>
-                <a:latin typeface="+mn-lt"/>
-                <a:ea typeface="Helvetica Neue" panose="02000503000000020004" pitchFamily="2" charset="0"/>
-                <a:cs typeface="Helvetica Neue" panose="02000503000000020004" pitchFamily="2" charset="0"/>
-              </a:defRPr>
-            </a:lvl1pPr>
-            <a:lvl2pPr marL="458512" marR="0" indent="-172934" algn="l" defTabSz="913632" rtl="0" eaLnBrk="1" fontAlgn="auto" latinLnBrk="0" hangingPunct="1">
-              <a:lnSpc>
-                <a:spcPct val="100000"/>
-              </a:lnSpc>
-              <a:spcBef>
-                <a:spcPts val="0"/>
-              </a:spcBef>
-              <a:spcAft>
-                <a:spcPts val="600"/>
-              </a:spcAft>
-              <a:buClr>
-                <a:schemeClr val="tx1">
-                  <a:lumMod val="50000"/>
-                </a:schemeClr>
-              </a:buClr>
-              <a:buSzPct val="90000"/>
-              <a:buFont typeface="Arial" pitchFamily="34" charset="0"/>
-              <a:buChar char="•"/>
-              <a:tabLst/>
-              <a:defRPr sz="1400" b="0" i="0" kern="1200" spc="0" baseline="0">
-                <a:solidFill>
-                  <a:schemeClr val="accent1"/>
-                </a:solidFill>
-                <a:latin typeface="+mn-lt"/>
-                <a:ea typeface="Helvetica Neue" panose="02000503000000020004" pitchFamily="2" charset="0"/>
-                <a:cs typeface="Helvetica Neue" panose="02000503000000020004" pitchFamily="2" charset="0"/>
-              </a:defRPr>
-            </a:lvl2pPr>
-            <a:lvl3pPr marL="631446" marR="0" indent="-115818" algn="l" defTabSz="913632" rtl="0" eaLnBrk="1" fontAlgn="auto" latinLnBrk="0" hangingPunct="1">
-              <a:lnSpc>
-                <a:spcPct val="100000"/>
-              </a:lnSpc>
-              <a:spcBef>
-                <a:spcPts val="0"/>
-              </a:spcBef>
-              <a:spcAft>
-                <a:spcPts val="600"/>
-              </a:spcAft>
-              <a:buClr>
-                <a:schemeClr val="tx1">
-                  <a:lumMod val="50000"/>
-                </a:schemeClr>
-              </a:buClr>
-              <a:buSzPct val="90000"/>
-              <a:buFont typeface="Arial" pitchFamily="34" charset="0"/>
-              <a:buChar char="•"/>
-              <a:tabLst/>
-              <a:defRPr sz="1200" b="0" i="0" kern="1200" spc="0" baseline="0">
-                <a:solidFill>
-                  <a:schemeClr val="accent1"/>
-                </a:solidFill>
-                <a:latin typeface="+mn-lt"/>
-                <a:ea typeface="Helvetica Neue" panose="02000503000000020004" pitchFamily="2" charset="0"/>
-                <a:cs typeface="Helvetica Neue" panose="02000503000000020004" pitchFamily="2" charset="0"/>
-              </a:defRPr>
-            </a:lvl3pPr>
-            <a:lvl4pPr marL="802793" marR="0" indent="-114232" algn="l" defTabSz="913632" rtl="0" eaLnBrk="1" fontAlgn="auto" latinLnBrk="0" hangingPunct="1">
-              <a:lnSpc>
-                <a:spcPct val="100000"/>
-              </a:lnSpc>
-              <a:spcBef>
-                <a:spcPts val="0"/>
-              </a:spcBef>
-              <a:spcAft>
-                <a:spcPts val="600"/>
-              </a:spcAft>
-              <a:buClr>
-                <a:schemeClr val="tx1">
-                  <a:lumMod val="50000"/>
-                </a:schemeClr>
-              </a:buClr>
-              <a:buSzPct val="90000"/>
-              <a:buFont typeface="Arial" pitchFamily="34" charset="0"/>
-              <a:buChar char="•"/>
-              <a:tabLst/>
-              <a:defRPr sz="1050" b="0" i="0" kern="1200" spc="0" baseline="0">
-                <a:solidFill>
-                  <a:schemeClr val="accent1"/>
-                </a:solidFill>
-                <a:latin typeface="+mn-lt"/>
-                <a:ea typeface="Helvetica Neue" panose="02000503000000020004" pitchFamily="2" charset="0"/>
-                <a:cs typeface="Helvetica Neue" panose="02000503000000020004" pitchFamily="2" charset="0"/>
-              </a:defRPr>
-            </a:lvl4pPr>
-            <a:lvl5pPr marL="975727" marR="0" indent="-120578" algn="l" defTabSz="913632" rtl="0" eaLnBrk="1" fontAlgn="auto" latinLnBrk="0" hangingPunct="1">
-              <a:lnSpc>
-                <a:spcPct val="100000"/>
-              </a:lnSpc>
-              <a:spcBef>
-                <a:spcPts val="0"/>
-              </a:spcBef>
-              <a:spcAft>
-                <a:spcPts val="600"/>
-              </a:spcAft>
-              <a:buClr>
-                <a:schemeClr val="tx1">
-                  <a:lumMod val="50000"/>
-                </a:schemeClr>
-              </a:buClr>
-              <a:buSzPct val="90000"/>
-              <a:buFont typeface="Arial" pitchFamily="34" charset="0"/>
-              <a:buChar char="•"/>
-              <a:tabLst/>
-              <a:defRPr sz="900" b="0" i="0" kern="1200" spc="0" baseline="0">
-                <a:solidFill>
-                  <a:schemeClr val="accent1"/>
-                </a:solidFill>
-                <a:latin typeface="+mn-lt"/>
-                <a:ea typeface="Helvetica Neue" panose="02000503000000020004" pitchFamily="2" charset="0"/>
-                <a:cs typeface="Helvetica Neue" panose="02000503000000020004" pitchFamily="2" charset="0"/>
-              </a:defRPr>
-            </a:lvl5pPr>
-            <a:lvl6pPr marL="2512488" indent="-228408" algn="l" defTabSz="913632" rtl="0" eaLnBrk="1" latinLnBrk="0" hangingPunct="1">
-              <a:spcBef>
-                <a:spcPct val="20000"/>
-              </a:spcBef>
-              <a:buFont typeface="Arial" pitchFamily="34" charset="0"/>
-              <a:buChar char="•"/>
-              <a:defRPr sz="1958" kern="1200">
-                <a:solidFill>
-                  <a:schemeClr val="tx1"/>
-                </a:solidFill>
-                <a:latin typeface="+mn-lt"/>
-                <a:ea typeface="+mn-ea"/>
-                <a:cs typeface="+mn-cs"/>
-              </a:defRPr>
-            </a:lvl6pPr>
-            <a:lvl7pPr marL="2969305" indent="-228408" algn="l" defTabSz="913632" rtl="0" eaLnBrk="1" latinLnBrk="0" hangingPunct="1">
-              <a:spcBef>
-                <a:spcPct val="20000"/>
-              </a:spcBef>
-              <a:buFont typeface="Arial" pitchFamily="34" charset="0"/>
-              <a:buChar char="•"/>
-              <a:defRPr sz="1958" kern="1200">
-                <a:solidFill>
-                  <a:schemeClr val="tx1"/>
-                </a:solidFill>
-                <a:latin typeface="+mn-lt"/>
-                <a:ea typeface="+mn-ea"/>
-                <a:cs typeface="+mn-cs"/>
-              </a:defRPr>
-            </a:lvl7pPr>
-            <a:lvl8pPr marL="3426121" indent="-228408" algn="l" defTabSz="913632" rtl="0" eaLnBrk="1" latinLnBrk="0" hangingPunct="1">
-              <a:spcBef>
-                <a:spcPct val="20000"/>
-              </a:spcBef>
-              <a:buFont typeface="Arial" pitchFamily="34" charset="0"/>
-              <a:buChar char="•"/>
-              <a:defRPr sz="1958" kern="1200">
-                <a:solidFill>
-                  <a:schemeClr val="tx1"/>
-                </a:solidFill>
-                <a:latin typeface="+mn-lt"/>
-                <a:ea typeface="+mn-ea"/>
-                <a:cs typeface="+mn-cs"/>
-              </a:defRPr>
-            </a:lvl8pPr>
-            <a:lvl9pPr marL="3882937" indent="-228408" algn="l" defTabSz="913632" rtl="0" eaLnBrk="1" latinLnBrk="0" hangingPunct="1">
-              <a:spcBef>
-                <a:spcPct val="20000"/>
-              </a:spcBef>
-              <a:buFont typeface="Arial" pitchFamily="34" charset="0"/>
-              <a:buChar char="•"/>
-              <a:defRPr sz="1958" kern="1200">
-                <a:solidFill>
-                  <a:schemeClr val="tx1"/>
-                </a:solidFill>
-                <a:latin typeface="+mn-lt"/>
-                <a:ea typeface="+mn-ea"/>
-                <a:cs typeface="+mn-cs"/>
-              </a:defRPr>
-            </a:lvl9pPr>
-          </a:lstStyle>
-          <a:p>
-            <a:pPr marL="0" indent="0">
-              <a:buFont typeface="Arial" pitchFamily="34" charset="0"/>
-              <a:buNone/>
-            </a:pPr>
-            <a:r>
-              <a:rPr lang="en-US" b="1" dirty="0"/>
-              <a:t>Precision Recall Plot</a:t>
+          <a:lstStyle/>
+          <a:p>
+            <a:r>
+              <a:rPr lang="en-US" sz="1400" dirty="0">
+                <a:effectLst/>
+                <a:latin typeface="Menlo" panose="020B0609030804020204" pitchFamily="49" charset="0"/>
+              </a:rPr>
+              <a:t>Results for </a:t>
+            </a:r>
+            <a:r>
+              <a:rPr lang="en-US" sz="1400" dirty="0" err="1">
+                <a:effectLst/>
+                <a:latin typeface="Menlo" panose="020B0609030804020204" pitchFamily="49" charset="0"/>
+              </a:rPr>
+              <a:t>LogisticModel</a:t>
+            </a:r>
+            <a:r>
+              <a:rPr lang="en-US" sz="1400" dirty="0">
+                <a:effectLst/>
+                <a:latin typeface="Menlo" panose="020B0609030804020204" pitchFamily="49" charset="0"/>
+              </a:rPr>
+              <a:t>: {'accuracy': 0.7925147734734077, 'precision': 0.8147448015122873, 'recall': 0.6640986132511556, 'f1_score': 0.731748726655348}</a:t>
+            </a:r>
+          </a:p>
+          <a:p>
+            <a:r>
+              <a:rPr lang="en-US" sz="1400" dirty="0">
+                <a:effectLst/>
+                <a:latin typeface="Menlo" panose="020B0609030804020204" pitchFamily="49" charset="0"/>
+              </a:rPr>
+              <a:t>Elapsed: 0.0891 seconds</a:t>
+            </a:r>
+          </a:p>
+          <a:p>
+            <a:r>
+              <a:rPr lang="en-US" sz="1400" dirty="0">
+                <a:effectLst/>
+                <a:latin typeface="Menlo" panose="020B0609030804020204" pitchFamily="49" charset="0"/>
+              </a:rPr>
+              <a:t>Results for </a:t>
+            </a:r>
+            <a:r>
+              <a:rPr lang="en-US" sz="1400" dirty="0" err="1">
+                <a:effectLst/>
+                <a:latin typeface="Menlo" panose="020B0609030804020204" pitchFamily="49" charset="0"/>
+              </a:rPr>
+              <a:t>SVCModel</a:t>
+            </a:r>
+            <a:r>
+              <a:rPr lang="en-US" sz="1400" dirty="0">
+                <a:effectLst/>
+                <a:latin typeface="Menlo" panose="020B0609030804020204" pitchFamily="49" charset="0"/>
+              </a:rPr>
+              <a:t>: {'accuracy': 0.799080761654629, 'precision': 0.8014059753954306, 'recall': 0.7026194144838213, 'f1_score': 0.7487684729064038}</a:t>
+            </a:r>
+          </a:p>
+          <a:p>
+            <a:r>
+              <a:rPr lang="en-US" sz="1400" dirty="0">
+                <a:effectLst/>
+                <a:latin typeface="Menlo" panose="020B0609030804020204" pitchFamily="49" charset="0"/>
+              </a:rPr>
+              <a:t>Elapsed: 0.1691 seconds</a:t>
             </a:r>
           </a:p>
         </p:txBody>
@@ -12319,860 +8818,145 @@
           </a:p>
         </p:txBody>
       </p:sp>
-      <p:graphicFrame>
-        <p:nvGraphicFramePr>
-          <p:cNvPr id="10" name="Table 9">
+      <p:pic>
+        <p:nvPicPr>
+          <p:cNvPr id="5" name="Picture 4">
             <a:extLst>
               <a:ext uri="{FF2B5EF4-FFF2-40B4-BE49-F238E27FC236}">
-                <a16:creationId xmlns:a16="http://schemas.microsoft.com/office/drawing/2014/main" id="{DDF141ED-1AF6-D5CE-1519-19B0584AD4CF}"/>
+                <a16:creationId xmlns:a16="http://schemas.microsoft.com/office/drawing/2014/main" id="{864EA289-528E-D9DF-4E43-618D505D5407}"/>
               </a:ext>
             </a:extLst>
           </p:cNvPr>
-          <p:cNvGraphicFramePr>
-            <a:graphicFrameLocks noGrp="1"/>
-          </p:cNvGraphicFramePr>
-          <p:nvPr>
-            <p:extLst>
-              <p:ext uri="{D42A27DB-BD31-4B8C-83A1-F6EECF244321}">
-                <p14:modId xmlns:p14="http://schemas.microsoft.com/office/powerpoint/2010/main" val="4068333027"/>
-              </p:ext>
-            </p:extLst>
-          </p:nvPr>
-        </p:nvGraphicFramePr>
-        <p:xfrm>
-          <a:off x="274392" y="4168545"/>
-          <a:ext cx="6952975" cy="1576275"/>
-        </p:xfrm>
-        <a:graphic>
-          <a:graphicData uri="http://schemas.openxmlformats.org/drawingml/2006/table">
-            <a:tbl>
-              <a:tblPr firstRow="1" bandRow="1">
-                <a:tableStyleId>{C083E6E3-FA7D-4D7B-A595-EF9225AFEA82}</a:tableStyleId>
-              </a:tblPr>
-              <a:tblGrid>
-                <a:gridCol w="1390595">
-                  <a:extLst>
-                    <a:ext uri="{9D8B030D-6E8A-4147-A177-3AD203B41FA5}">
-                      <a16:colId xmlns:a16="http://schemas.microsoft.com/office/drawing/2014/main" val="3316613107"/>
-                    </a:ext>
-                  </a:extLst>
-                </a:gridCol>
-                <a:gridCol w="1390595">
-                  <a:extLst>
-                    <a:ext uri="{9D8B030D-6E8A-4147-A177-3AD203B41FA5}">
-                      <a16:colId xmlns:a16="http://schemas.microsoft.com/office/drawing/2014/main" val="4065112024"/>
-                    </a:ext>
-                  </a:extLst>
-                </a:gridCol>
-                <a:gridCol w="1390595">
-                  <a:extLst>
-                    <a:ext uri="{9D8B030D-6E8A-4147-A177-3AD203B41FA5}">
-                      <a16:colId xmlns:a16="http://schemas.microsoft.com/office/drawing/2014/main" val="2289020803"/>
-                    </a:ext>
-                  </a:extLst>
-                </a:gridCol>
-                <a:gridCol w="1390595">
-                  <a:extLst>
-                    <a:ext uri="{9D8B030D-6E8A-4147-A177-3AD203B41FA5}">
-                      <a16:colId xmlns:a16="http://schemas.microsoft.com/office/drawing/2014/main" val="3006722418"/>
-                    </a:ext>
-                  </a:extLst>
-                </a:gridCol>
-                <a:gridCol w="1390595">
-                  <a:extLst>
-                    <a:ext uri="{9D8B030D-6E8A-4147-A177-3AD203B41FA5}">
-                      <a16:colId xmlns:a16="http://schemas.microsoft.com/office/drawing/2014/main" val="3047965245"/>
-                    </a:ext>
-                  </a:extLst>
-                </a:gridCol>
-              </a:tblGrid>
-              <a:tr h="315255">
-                <a:tc>
-                  <a:txBody>
-                    <a:bodyPr/>
-                    <a:lstStyle/>
-                    <a:p>
-                      <a:endParaRPr lang="en-US" sz="1400" dirty="0"/>
-                    </a:p>
-                  </a:txBody>
-                  <a:tcPr/>
-                </a:tc>
-                <a:tc>
-                  <a:txBody>
-                    <a:bodyPr/>
-                    <a:lstStyle/>
-                    <a:p>
-                      <a:r>
-                        <a:rPr lang="en-US" sz="1400" dirty="0"/>
-                        <a:t>Precision</a:t>
-                      </a:r>
-                    </a:p>
-                  </a:txBody>
-                  <a:tcPr/>
-                </a:tc>
-                <a:tc>
-                  <a:txBody>
-                    <a:bodyPr/>
-                    <a:lstStyle/>
-                    <a:p>
-                      <a:r>
-                        <a:rPr lang="en-US" sz="1400" dirty="0"/>
-                        <a:t>Recall</a:t>
-                      </a:r>
-                    </a:p>
-                  </a:txBody>
-                  <a:tcPr/>
-                </a:tc>
-                <a:tc>
-                  <a:txBody>
-                    <a:bodyPr/>
-                    <a:lstStyle/>
-                    <a:p>
-                      <a:r>
-                        <a:rPr lang="en-US" sz="1400" dirty="0"/>
-                        <a:t>F1-score</a:t>
-                      </a:r>
-                    </a:p>
-                  </a:txBody>
-                  <a:tcPr/>
-                </a:tc>
-                <a:tc>
-                  <a:txBody>
-                    <a:bodyPr/>
-                    <a:lstStyle/>
-                    <a:p>
-                      <a:r>
-                        <a:rPr lang="en-US" sz="1400" dirty="0"/>
-                        <a:t>Support</a:t>
-                      </a:r>
-                    </a:p>
-                  </a:txBody>
-                  <a:tcPr/>
-                </a:tc>
-                <a:extLst>
-                  <a:ext uri="{0D108BD9-81ED-4DB2-BD59-A6C34878D82A}">
-                    <a16:rowId xmlns:a16="http://schemas.microsoft.com/office/drawing/2014/main" val="3723781388"/>
-                  </a:ext>
-                </a:extLst>
-              </a:tr>
-              <a:tr h="315255">
-                <a:tc>
-                  <a:txBody>
-                    <a:bodyPr/>
-                    <a:lstStyle/>
-                    <a:p>
-                      <a:endParaRPr lang="en-US" sz="1400" dirty="0"/>
-                    </a:p>
-                  </a:txBody>
-                  <a:tcPr/>
-                </a:tc>
-                <a:tc>
-                  <a:txBody>
-                    <a:bodyPr/>
-                    <a:lstStyle/>
-                    <a:p>
-                      <a:endParaRPr lang="en-US" sz="1400" dirty="0"/>
-                    </a:p>
-                  </a:txBody>
-                  <a:tcPr/>
-                </a:tc>
-                <a:tc>
-                  <a:txBody>
-                    <a:bodyPr/>
-                    <a:lstStyle/>
-                    <a:p>
-                      <a:endParaRPr lang="en-US" sz="1400"/>
-                    </a:p>
-                  </a:txBody>
-                  <a:tcPr/>
-                </a:tc>
-                <a:tc>
-                  <a:txBody>
-                    <a:bodyPr/>
-                    <a:lstStyle/>
-                    <a:p>
-                      <a:endParaRPr lang="en-US" sz="1400"/>
-                    </a:p>
-                  </a:txBody>
-                  <a:tcPr/>
-                </a:tc>
-                <a:tc>
-                  <a:txBody>
-                    <a:bodyPr/>
-                    <a:lstStyle/>
-                    <a:p>
-                      <a:endParaRPr lang="en-US" sz="1400"/>
-                    </a:p>
-                  </a:txBody>
-                  <a:tcPr/>
-                </a:tc>
-                <a:extLst>
-                  <a:ext uri="{0D108BD9-81ED-4DB2-BD59-A6C34878D82A}">
-                    <a16:rowId xmlns:a16="http://schemas.microsoft.com/office/drawing/2014/main" val="2479040546"/>
-                  </a:ext>
-                </a:extLst>
-              </a:tr>
-              <a:tr h="315255">
-                <a:tc>
-                  <a:txBody>
-                    <a:bodyPr/>
-                    <a:lstStyle/>
-                    <a:p>
-                      <a:r>
-                        <a:rPr lang="en-US" sz="1400" dirty="0"/>
-                        <a:t>Accuracy</a:t>
-                      </a:r>
-                    </a:p>
-                  </a:txBody>
-                  <a:tcPr/>
-                </a:tc>
-                <a:tc>
-                  <a:txBody>
-                    <a:bodyPr/>
-                    <a:lstStyle/>
-                    <a:p>
-                      <a:endParaRPr lang="en-US" sz="1400" dirty="0"/>
-                    </a:p>
-                  </a:txBody>
-                  <a:tcPr/>
-                </a:tc>
-                <a:tc>
-                  <a:txBody>
-                    <a:bodyPr/>
-                    <a:lstStyle/>
-                    <a:p>
-                      <a:endParaRPr lang="en-US" sz="1400" dirty="0"/>
-                    </a:p>
-                  </a:txBody>
-                  <a:tcPr/>
-                </a:tc>
-                <a:tc>
-                  <a:txBody>
-                    <a:bodyPr/>
-                    <a:lstStyle/>
-                    <a:p>
-                      <a:endParaRPr lang="en-US" sz="1400"/>
-                    </a:p>
-                  </a:txBody>
-                  <a:tcPr/>
-                </a:tc>
-                <a:tc>
-                  <a:txBody>
-                    <a:bodyPr/>
-                    <a:lstStyle/>
-                    <a:p>
-                      <a:endParaRPr lang="en-US" sz="1400"/>
-                    </a:p>
-                  </a:txBody>
-                  <a:tcPr/>
-                </a:tc>
-                <a:extLst>
-                  <a:ext uri="{0D108BD9-81ED-4DB2-BD59-A6C34878D82A}">
-                    <a16:rowId xmlns:a16="http://schemas.microsoft.com/office/drawing/2014/main" val="2695798934"/>
-                  </a:ext>
-                </a:extLst>
-              </a:tr>
-              <a:tr h="315255">
-                <a:tc>
-                  <a:txBody>
-                    <a:bodyPr/>
-                    <a:lstStyle/>
-                    <a:p>
-                      <a:r>
-                        <a:rPr lang="en-US" sz="1400" dirty="0"/>
-                        <a:t>Macro avg.</a:t>
-                      </a:r>
-                    </a:p>
-                  </a:txBody>
-                  <a:tcPr/>
-                </a:tc>
-                <a:tc>
-                  <a:txBody>
-                    <a:bodyPr/>
-                    <a:lstStyle/>
-                    <a:p>
-                      <a:endParaRPr lang="en-US" sz="1400"/>
-                    </a:p>
-                  </a:txBody>
-                  <a:tcPr/>
-                </a:tc>
-                <a:tc>
-                  <a:txBody>
-                    <a:bodyPr/>
-                    <a:lstStyle/>
-                    <a:p>
-                      <a:endParaRPr lang="en-US" sz="1400" dirty="0"/>
-                    </a:p>
-                  </a:txBody>
-                  <a:tcPr/>
-                </a:tc>
-                <a:tc>
-                  <a:txBody>
-                    <a:bodyPr/>
-                    <a:lstStyle/>
-                    <a:p>
-                      <a:endParaRPr lang="en-US" sz="1400" dirty="0"/>
-                    </a:p>
-                  </a:txBody>
-                  <a:tcPr/>
-                </a:tc>
-                <a:tc>
-                  <a:txBody>
-                    <a:bodyPr/>
-                    <a:lstStyle/>
-                    <a:p>
-                      <a:endParaRPr lang="en-US" sz="1400" dirty="0"/>
-                    </a:p>
-                  </a:txBody>
-                  <a:tcPr/>
-                </a:tc>
-                <a:extLst>
-                  <a:ext uri="{0D108BD9-81ED-4DB2-BD59-A6C34878D82A}">
-                    <a16:rowId xmlns:a16="http://schemas.microsoft.com/office/drawing/2014/main" val="3400326281"/>
-                  </a:ext>
-                </a:extLst>
-              </a:tr>
-              <a:tr h="315255">
-                <a:tc>
-                  <a:txBody>
-                    <a:bodyPr/>
-                    <a:lstStyle/>
-                    <a:p>
-                      <a:r>
-                        <a:rPr lang="en-US" sz="1400" dirty="0"/>
-                        <a:t>Weighted avg.</a:t>
-                      </a:r>
-                    </a:p>
-                  </a:txBody>
-                  <a:tcPr/>
-                </a:tc>
-                <a:tc>
-                  <a:txBody>
-                    <a:bodyPr/>
-                    <a:lstStyle/>
-                    <a:p>
-                      <a:endParaRPr lang="en-US" sz="1400" dirty="0"/>
-                    </a:p>
-                  </a:txBody>
-                  <a:tcPr/>
-                </a:tc>
-                <a:tc>
-                  <a:txBody>
-                    <a:bodyPr/>
-                    <a:lstStyle/>
-                    <a:p>
-                      <a:endParaRPr lang="en-US" sz="1400" dirty="0"/>
-                    </a:p>
-                  </a:txBody>
-                  <a:tcPr/>
-                </a:tc>
-                <a:tc>
-                  <a:txBody>
-                    <a:bodyPr/>
-                    <a:lstStyle/>
-                    <a:p>
-                      <a:endParaRPr lang="en-US" sz="1400" dirty="0"/>
-                    </a:p>
-                  </a:txBody>
-                  <a:tcPr/>
-                </a:tc>
-                <a:tc>
-                  <a:txBody>
-                    <a:bodyPr/>
-                    <a:lstStyle/>
-                    <a:p>
-                      <a:endParaRPr lang="en-US" sz="1400" dirty="0"/>
-                    </a:p>
-                  </a:txBody>
-                  <a:tcPr/>
-                </a:tc>
-                <a:extLst>
-                  <a:ext uri="{0D108BD9-81ED-4DB2-BD59-A6C34878D82A}">
-                    <a16:rowId xmlns:a16="http://schemas.microsoft.com/office/drawing/2014/main" val="567793856"/>
-                  </a:ext>
-                </a:extLst>
-              </a:tr>
-            </a:tbl>
-          </a:graphicData>
-        </a:graphic>
-      </p:graphicFrame>
-      <p:sp>
-        <p:nvSpPr>
-          <p:cNvPr id="11" name="Text Placeholder 1">
-            <a:extLst>
-              <a:ext uri="{FF2B5EF4-FFF2-40B4-BE49-F238E27FC236}">
-                <a16:creationId xmlns:a16="http://schemas.microsoft.com/office/drawing/2014/main" id="{B8E11A7F-3E07-0D88-67A8-15BC9B794A36}"/>
-              </a:ext>
-            </a:extLst>
-          </p:cNvPr>
-          <p:cNvSpPr txBox="1">
-            <a:spLocks/>
-          </p:cNvSpPr>
+          <p:cNvPicPr>
+            <a:picLocks noChangeAspect="1"/>
+          </p:cNvPicPr>
           <p:nvPr/>
-        </p:nvSpPr>
+        </p:nvPicPr>
+        <p:blipFill>
+          <a:blip r:embed="rId2"/>
+          <a:stretch>
+            <a:fillRect/>
+          </a:stretch>
+        </p:blipFill>
         <p:spPr>
           <a:xfrm>
-            <a:off x="198963" y="3746388"/>
-            <a:ext cx="2474663" cy="430887"/>
+            <a:off x="5520227" y="1246044"/>
+            <a:ext cx="6203529" cy="4778394"/>
           </a:xfrm>
           <a:prstGeom prst="rect">
             <a:avLst/>
           </a:prstGeom>
         </p:spPr>
+      </p:pic>
+      <p:sp>
+        <p:nvSpPr>
+          <p:cNvPr id="7" name="TextBox 6">
+            <a:extLst>
+              <a:ext uri="{FF2B5EF4-FFF2-40B4-BE49-F238E27FC236}">
+                <a16:creationId xmlns:a16="http://schemas.microsoft.com/office/drawing/2014/main" id="{D5C3E119-3714-6FD0-65CA-C6A4991EB528}"/>
+              </a:ext>
+            </a:extLst>
+          </p:cNvPr>
+          <p:cNvSpPr txBox="1"/>
+          <p:nvPr/>
+        </p:nvSpPr>
+        <p:spPr>
+          <a:xfrm>
+            <a:off x="109510" y="4677935"/>
+            <a:ext cx="6097656" cy="954107"/>
+          </a:xfrm>
+          <a:prstGeom prst="rect">
+            <a:avLst/>
+          </a:prstGeom>
+          <a:noFill/>
+        </p:spPr>
         <p:txBody>
-          <a:bodyPr vert="horz" wrap="square" lIns="91440" tIns="91440" rIns="182880" bIns="91440" rtlCol="0">
+          <a:bodyPr wrap="square">
             <a:spAutoFit/>
           </a:bodyPr>
-          <a:lstStyle>
-            <a:lvl1pPr marL="228462" marR="0" indent="-228462" algn="l" defTabSz="913632" rtl="0" eaLnBrk="1" fontAlgn="auto" latinLnBrk="0" hangingPunct="1">
-              <a:lnSpc>
-                <a:spcPct val="100000"/>
-              </a:lnSpc>
-              <a:spcBef>
-                <a:spcPts val="0"/>
-              </a:spcBef>
-              <a:spcAft>
-                <a:spcPts val="600"/>
-              </a:spcAft>
-              <a:buClr>
-                <a:schemeClr val="tx1">
-                  <a:lumMod val="50000"/>
-                </a:schemeClr>
-              </a:buClr>
-              <a:buSzPct val="90000"/>
-              <a:buFont typeface="Arial" pitchFamily="34" charset="0"/>
-              <a:buChar char="•"/>
-              <a:tabLst/>
-              <a:defRPr sz="1600" b="0" i="0" kern="1200" spc="0" baseline="0">
-                <a:solidFill>
-                  <a:schemeClr val="accent1"/>
-                </a:solidFill>
-                <a:latin typeface="+mn-lt"/>
-                <a:ea typeface="Helvetica Neue" panose="02000503000000020004" pitchFamily="2" charset="0"/>
-                <a:cs typeface="Helvetica Neue" panose="02000503000000020004" pitchFamily="2" charset="0"/>
-              </a:defRPr>
-            </a:lvl1pPr>
-            <a:lvl2pPr marL="458512" marR="0" indent="-172934" algn="l" defTabSz="913632" rtl="0" eaLnBrk="1" fontAlgn="auto" latinLnBrk="0" hangingPunct="1">
-              <a:lnSpc>
-                <a:spcPct val="100000"/>
-              </a:lnSpc>
-              <a:spcBef>
-                <a:spcPts val="0"/>
-              </a:spcBef>
-              <a:spcAft>
-                <a:spcPts val="600"/>
-              </a:spcAft>
-              <a:buClr>
-                <a:schemeClr val="tx1">
-                  <a:lumMod val="50000"/>
-                </a:schemeClr>
-              </a:buClr>
-              <a:buSzPct val="90000"/>
-              <a:buFont typeface="Arial" pitchFamily="34" charset="0"/>
-              <a:buChar char="•"/>
-              <a:tabLst/>
-              <a:defRPr sz="1400" b="0" i="0" kern="1200" spc="0" baseline="0">
-                <a:solidFill>
-                  <a:schemeClr val="accent1"/>
-                </a:solidFill>
-                <a:latin typeface="+mn-lt"/>
-                <a:ea typeface="Helvetica Neue" panose="02000503000000020004" pitchFamily="2" charset="0"/>
-                <a:cs typeface="Helvetica Neue" panose="02000503000000020004" pitchFamily="2" charset="0"/>
-              </a:defRPr>
-            </a:lvl2pPr>
-            <a:lvl3pPr marL="631446" marR="0" indent="-115818" algn="l" defTabSz="913632" rtl="0" eaLnBrk="1" fontAlgn="auto" latinLnBrk="0" hangingPunct="1">
-              <a:lnSpc>
-                <a:spcPct val="100000"/>
-              </a:lnSpc>
-              <a:spcBef>
-                <a:spcPts val="0"/>
-              </a:spcBef>
-              <a:spcAft>
-                <a:spcPts val="600"/>
-              </a:spcAft>
-              <a:buClr>
-                <a:schemeClr val="tx1">
-                  <a:lumMod val="50000"/>
-                </a:schemeClr>
-              </a:buClr>
-              <a:buSzPct val="90000"/>
-              <a:buFont typeface="Arial" pitchFamily="34" charset="0"/>
-              <a:buChar char="•"/>
-              <a:tabLst/>
-              <a:defRPr sz="1200" b="0" i="0" kern="1200" spc="0" baseline="0">
-                <a:solidFill>
-                  <a:schemeClr val="accent1"/>
-                </a:solidFill>
-                <a:latin typeface="+mn-lt"/>
-                <a:ea typeface="Helvetica Neue" panose="02000503000000020004" pitchFamily="2" charset="0"/>
-                <a:cs typeface="Helvetica Neue" panose="02000503000000020004" pitchFamily="2" charset="0"/>
-              </a:defRPr>
-            </a:lvl3pPr>
-            <a:lvl4pPr marL="802793" marR="0" indent="-114232" algn="l" defTabSz="913632" rtl="0" eaLnBrk="1" fontAlgn="auto" latinLnBrk="0" hangingPunct="1">
-              <a:lnSpc>
-                <a:spcPct val="100000"/>
-              </a:lnSpc>
-              <a:spcBef>
-                <a:spcPts val="0"/>
-              </a:spcBef>
-              <a:spcAft>
-                <a:spcPts val="600"/>
-              </a:spcAft>
-              <a:buClr>
-                <a:schemeClr val="tx1">
-                  <a:lumMod val="50000"/>
-                </a:schemeClr>
-              </a:buClr>
-              <a:buSzPct val="90000"/>
-              <a:buFont typeface="Arial" pitchFamily="34" charset="0"/>
-              <a:buChar char="•"/>
-              <a:tabLst/>
-              <a:defRPr sz="1050" b="0" i="0" kern="1200" spc="0" baseline="0">
-                <a:solidFill>
-                  <a:schemeClr val="accent1"/>
-                </a:solidFill>
-                <a:latin typeface="+mn-lt"/>
-                <a:ea typeface="Helvetica Neue" panose="02000503000000020004" pitchFamily="2" charset="0"/>
-                <a:cs typeface="Helvetica Neue" panose="02000503000000020004" pitchFamily="2" charset="0"/>
-              </a:defRPr>
-            </a:lvl4pPr>
-            <a:lvl5pPr marL="975727" marR="0" indent="-120578" algn="l" defTabSz="913632" rtl="0" eaLnBrk="1" fontAlgn="auto" latinLnBrk="0" hangingPunct="1">
-              <a:lnSpc>
-                <a:spcPct val="100000"/>
-              </a:lnSpc>
-              <a:spcBef>
-                <a:spcPts val="0"/>
-              </a:spcBef>
-              <a:spcAft>
-                <a:spcPts val="600"/>
-              </a:spcAft>
-              <a:buClr>
-                <a:schemeClr val="tx1">
-                  <a:lumMod val="50000"/>
-                </a:schemeClr>
-              </a:buClr>
-              <a:buSzPct val="90000"/>
-              <a:buFont typeface="Arial" pitchFamily="34" charset="0"/>
-              <a:buChar char="•"/>
-              <a:tabLst/>
-              <a:defRPr sz="900" b="0" i="0" kern="1200" spc="0" baseline="0">
-                <a:solidFill>
-                  <a:schemeClr val="accent1"/>
-                </a:solidFill>
-                <a:latin typeface="+mn-lt"/>
-                <a:ea typeface="Helvetica Neue" panose="02000503000000020004" pitchFamily="2" charset="0"/>
-                <a:cs typeface="Helvetica Neue" panose="02000503000000020004" pitchFamily="2" charset="0"/>
-              </a:defRPr>
-            </a:lvl5pPr>
-            <a:lvl6pPr marL="2512488" indent="-228408" algn="l" defTabSz="913632" rtl="0" eaLnBrk="1" latinLnBrk="0" hangingPunct="1">
-              <a:spcBef>
-                <a:spcPct val="20000"/>
-              </a:spcBef>
-              <a:buFont typeface="Arial" pitchFamily="34" charset="0"/>
-              <a:buChar char="•"/>
-              <a:defRPr sz="1958" kern="1200">
-                <a:solidFill>
-                  <a:schemeClr val="tx1"/>
-                </a:solidFill>
-                <a:latin typeface="+mn-lt"/>
-                <a:ea typeface="+mn-ea"/>
-                <a:cs typeface="+mn-cs"/>
-              </a:defRPr>
-            </a:lvl6pPr>
-            <a:lvl7pPr marL="2969305" indent="-228408" algn="l" defTabSz="913632" rtl="0" eaLnBrk="1" latinLnBrk="0" hangingPunct="1">
-              <a:spcBef>
-                <a:spcPct val="20000"/>
-              </a:spcBef>
-              <a:buFont typeface="Arial" pitchFamily="34" charset="0"/>
-              <a:buChar char="•"/>
-              <a:defRPr sz="1958" kern="1200">
-                <a:solidFill>
-                  <a:schemeClr val="tx1"/>
-                </a:solidFill>
-                <a:latin typeface="+mn-lt"/>
-                <a:ea typeface="+mn-ea"/>
-                <a:cs typeface="+mn-cs"/>
-              </a:defRPr>
-            </a:lvl7pPr>
-            <a:lvl8pPr marL="3426121" indent="-228408" algn="l" defTabSz="913632" rtl="0" eaLnBrk="1" latinLnBrk="0" hangingPunct="1">
-              <a:spcBef>
-                <a:spcPct val="20000"/>
-              </a:spcBef>
-              <a:buFont typeface="Arial" pitchFamily="34" charset="0"/>
-              <a:buChar char="•"/>
-              <a:defRPr sz="1958" kern="1200">
-                <a:solidFill>
-                  <a:schemeClr val="tx1"/>
-                </a:solidFill>
-                <a:latin typeface="+mn-lt"/>
-                <a:ea typeface="+mn-ea"/>
-                <a:cs typeface="+mn-cs"/>
-              </a:defRPr>
-            </a:lvl8pPr>
-            <a:lvl9pPr marL="3882937" indent="-228408" algn="l" defTabSz="913632" rtl="0" eaLnBrk="1" latinLnBrk="0" hangingPunct="1">
-              <a:spcBef>
-                <a:spcPct val="20000"/>
-              </a:spcBef>
-              <a:buFont typeface="Arial" pitchFamily="34" charset="0"/>
-              <a:buChar char="•"/>
-              <a:defRPr sz="1958" kern="1200">
-                <a:solidFill>
-                  <a:schemeClr val="tx1"/>
-                </a:solidFill>
-                <a:latin typeface="+mn-lt"/>
-                <a:ea typeface="+mn-ea"/>
-                <a:cs typeface="+mn-cs"/>
-              </a:defRPr>
-            </a:lvl9pPr>
-          </a:lstStyle>
-          <a:p>
-            <a:pPr marL="0" indent="0">
-              <a:buNone/>
-            </a:pPr>
-            <a:r>
-              <a:rPr lang="en-US" b="1" dirty="0"/>
-              <a:t>Classification Report</a:t>
+          <a:lstStyle/>
+          <a:p>
+            <a:r>
+              <a:rPr lang="en-US" sz="1400" dirty="0">
+                <a:effectLst/>
+                <a:latin typeface="Menlo" panose="020B0609030804020204" pitchFamily="49" charset="0"/>
+              </a:rPr>
+              <a:t>Results for </a:t>
+            </a:r>
+            <a:r>
+              <a:rPr lang="en-US" sz="1400" dirty="0" err="1">
+                <a:effectLst/>
+                <a:latin typeface="Menlo" panose="020B0609030804020204" pitchFamily="49" charset="0"/>
+              </a:rPr>
+              <a:t>MLPClassifierModel</a:t>
+            </a:r>
+            <a:r>
+              <a:rPr lang="en-US" sz="1400" dirty="0">
+                <a:effectLst/>
+                <a:latin typeface="Menlo" panose="020B0609030804020204" pitchFamily="49" charset="0"/>
+              </a:rPr>
+              <a:t>: {'accuracy': 0.7688772160210111, 'precision': 0.7309486780715396, 'recall': 0.724191063174114, 'f1_score': 0.7275541795665633}</a:t>
             </a:r>
           </a:p>
         </p:txBody>
       </p:sp>
       <p:sp>
         <p:nvSpPr>
-          <p:cNvPr id="13" name="Text Placeholder 1">
+          <p:cNvPr id="8" name="TextBox 7">
             <a:extLst>
               <a:ext uri="{FF2B5EF4-FFF2-40B4-BE49-F238E27FC236}">
-                <a16:creationId xmlns:a16="http://schemas.microsoft.com/office/drawing/2014/main" id="{2F1FB309-82DC-3EC5-804D-2D05E94000A7}"/>
+                <a16:creationId xmlns:a16="http://schemas.microsoft.com/office/drawing/2014/main" id="{BDF2ED56-4B0F-20E2-BC29-D138876B39C2}"/>
               </a:ext>
             </a:extLst>
           </p:cNvPr>
-          <p:cNvSpPr txBox="1">
-            <a:spLocks/>
-          </p:cNvSpPr>
+          <p:cNvSpPr txBox="1"/>
           <p:nvPr/>
         </p:nvSpPr>
         <p:spPr>
           <a:xfrm>
-            <a:off x="8252973" y="1736230"/>
-            <a:ext cx="3286358" cy="430887"/>
+            <a:off x="109510" y="3214778"/>
+            <a:ext cx="5575673" cy="1169551"/>
           </a:xfrm>
           <a:prstGeom prst="rect">
             <a:avLst/>
           </a:prstGeom>
+          <a:noFill/>
         </p:spPr>
         <p:txBody>
-          <a:bodyPr vert="horz" wrap="square" lIns="91440" tIns="91440" rIns="182880" bIns="91440" rtlCol="0">
+          <a:bodyPr wrap="square">
             <a:spAutoFit/>
           </a:bodyPr>
-          <a:lstStyle>
-            <a:lvl1pPr marL="228462" marR="0" indent="-228462" algn="l" defTabSz="913632" rtl="0" eaLnBrk="1" fontAlgn="auto" latinLnBrk="0" hangingPunct="1">
-              <a:lnSpc>
-                <a:spcPct val="100000"/>
-              </a:lnSpc>
-              <a:spcBef>
-                <a:spcPts val="0"/>
-              </a:spcBef>
-              <a:spcAft>
-                <a:spcPts val="600"/>
-              </a:spcAft>
-              <a:buClr>
-                <a:schemeClr val="tx1">
-                  <a:lumMod val="50000"/>
-                </a:schemeClr>
-              </a:buClr>
-              <a:buSzPct val="90000"/>
-              <a:buFont typeface="Arial" pitchFamily="34" charset="0"/>
-              <a:buChar char="•"/>
-              <a:tabLst/>
-              <a:defRPr sz="1600" b="0" i="0" kern="1200" spc="0" baseline="0">
-                <a:solidFill>
-                  <a:schemeClr val="accent1"/>
-                </a:solidFill>
-                <a:latin typeface="+mn-lt"/>
-                <a:ea typeface="Helvetica Neue" panose="02000503000000020004" pitchFamily="2" charset="0"/>
-                <a:cs typeface="Helvetica Neue" panose="02000503000000020004" pitchFamily="2" charset="0"/>
-              </a:defRPr>
-            </a:lvl1pPr>
-            <a:lvl2pPr marL="458512" marR="0" indent="-172934" algn="l" defTabSz="913632" rtl="0" eaLnBrk="1" fontAlgn="auto" latinLnBrk="0" hangingPunct="1">
-              <a:lnSpc>
-                <a:spcPct val="100000"/>
-              </a:lnSpc>
-              <a:spcBef>
-                <a:spcPts val="0"/>
-              </a:spcBef>
-              <a:spcAft>
-                <a:spcPts val="600"/>
-              </a:spcAft>
-              <a:buClr>
-                <a:schemeClr val="tx1">
-                  <a:lumMod val="50000"/>
-                </a:schemeClr>
-              </a:buClr>
-              <a:buSzPct val="90000"/>
-              <a:buFont typeface="Arial" pitchFamily="34" charset="0"/>
-              <a:buChar char="•"/>
-              <a:tabLst/>
-              <a:defRPr sz="1400" b="0" i="0" kern="1200" spc="0" baseline="0">
-                <a:solidFill>
-                  <a:schemeClr val="accent1"/>
-                </a:solidFill>
-                <a:latin typeface="+mn-lt"/>
-                <a:ea typeface="Helvetica Neue" panose="02000503000000020004" pitchFamily="2" charset="0"/>
-                <a:cs typeface="Helvetica Neue" panose="02000503000000020004" pitchFamily="2" charset="0"/>
-              </a:defRPr>
-            </a:lvl2pPr>
-            <a:lvl3pPr marL="631446" marR="0" indent="-115818" algn="l" defTabSz="913632" rtl="0" eaLnBrk="1" fontAlgn="auto" latinLnBrk="0" hangingPunct="1">
-              <a:lnSpc>
-                <a:spcPct val="100000"/>
-              </a:lnSpc>
-              <a:spcBef>
-                <a:spcPts val="0"/>
-              </a:spcBef>
-              <a:spcAft>
-                <a:spcPts val="600"/>
-              </a:spcAft>
-              <a:buClr>
-                <a:schemeClr val="tx1">
-                  <a:lumMod val="50000"/>
-                </a:schemeClr>
-              </a:buClr>
-              <a:buSzPct val="90000"/>
-              <a:buFont typeface="Arial" pitchFamily="34" charset="0"/>
-              <a:buChar char="•"/>
-              <a:tabLst/>
-              <a:defRPr sz="1200" b="0" i="0" kern="1200" spc="0" baseline="0">
-                <a:solidFill>
-                  <a:schemeClr val="accent1"/>
-                </a:solidFill>
-                <a:latin typeface="+mn-lt"/>
-                <a:ea typeface="Helvetica Neue" panose="02000503000000020004" pitchFamily="2" charset="0"/>
-                <a:cs typeface="Helvetica Neue" panose="02000503000000020004" pitchFamily="2" charset="0"/>
-              </a:defRPr>
-            </a:lvl3pPr>
-            <a:lvl4pPr marL="802793" marR="0" indent="-114232" algn="l" defTabSz="913632" rtl="0" eaLnBrk="1" fontAlgn="auto" latinLnBrk="0" hangingPunct="1">
-              <a:lnSpc>
-                <a:spcPct val="100000"/>
-              </a:lnSpc>
-              <a:spcBef>
-                <a:spcPts val="0"/>
-              </a:spcBef>
-              <a:spcAft>
-                <a:spcPts val="600"/>
-              </a:spcAft>
-              <a:buClr>
-                <a:schemeClr val="tx1">
-                  <a:lumMod val="50000"/>
-                </a:schemeClr>
-              </a:buClr>
-              <a:buSzPct val="90000"/>
-              <a:buFont typeface="Arial" pitchFamily="34" charset="0"/>
-              <a:buChar char="•"/>
-              <a:tabLst/>
-              <a:defRPr sz="1050" b="0" i="0" kern="1200" spc="0" baseline="0">
-                <a:solidFill>
-                  <a:schemeClr val="accent1"/>
-                </a:solidFill>
-                <a:latin typeface="+mn-lt"/>
-                <a:ea typeface="Helvetica Neue" panose="02000503000000020004" pitchFamily="2" charset="0"/>
-                <a:cs typeface="Helvetica Neue" panose="02000503000000020004" pitchFamily="2" charset="0"/>
-              </a:defRPr>
-            </a:lvl4pPr>
-            <a:lvl5pPr marL="975727" marR="0" indent="-120578" algn="l" defTabSz="913632" rtl="0" eaLnBrk="1" fontAlgn="auto" latinLnBrk="0" hangingPunct="1">
-              <a:lnSpc>
-                <a:spcPct val="100000"/>
-              </a:lnSpc>
-              <a:spcBef>
-                <a:spcPts val="0"/>
-              </a:spcBef>
-              <a:spcAft>
-                <a:spcPts val="600"/>
-              </a:spcAft>
-              <a:buClr>
-                <a:schemeClr val="tx1">
-                  <a:lumMod val="50000"/>
-                </a:schemeClr>
-              </a:buClr>
-              <a:buSzPct val="90000"/>
-              <a:buFont typeface="Arial" pitchFamily="34" charset="0"/>
-              <a:buChar char="•"/>
-              <a:tabLst/>
-              <a:defRPr sz="900" b="0" i="0" kern="1200" spc="0" baseline="0">
-                <a:solidFill>
-                  <a:schemeClr val="accent1"/>
-                </a:solidFill>
-                <a:latin typeface="+mn-lt"/>
-                <a:ea typeface="Helvetica Neue" panose="02000503000000020004" pitchFamily="2" charset="0"/>
-                <a:cs typeface="Helvetica Neue" panose="02000503000000020004" pitchFamily="2" charset="0"/>
-              </a:defRPr>
-            </a:lvl5pPr>
-            <a:lvl6pPr marL="2512488" indent="-228408" algn="l" defTabSz="913632" rtl="0" eaLnBrk="1" latinLnBrk="0" hangingPunct="1">
-              <a:spcBef>
-                <a:spcPct val="20000"/>
-              </a:spcBef>
-              <a:buFont typeface="Arial" pitchFamily="34" charset="0"/>
-              <a:buChar char="•"/>
-              <a:defRPr sz="1958" kern="1200">
-                <a:solidFill>
-                  <a:schemeClr val="tx1"/>
-                </a:solidFill>
-                <a:latin typeface="+mn-lt"/>
-                <a:ea typeface="+mn-ea"/>
-                <a:cs typeface="+mn-cs"/>
-              </a:defRPr>
-            </a:lvl6pPr>
-            <a:lvl7pPr marL="2969305" indent="-228408" algn="l" defTabSz="913632" rtl="0" eaLnBrk="1" latinLnBrk="0" hangingPunct="1">
-              <a:spcBef>
-                <a:spcPct val="20000"/>
-              </a:spcBef>
-              <a:buFont typeface="Arial" pitchFamily="34" charset="0"/>
-              <a:buChar char="•"/>
-              <a:defRPr sz="1958" kern="1200">
-                <a:solidFill>
-                  <a:schemeClr val="tx1"/>
-                </a:solidFill>
-                <a:latin typeface="+mn-lt"/>
-                <a:ea typeface="+mn-ea"/>
-                <a:cs typeface="+mn-cs"/>
-              </a:defRPr>
-            </a:lvl7pPr>
-            <a:lvl8pPr marL="3426121" indent="-228408" algn="l" defTabSz="913632" rtl="0" eaLnBrk="1" latinLnBrk="0" hangingPunct="1">
-              <a:spcBef>
-                <a:spcPct val="20000"/>
-              </a:spcBef>
-              <a:buFont typeface="Arial" pitchFamily="34" charset="0"/>
-              <a:buChar char="•"/>
-              <a:defRPr sz="1958" kern="1200">
-                <a:solidFill>
-                  <a:schemeClr val="tx1"/>
-                </a:solidFill>
-                <a:latin typeface="+mn-lt"/>
-                <a:ea typeface="+mn-ea"/>
-                <a:cs typeface="+mn-cs"/>
-              </a:defRPr>
-            </a:lvl8pPr>
-            <a:lvl9pPr marL="3882937" indent="-228408" algn="l" defTabSz="913632" rtl="0" eaLnBrk="1" latinLnBrk="0" hangingPunct="1">
-              <a:spcBef>
-                <a:spcPct val="20000"/>
-              </a:spcBef>
-              <a:buFont typeface="Arial" pitchFamily="34" charset="0"/>
-              <a:buChar char="•"/>
-              <a:defRPr sz="1958" kern="1200">
-                <a:solidFill>
-                  <a:schemeClr val="tx1"/>
-                </a:solidFill>
-                <a:latin typeface="+mn-lt"/>
-                <a:ea typeface="+mn-ea"/>
-                <a:cs typeface="+mn-cs"/>
-              </a:defRPr>
-            </a:lvl9pPr>
-          </a:lstStyle>
-          <a:p>
-            <a:pPr marL="0" indent="0">
-              <a:buFont typeface="Arial" pitchFamily="34" charset="0"/>
-              <a:buNone/>
-            </a:pPr>
-            <a:r>
-              <a:rPr lang="en-US" b="1" dirty="0"/>
-              <a:t>Precision Recall Plot</a:t>
+          <a:lstStyle/>
+          <a:p>
+            <a:r>
+              <a:rPr lang="en-US" sz="1400" dirty="0">
+                <a:effectLst/>
+                <a:latin typeface="Menlo" panose="020B0609030804020204" pitchFamily="49" charset="0"/>
+              </a:rPr>
+              <a:t>Results for </a:t>
+            </a:r>
+            <a:r>
+              <a:rPr lang="en-US" sz="1400" dirty="0" err="1">
+                <a:effectLst/>
+                <a:latin typeface="Menlo" panose="020B0609030804020204" pitchFamily="49" charset="0"/>
+              </a:rPr>
+              <a:t>LogisticModel</a:t>
+            </a:r>
+            <a:r>
+              <a:rPr lang="en-US" sz="1400" dirty="0">
+                <a:effectLst/>
+                <a:latin typeface="Menlo" panose="020B0609030804020204" pitchFamily="49" charset="0"/>
+              </a:rPr>
+              <a:t>: {'accuracy': 0.7925147734734077, 'precision': 0.8147448015122873, 'recall': 0.6640986132511556, 'f1_score': 0.731748726655348}</a:t>
+            </a:r>
+          </a:p>
+          <a:p>
+            <a:r>
+              <a:rPr lang="en-US" sz="1400" dirty="0">
+                <a:effectLst/>
+                <a:latin typeface="Menlo" panose="020B0609030804020204" pitchFamily="49" charset="0"/>
+              </a:rPr>
+              <a:t>Elapsed: 0.09 seconds</a:t>
             </a:r>
           </a:p>
         </p:txBody>
@@ -14208,6 +9992,36 @@
           </a:p>
         </p:txBody>
       </p:sp>
+      <p:pic>
+        <p:nvPicPr>
+          <p:cNvPr id="5" name="Picture 4">
+            <a:extLst>
+              <a:ext uri="{FF2B5EF4-FFF2-40B4-BE49-F238E27FC236}">
+                <a16:creationId xmlns:a16="http://schemas.microsoft.com/office/drawing/2014/main" id="{D49D6B3C-2DC6-613A-4214-1E2D8575B37E}"/>
+              </a:ext>
+            </a:extLst>
+          </p:cNvPr>
+          <p:cNvPicPr>
+            <a:picLocks noChangeAspect="1"/>
+          </p:cNvPicPr>
+          <p:nvPr/>
+        </p:nvPicPr>
+        <p:blipFill>
+          <a:blip r:embed="rId2"/>
+          <a:stretch>
+            <a:fillRect/>
+          </a:stretch>
+        </p:blipFill>
+        <p:spPr>
+          <a:xfrm>
+            <a:off x="4745844" y="1440129"/>
+            <a:ext cx="7182071" cy="4678229"/>
+          </a:xfrm>
+          <a:prstGeom prst="rect">
+            <a:avLst/>
+          </a:prstGeom>
+        </p:spPr>
+      </p:pic>
     </p:spTree>
     <p:extLst>
       <p:ext uri="{BB962C8B-B14F-4D97-AF65-F5344CB8AC3E}">
@@ -15202,864 +11016,97 @@
           </a:p>
         </p:txBody>
       </p:sp>
-      <p:graphicFrame>
-        <p:nvGraphicFramePr>
-          <p:cNvPr id="9" name="Table 8">
+      <p:sp>
+        <p:nvSpPr>
+          <p:cNvPr id="5" name="TextBox 4">
             <a:extLst>
               <a:ext uri="{FF2B5EF4-FFF2-40B4-BE49-F238E27FC236}">
-                <a16:creationId xmlns:a16="http://schemas.microsoft.com/office/drawing/2014/main" id="{7AF2BFB4-E8F6-DA76-A2D0-2A1E98555F89}"/>
+                <a16:creationId xmlns:a16="http://schemas.microsoft.com/office/drawing/2014/main" id="{66C7641F-411F-888A-E410-95B651E81AFE}"/>
               </a:ext>
             </a:extLst>
           </p:cNvPr>
-          <p:cNvGraphicFramePr>
-            <a:graphicFrameLocks noGrp="1"/>
-          </p:cNvGraphicFramePr>
-          <p:nvPr>
-            <p:extLst>
-              <p:ext uri="{D42A27DB-BD31-4B8C-83A1-F6EECF244321}">
-                <p14:modId xmlns:p14="http://schemas.microsoft.com/office/powerpoint/2010/main" val="2545876357"/>
-              </p:ext>
-            </p:extLst>
-          </p:nvPr>
-        </p:nvGraphicFramePr>
-        <p:xfrm>
-          <a:off x="274392" y="4168545"/>
-          <a:ext cx="6952975" cy="1576275"/>
-        </p:xfrm>
-        <a:graphic>
-          <a:graphicData uri="http://schemas.openxmlformats.org/drawingml/2006/table">
-            <a:tbl>
-              <a:tblPr firstRow="1" bandRow="1">
-                <a:tableStyleId>{C083E6E3-FA7D-4D7B-A595-EF9225AFEA82}</a:tableStyleId>
-              </a:tblPr>
-              <a:tblGrid>
-                <a:gridCol w="1390595">
-                  <a:extLst>
-                    <a:ext uri="{9D8B030D-6E8A-4147-A177-3AD203B41FA5}">
-                      <a16:colId xmlns:a16="http://schemas.microsoft.com/office/drawing/2014/main" val="3316613107"/>
-                    </a:ext>
-                  </a:extLst>
-                </a:gridCol>
-                <a:gridCol w="1390595">
-                  <a:extLst>
-                    <a:ext uri="{9D8B030D-6E8A-4147-A177-3AD203B41FA5}">
-                      <a16:colId xmlns:a16="http://schemas.microsoft.com/office/drawing/2014/main" val="4065112024"/>
-                    </a:ext>
-                  </a:extLst>
-                </a:gridCol>
-                <a:gridCol w="1390595">
-                  <a:extLst>
-                    <a:ext uri="{9D8B030D-6E8A-4147-A177-3AD203B41FA5}">
-                      <a16:colId xmlns:a16="http://schemas.microsoft.com/office/drawing/2014/main" val="2289020803"/>
-                    </a:ext>
-                  </a:extLst>
-                </a:gridCol>
-                <a:gridCol w="1390595">
-                  <a:extLst>
-                    <a:ext uri="{9D8B030D-6E8A-4147-A177-3AD203B41FA5}">
-                      <a16:colId xmlns:a16="http://schemas.microsoft.com/office/drawing/2014/main" val="3006722418"/>
-                    </a:ext>
-                  </a:extLst>
-                </a:gridCol>
-                <a:gridCol w="1390595">
-                  <a:extLst>
-                    <a:ext uri="{9D8B030D-6E8A-4147-A177-3AD203B41FA5}">
-                      <a16:colId xmlns:a16="http://schemas.microsoft.com/office/drawing/2014/main" val="3047965245"/>
-                    </a:ext>
-                  </a:extLst>
-                </a:gridCol>
-              </a:tblGrid>
-              <a:tr h="315255">
-                <a:tc>
-                  <a:txBody>
-                    <a:bodyPr/>
-                    <a:lstStyle/>
-                    <a:p>
-                      <a:endParaRPr lang="en-US" sz="1400" dirty="0"/>
-                    </a:p>
-                  </a:txBody>
-                  <a:tcPr/>
-                </a:tc>
-                <a:tc>
-                  <a:txBody>
-                    <a:bodyPr/>
-                    <a:lstStyle/>
-                    <a:p>
-                      <a:r>
-                        <a:rPr lang="en-US" sz="1400" dirty="0"/>
-                        <a:t>Precision</a:t>
-                      </a:r>
-                    </a:p>
-                  </a:txBody>
-                  <a:tcPr/>
-                </a:tc>
-                <a:tc>
-                  <a:txBody>
-                    <a:bodyPr/>
-                    <a:lstStyle/>
-                    <a:p>
-                      <a:r>
-                        <a:rPr lang="en-US" sz="1400" dirty="0"/>
-                        <a:t>Recall</a:t>
-                      </a:r>
-                    </a:p>
-                  </a:txBody>
-                  <a:tcPr/>
-                </a:tc>
-                <a:tc>
-                  <a:txBody>
-                    <a:bodyPr/>
-                    <a:lstStyle/>
-                    <a:p>
-                      <a:r>
-                        <a:rPr lang="en-US" sz="1400" dirty="0"/>
-                        <a:t>F1-score</a:t>
-                      </a:r>
-                    </a:p>
-                  </a:txBody>
-                  <a:tcPr/>
-                </a:tc>
-                <a:tc>
-                  <a:txBody>
-                    <a:bodyPr/>
-                    <a:lstStyle/>
-                    <a:p>
-                      <a:r>
-                        <a:rPr lang="en-US" sz="1400" dirty="0"/>
-                        <a:t>Support</a:t>
-                      </a:r>
-                    </a:p>
-                  </a:txBody>
-                  <a:tcPr/>
-                </a:tc>
-                <a:extLst>
-                  <a:ext uri="{0D108BD9-81ED-4DB2-BD59-A6C34878D82A}">
-                    <a16:rowId xmlns:a16="http://schemas.microsoft.com/office/drawing/2014/main" val="3723781388"/>
-                  </a:ext>
-                </a:extLst>
-              </a:tr>
-              <a:tr h="315255">
-                <a:tc>
-                  <a:txBody>
-                    <a:bodyPr/>
-                    <a:lstStyle/>
-                    <a:p>
-                      <a:endParaRPr lang="en-US" sz="1400" dirty="0"/>
-                    </a:p>
-                  </a:txBody>
-                  <a:tcPr/>
-                </a:tc>
-                <a:tc>
-                  <a:txBody>
-                    <a:bodyPr/>
-                    <a:lstStyle/>
-                    <a:p>
-                      <a:endParaRPr lang="en-US" sz="1400" dirty="0"/>
-                    </a:p>
-                  </a:txBody>
-                  <a:tcPr/>
-                </a:tc>
-                <a:tc>
-                  <a:txBody>
-                    <a:bodyPr/>
-                    <a:lstStyle/>
-                    <a:p>
-                      <a:endParaRPr lang="en-US" sz="1400"/>
-                    </a:p>
-                  </a:txBody>
-                  <a:tcPr/>
-                </a:tc>
-                <a:tc>
-                  <a:txBody>
-                    <a:bodyPr/>
-                    <a:lstStyle/>
-                    <a:p>
-                      <a:endParaRPr lang="en-US" sz="1400"/>
-                    </a:p>
-                  </a:txBody>
-                  <a:tcPr/>
-                </a:tc>
-                <a:tc>
-                  <a:txBody>
-                    <a:bodyPr/>
-                    <a:lstStyle/>
-                    <a:p>
-                      <a:endParaRPr lang="en-US" sz="1400"/>
-                    </a:p>
-                  </a:txBody>
-                  <a:tcPr/>
-                </a:tc>
-                <a:extLst>
-                  <a:ext uri="{0D108BD9-81ED-4DB2-BD59-A6C34878D82A}">
-                    <a16:rowId xmlns:a16="http://schemas.microsoft.com/office/drawing/2014/main" val="2479040546"/>
-                  </a:ext>
-                </a:extLst>
-              </a:tr>
-              <a:tr h="315255">
-                <a:tc>
-                  <a:txBody>
-                    <a:bodyPr/>
-                    <a:lstStyle/>
-                    <a:p>
-                      <a:r>
-                        <a:rPr lang="en-US" sz="1400" dirty="0"/>
-                        <a:t>Accuracy</a:t>
-                      </a:r>
-                    </a:p>
-                  </a:txBody>
-                  <a:tcPr/>
-                </a:tc>
-                <a:tc>
-                  <a:txBody>
-                    <a:bodyPr/>
-                    <a:lstStyle/>
-                    <a:p>
-                      <a:endParaRPr lang="en-US" sz="1400" dirty="0"/>
-                    </a:p>
-                  </a:txBody>
-                  <a:tcPr/>
-                </a:tc>
-                <a:tc>
-                  <a:txBody>
-                    <a:bodyPr/>
-                    <a:lstStyle/>
-                    <a:p>
-                      <a:endParaRPr lang="en-US" sz="1400" dirty="0"/>
-                    </a:p>
-                  </a:txBody>
-                  <a:tcPr/>
-                </a:tc>
-                <a:tc>
-                  <a:txBody>
-                    <a:bodyPr/>
-                    <a:lstStyle/>
-                    <a:p>
-                      <a:endParaRPr lang="en-US" sz="1400"/>
-                    </a:p>
-                  </a:txBody>
-                  <a:tcPr/>
-                </a:tc>
-                <a:tc>
-                  <a:txBody>
-                    <a:bodyPr/>
-                    <a:lstStyle/>
-                    <a:p>
-                      <a:endParaRPr lang="en-US" sz="1400"/>
-                    </a:p>
-                  </a:txBody>
-                  <a:tcPr/>
-                </a:tc>
-                <a:extLst>
-                  <a:ext uri="{0D108BD9-81ED-4DB2-BD59-A6C34878D82A}">
-                    <a16:rowId xmlns:a16="http://schemas.microsoft.com/office/drawing/2014/main" val="2695798934"/>
-                  </a:ext>
-                </a:extLst>
-              </a:tr>
-              <a:tr h="315255">
-                <a:tc>
-                  <a:txBody>
-                    <a:bodyPr/>
-                    <a:lstStyle/>
-                    <a:p>
-                      <a:r>
-                        <a:rPr lang="en-US" sz="1400" dirty="0"/>
-                        <a:t>Macro avg.</a:t>
-                      </a:r>
-                    </a:p>
-                  </a:txBody>
-                  <a:tcPr/>
-                </a:tc>
-                <a:tc>
-                  <a:txBody>
-                    <a:bodyPr/>
-                    <a:lstStyle/>
-                    <a:p>
-                      <a:endParaRPr lang="en-US" sz="1400"/>
-                    </a:p>
-                  </a:txBody>
-                  <a:tcPr/>
-                </a:tc>
-                <a:tc>
-                  <a:txBody>
-                    <a:bodyPr/>
-                    <a:lstStyle/>
-                    <a:p>
-                      <a:endParaRPr lang="en-US" sz="1400" dirty="0"/>
-                    </a:p>
-                  </a:txBody>
-                  <a:tcPr/>
-                </a:tc>
-                <a:tc>
-                  <a:txBody>
-                    <a:bodyPr/>
-                    <a:lstStyle/>
-                    <a:p>
-                      <a:endParaRPr lang="en-US" sz="1400" dirty="0"/>
-                    </a:p>
-                  </a:txBody>
-                  <a:tcPr/>
-                </a:tc>
-                <a:tc>
-                  <a:txBody>
-                    <a:bodyPr/>
-                    <a:lstStyle/>
-                    <a:p>
-                      <a:endParaRPr lang="en-US" sz="1400" dirty="0"/>
-                    </a:p>
-                  </a:txBody>
-                  <a:tcPr/>
-                </a:tc>
-                <a:extLst>
-                  <a:ext uri="{0D108BD9-81ED-4DB2-BD59-A6C34878D82A}">
-                    <a16:rowId xmlns:a16="http://schemas.microsoft.com/office/drawing/2014/main" val="3400326281"/>
-                  </a:ext>
-                </a:extLst>
-              </a:tr>
-              <a:tr h="315255">
-                <a:tc>
-                  <a:txBody>
-                    <a:bodyPr/>
-                    <a:lstStyle/>
-                    <a:p>
-                      <a:r>
-                        <a:rPr lang="en-US" sz="1400" dirty="0"/>
-                        <a:t>Weighted avg.</a:t>
-                      </a:r>
-                    </a:p>
-                  </a:txBody>
-                  <a:tcPr/>
-                </a:tc>
-                <a:tc>
-                  <a:txBody>
-                    <a:bodyPr/>
-                    <a:lstStyle/>
-                    <a:p>
-                      <a:endParaRPr lang="en-US" sz="1400" dirty="0"/>
-                    </a:p>
-                  </a:txBody>
-                  <a:tcPr/>
-                </a:tc>
-                <a:tc>
-                  <a:txBody>
-                    <a:bodyPr/>
-                    <a:lstStyle/>
-                    <a:p>
-                      <a:endParaRPr lang="en-US" sz="1400" dirty="0"/>
-                    </a:p>
-                  </a:txBody>
-                  <a:tcPr/>
-                </a:tc>
-                <a:tc>
-                  <a:txBody>
-                    <a:bodyPr/>
-                    <a:lstStyle/>
-                    <a:p>
-                      <a:endParaRPr lang="en-US" sz="1400" dirty="0"/>
-                    </a:p>
-                  </a:txBody>
-                  <a:tcPr/>
-                </a:tc>
-                <a:tc>
-                  <a:txBody>
-                    <a:bodyPr/>
-                    <a:lstStyle/>
-                    <a:p>
-                      <a:endParaRPr lang="en-US" sz="1400" dirty="0"/>
-                    </a:p>
-                  </a:txBody>
-                  <a:tcPr/>
-                </a:tc>
-                <a:extLst>
-                  <a:ext uri="{0D108BD9-81ED-4DB2-BD59-A6C34878D82A}">
-                    <a16:rowId xmlns:a16="http://schemas.microsoft.com/office/drawing/2014/main" val="567793856"/>
-                  </a:ext>
-                </a:extLst>
-              </a:tr>
-            </a:tbl>
-          </a:graphicData>
-        </a:graphic>
-      </p:graphicFrame>
-      <p:sp>
-        <p:nvSpPr>
-          <p:cNvPr id="10" name="Text Placeholder 1">
-            <a:extLst>
-              <a:ext uri="{FF2B5EF4-FFF2-40B4-BE49-F238E27FC236}">
-                <a16:creationId xmlns:a16="http://schemas.microsoft.com/office/drawing/2014/main" id="{6F13F049-C901-861F-DDCB-805086CDBA90}"/>
-              </a:ext>
-            </a:extLst>
-          </p:cNvPr>
-          <p:cNvSpPr txBox="1">
-            <a:spLocks/>
-          </p:cNvSpPr>
+          <p:cNvSpPr txBox="1"/>
           <p:nvPr/>
         </p:nvSpPr>
         <p:spPr>
           <a:xfrm>
-            <a:off x="198963" y="3746388"/>
-            <a:ext cx="2474663" cy="430887"/>
+            <a:off x="274392" y="5308778"/>
+            <a:ext cx="8381172" cy="1200329"/>
+          </a:xfrm>
+          <a:prstGeom prst="rect">
+            <a:avLst/>
+          </a:prstGeom>
+          <a:noFill/>
+        </p:spPr>
+        <p:txBody>
+          <a:bodyPr wrap="square">
+            <a:spAutoFit/>
+          </a:bodyPr>
+          <a:lstStyle/>
+          <a:p>
+            <a:r>
+              <a:rPr lang="en-US" dirty="0">
+                <a:effectLst/>
+                <a:latin typeface="Menlo" panose="020B0609030804020204" pitchFamily="49" charset="0"/>
+              </a:rPr>
+              <a:t>Results for </a:t>
+            </a:r>
+            <a:r>
+              <a:rPr lang="en-US" dirty="0" err="1">
+                <a:effectLst/>
+                <a:latin typeface="Menlo" panose="020B0609030804020204" pitchFamily="49" charset="0"/>
+              </a:rPr>
+              <a:t>LogisticModel</a:t>
+            </a:r>
+            <a:r>
+              <a:rPr lang="en-US" dirty="0">
+                <a:effectLst/>
+                <a:latin typeface="Menlo" panose="020B0609030804020204" pitchFamily="49" charset="0"/>
+              </a:rPr>
+              <a:t>: {'accuracy': 0.7925147734734077, 'precision': 0.8147448015122873, 'recall': 0.6640986132511556, 'f1_score': 0.731748726655348}</a:t>
+            </a:r>
+          </a:p>
+          <a:p>
+            <a:r>
+              <a:rPr lang="en-US" dirty="0">
+                <a:effectLst/>
+                <a:latin typeface="Menlo" panose="020B0609030804020204" pitchFamily="49" charset="0"/>
+              </a:rPr>
+              <a:t>Elapsed: 0.0932 seconds</a:t>
+            </a:r>
+          </a:p>
+        </p:txBody>
+      </p:sp>
+      <p:pic>
+        <p:nvPicPr>
+          <p:cNvPr id="6" name="Picture 5">
+            <a:extLst>
+              <a:ext uri="{FF2B5EF4-FFF2-40B4-BE49-F238E27FC236}">
+                <a16:creationId xmlns:a16="http://schemas.microsoft.com/office/drawing/2014/main" id="{E655D23F-6C62-BB87-3BF2-6EF93102D121}"/>
+              </a:ext>
+            </a:extLst>
+          </p:cNvPr>
+          <p:cNvPicPr>
+            <a:picLocks noChangeAspect="1"/>
+          </p:cNvPicPr>
+          <p:nvPr/>
+        </p:nvPicPr>
+        <p:blipFill>
+          <a:blip r:embed="rId2"/>
+          <a:stretch>
+            <a:fillRect/>
+          </a:stretch>
+        </p:blipFill>
+        <p:spPr>
+          <a:xfrm>
+            <a:off x="6146324" y="975009"/>
+            <a:ext cx="5720798" cy="4288227"/>
           </a:xfrm>
           <a:prstGeom prst="rect">
             <a:avLst/>
           </a:prstGeom>
         </p:spPr>
-        <p:txBody>
-          <a:bodyPr vert="horz" wrap="square" lIns="91440" tIns="91440" rIns="182880" bIns="91440" rtlCol="0">
-            <a:spAutoFit/>
-          </a:bodyPr>
-          <a:lstStyle>
-            <a:lvl1pPr marL="228462" marR="0" indent="-228462" algn="l" defTabSz="913632" rtl="0" eaLnBrk="1" fontAlgn="auto" latinLnBrk="0" hangingPunct="1">
-              <a:lnSpc>
-                <a:spcPct val="100000"/>
-              </a:lnSpc>
-              <a:spcBef>
-                <a:spcPts val="0"/>
-              </a:spcBef>
-              <a:spcAft>
-                <a:spcPts val="600"/>
-              </a:spcAft>
-              <a:buClr>
-                <a:schemeClr val="tx1">
-                  <a:lumMod val="50000"/>
-                </a:schemeClr>
-              </a:buClr>
-              <a:buSzPct val="90000"/>
-              <a:buFont typeface="Arial" pitchFamily="34" charset="0"/>
-              <a:buChar char="•"/>
-              <a:tabLst/>
-              <a:defRPr sz="1600" b="0" i="0" kern="1200" spc="0" baseline="0">
-                <a:solidFill>
-                  <a:schemeClr val="accent1"/>
-                </a:solidFill>
-                <a:latin typeface="+mn-lt"/>
-                <a:ea typeface="Helvetica Neue" panose="02000503000000020004" pitchFamily="2" charset="0"/>
-                <a:cs typeface="Helvetica Neue" panose="02000503000000020004" pitchFamily="2" charset="0"/>
-              </a:defRPr>
-            </a:lvl1pPr>
-            <a:lvl2pPr marL="458512" marR="0" indent="-172934" algn="l" defTabSz="913632" rtl="0" eaLnBrk="1" fontAlgn="auto" latinLnBrk="0" hangingPunct="1">
-              <a:lnSpc>
-                <a:spcPct val="100000"/>
-              </a:lnSpc>
-              <a:spcBef>
-                <a:spcPts val="0"/>
-              </a:spcBef>
-              <a:spcAft>
-                <a:spcPts val="600"/>
-              </a:spcAft>
-              <a:buClr>
-                <a:schemeClr val="tx1">
-                  <a:lumMod val="50000"/>
-                </a:schemeClr>
-              </a:buClr>
-              <a:buSzPct val="90000"/>
-              <a:buFont typeface="Arial" pitchFamily="34" charset="0"/>
-              <a:buChar char="•"/>
-              <a:tabLst/>
-              <a:defRPr sz="1400" b="0" i="0" kern="1200" spc="0" baseline="0">
-                <a:solidFill>
-                  <a:schemeClr val="accent1"/>
-                </a:solidFill>
-                <a:latin typeface="+mn-lt"/>
-                <a:ea typeface="Helvetica Neue" panose="02000503000000020004" pitchFamily="2" charset="0"/>
-                <a:cs typeface="Helvetica Neue" panose="02000503000000020004" pitchFamily="2" charset="0"/>
-              </a:defRPr>
-            </a:lvl2pPr>
-            <a:lvl3pPr marL="631446" marR="0" indent="-115818" algn="l" defTabSz="913632" rtl="0" eaLnBrk="1" fontAlgn="auto" latinLnBrk="0" hangingPunct="1">
-              <a:lnSpc>
-                <a:spcPct val="100000"/>
-              </a:lnSpc>
-              <a:spcBef>
-                <a:spcPts val="0"/>
-              </a:spcBef>
-              <a:spcAft>
-                <a:spcPts val="600"/>
-              </a:spcAft>
-              <a:buClr>
-                <a:schemeClr val="tx1">
-                  <a:lumMod val="50000"/>
-                </a:schemeClr>
-              </a:buClr>
-              <a:buSzPct val="90000"/>
-              <a:buFont typeface="Arial" pitchFamily="34" charset="0"/>
-              <a:buChar char="•"/>
-              <a:tabLst/>
-              <a:defRPr sz="1200" b="0" i="0" kern="1200" spc="0" baseline="0">
-                <a:solidFill>
-                  <a:schemeClr val="accent1"/>
-                </a:solidFill>
-                <a:latin typeface="+mn-lt"/>
-                <a:ea typeface="Helvetica Neue" panose="02000503000000020004" pitchFamily="2" charset="0"/>
-                <a:cs typeface="Helvetica Neue" panose="02000503000000020004" pitchFamily="2" charset="0"/>
-              </a:defRPr>
-            </a:lvl3pPr>
-            <a:lvl4pPr marL="802793" marR="0" indent="-114232" algn="l" defTabSz="913632" rtl="0" eaLnBrk="1" fontAlgn="auto" latinLnBrk="0" hangingPunct="1">
-              <a:lnSpc>
-                <a:spcPct val="100000"/>
-              </a:lnSpc>
-              <a:spcBef>
-                <a:spcPts val="0"/>
-              </a:spcBef>
-              <a:spcAft>
-                <a:spcPts val="600"/>
-              </a:spcAft>
-              <a:buClr>
-                <a:schemeClr val="tx1">
-                  <a:lumMod val="50000"/>
-                </a:schemeClr>
-              </a:buClr>
-              <a:buSzPct val="90000"/>
-              <a:buFont typeface="Arial" pitchFamily="34" charset="0"/>
-              <a:buChar char="•"/>
-              <a:tabLst/>
-              <a:defRPr sz="1050" b="0" i="0" kern="1200" spc="0" baseline="0">
-                <a:solidFill>
-                  <a:schemeClr val="accent1"/>
-                </a:solidFill>
-                <a:latin typeface="+mn-lt"/>
-                <a:ea typeface="Helvetica Neue" panose="02000503000000020004" pitchFamily="2" charset="0"/>
-                <a:cs typeface="Helvetica Neue" panose="02000503000000020004" pitchFamily="2" charset="0"/>
-              </a:defRPr>
-            </a:lvl4pPr>
-            <a:lvl5pPr marL="975727" marR="0" indent="-120578" algn="l" defTabSz="913632" rtl="0" eaLnBrk="1" fontAlgn="auto" latinLnBrk="0" hangingPunct="1">
-              <a:lnSpc>
-                <a:spcPct val="100000"/>
-              </a:lnSpc>
-              <a:spcBef>
-                <a:spcPts val="0"/>
-              </a:spcBef>
-              <a:spcAft>
-                <a:spcPts val="600"/>
-              </a:spcAft>
-              <a:buClr>
-                <a:schemeClr val="tx1">
-                  <a:lumMod val="50000"/>
-                </a:schemeClr>
-              </a:buClr>
-              <a:buSzPct val="90000"/>
-              <a:buFont typeface="Arial" pitchFamily="34" charset="0"/>
-              <a:buChar char="•"/>
-              <a:tabLst/>
-              <a:defRPr sz="900" b="0" i="0" kern="1200" spc="0" baseline="0">
-                <a:solidFill>
-                  <a:schemeClr val="accent1"/>
-                </a:solidFill>
-                <a:latin typeface="+mn-lt"/>
-                <a:ea typeface="Helvetica Neue" panose="02000503000000020004" pitchFamily="2" charset="0"/>
-                <a:cs typeface="Helvetica Neue" panose="02000503000000020004" pitchFamily="2" charset="0"/>
-              </a:defRPr>
-            </a:lvl5pPr>
-            <a:lvl6pPr marL="2512488" indent="-228408" algn="l" defTabSz="913632" rtl="0" eaLnBrk="1" latinLnBrk="0" hangingPunct="1">
-              <a:spcBef>
-                <a:spcPct val="20000"/>
-              </a:spcBef>
-              <a:buFont typeface="Arial" pitchFamily="34" charset="0"/>
-              <a:buChar char="•"/>
-              <a:defRPr sz="1958" kern="1200">
-                <a:solidFill>
-                  <a:schemeClr val="tx1"/>
-                </a:solidFill>
-                <a:latin typeface="+mn-lt"/>
-                <a:ea typeface="+mn-ea"/>
-                <a:cs typeface="+mn-cs"/>
-              </a:defRPr>
-            </a:lvl6pPr>
-            <a:lvl7pPr marL="2969305" indent="-228408" algn="l" defTabSz="913632" rtl="0" eaLnBrk="1" latinLnBrk="0" hangingPunct="1">
-              <a:spcBef>
-                <a:spcPct val="20000"/>
-              </a:spcBef>
-              <a:buFont typeface="Arial" pitchFamily="34" charset="0"/>
-              <a:buChar char="•"/>
-              <a:defRPr sz="1958" kern="1200">
-                <a:solidFill>
-                  <a:schemeClr val="tx1"/>
-                </a:solidFill>
-                <a:latin typeface="+mn-lt"/>
-                <a:ea typeface="+mn-ea"/>
-                <a:cs typeface="+mn-cs"/>
-              </a:defRPr>
-            </a:lvl7pPr>
-            <a:lvl8pPr marL="3426121" indent="-228408" algn="l" defTabSz="913632" rtl="0" eaLnBrk="1" latinLnBrk="0" hangingPunct="1">
-              <a:spcBef>
-                <a:spcPct val="20000"/>
-              </a:spcBef>
-              <a:buFont typeface="Arial" pitchFamily="34" charset="0"/>
-              <a:buChar char="•"/>
-              <a:defRPr sz="1958" kern="1200">
-                <a:solidFill>
-                  <a:schemeClr val="tx1"/>
-                </a:solidFill>
-                <a:latin typeface="+mn-lt"/>
-                <a:ea typeface="+mn-ea"/>
-                <a:cs typeface="+mn-cs"/>
-              </a:defRPr>
-            </a:lvl8pPr>
-            <a:lvl9pPr marL="3882937" indent="-228408" algn="l" defTabSz="913632" rtl="0" eaLnBrk="1" latinLnBrk="0" hangingPunct="1">
-              <a:spcBef>
-                <a:spcPct val="20000"/>
-              </a:spcBef>
-              <a:buFont typeface="Arial" pitchFamily="34" charset="0"/>
-              <a:buChar char="•"/>
-              <a:defRPr sz="1958" kern="1200">
-                <a:solidFill>
-                  <a:schemeClr val="tx1"/>
-                </a:solidFill>
-                <a:latin typeface="+mn-lt"/>
-                <a:ea typeface="+mn-ea"/>
-                <a:cs typeface="+mn-cs"/>
-              </a:defRPr>
-            </a:lvl9pPr>
-          </a:lstStyle>
-          <a:p>
-            <a:pPr marL="0" indent="0">
-              <a:buNone/>
-            </a:pPr>
-            <a:r>
-              <a:rPr lang="en-US" b="1" dirty="0"/>
-              <a:t>Classification Report</a:t>
-            </a:r>
-          </a:p>
-        </p:txBody>
-      </p:sp>
-      <p:sp>
-        <p:nvSpPr>
-          <p:cNvPr id="11" name="Text Placeholder 1">
-            <a:extLst>
-              <a:ext uri="{FF2B5EF4-FFF2-40B4-BE49-F238E27FC236}">
-                <a16:creationId xmlns:a16="http://schemas.microsoft.com/office/drawing/2014/main" id="{3E59CA20-61DE-665F-8FAB-BFA75C4FCEBB}"/>
-              </a:ext>
-            </a:extLst>
-          </p:cNvPr>
-          <p:cNvSpPr txBox="1">
-            <a:spLocks/>
-          </p:cNvSpPr>
-          <p:nvPr/>
-        </p:nvSpPr>
-        <p:spPr>
-          <a:xfrm>
-            <a:off x="8252973" y="1736230"/>
-            <a:ext cx="3286358" cy="430887"/>
-          </a:xfrm>
-          <a:prstGeom prst="rect">
-            <a:avLst/>
-          </a:prstGeom>
-        </p:spPr>
-        <p:txBody>
-          <a:bodyPr vert="horz" wrap="square" lIns="91440" tIns="91440" rIns="182880" bIns="91440" rtlCol="0">
-            <a:spAutoFit/>
-          </a:bodyPr>
-          <a:lstStyle>
-            <a:lvl1pPr marL="228462" marR="0" indent="-228462" algn="l" defTabSz="913632" rtl="0" eaLnBrk="1" fontAlgn="auto" latinLnBrk="0" hangingPunct="1">
-              <a:lnSpc>
-                <a:spcPct val="100000"/>
-              </a:lnSpc>
-              <a:spcBef>
-                <a:spcPts val="0"/>
-              </a:spcBef>
-              <a:spcAft>
-                <a:spcPts val="600"/>
-              </a:spcAft>
-              <a:buClr>
-                <a:schemeClr val="tx1">
-                  <a:lumMod val="50000"/>
-                </a:schemeClr>
-              </a:buClr>
-              <a:buSzPct val="90000"/>
-              <a:buFont typeface="Arial" pitchFamily="34" charset="0"/>
-              <a:buChar char="•"/>
-              <a:tabLst/>
-              <a:defRPr sz="1600" b="0" i="0" kern="1200" spc="0" baseline="0">
-                <a:solidFill>
-                  <a:schemeClr val="accent1"/>
-                </a:solidFill>
-                <a:latin typeface="+mn-lt"/>
-                <a:ea typeface="Helvetica Neue" panose="02000503000000020004" pitchFamily="2" charset="0"/>
-                <a:cs typeface="Helvetica Neue" panose="02000503000000020004" pitchFamily="2" charset="0"/>
-              </a:defRPr>
-            </a:lvl1pPr>
-            <a:lvl2pPr marL="458512" marR="0" indent="-172934" algn="l" defTabSz="913632" rtl="0" eaLnBrk="1" fontAlgn="auto" latinLnBrk="0" hangingPunct="1">
-              <a:lnSpc>
-                <a:spcPct val="100000"/>
-              </a:lnSpc>
-              <a:spcBef>
-                <a:spcPts val="0"/>
-              </a:spcBef>
-              <a:spcAft>
-                <a:spcPts val="600"/>
-              </a:spcAft>
-              <a:buClr>
-                <a:schemeClr val="tx1">
-                  <a:lumMod val="50000"/>
-                </a:schemeClr>
-              </a:buClr>
-              <a:buSzPct val="90000"/>
-              <a:buFont typeface="Arial" pitchFamily="34" charset="0"/>
-              <a:buChar char="•"/>
-              <a:tabLst/>
-              <a:defRPr sz="1400" b="0" i="0" kern="1200" spc="0" baseline="0">
-                <a:solidFill>
-                  <a:schemeClr val="accent1"/>
-                </a:solidFill>
-                <a:latin typeface="+mn-lt"/>
-                <a:ea typeface="Helvetica Neue" panose="02000503000000020004" pitchFamily="2" charset="0"/>
-                <a:cs typeface="Helvetica Neue" panose="02000503000000020004" pitchFamily="2" charset="0"/>
-              </a:defRPr>
-            </a:lvl2pPr>
-            <a:lvl3pPr marL="631446" marR="0" indent="-115818" algn="l" defTabSz="913632" rtl="0" eaLnBrk="1" fontAlgn="auto" latinLnBrk="0" hangingPunct="1">
-              <a:lnSpc>
-                <a:spcPct val="100000"/>
-              </a:lnSpc>
-              <a:spcBef>
-                <a:spcPts val="0"/>
-              </a:spcBef>
-              <a:spcAft>
-                <a:spcPts val="600"/>
-              </a:spcAft>
-              <a:buClr>
-                <a:schemeClr val="tx1">
-                  <a:lumMod val="50000"/>
-                </a:schemeClr>
-              </a:buClr>
-              <a:buSzPct val="90000"/>
-              <a:buFont typeface="Arial" pitchFamily="34" charset="0"/>
-              <a:buChar char="•"/>
-              <a:tabLst/>
-              <a:defRPr sz="1200" b="0" i="0" kern="1200" spc="0" baseline="0">
-                <a:solidFill>
-                  <a:schemeClr val="accent1"/>
-                </a:solidFill>
-                <a:latin typeface="+mn-lt"/>
-                <a:ea typeface="Helvetica Neue" panose="02000503000000020004" pitchFamily="2" charset="0"/>
-                <a:cs typeface="Helvetica Neue" panose="02000503000000020004" pitchFamily="2" charset="0"/>
-              </a:defRPr>
-            </a:lvl3pPr>
-            <a:lvl4pPr marL="802793" marR="0" indent="-114232" algn="l" defTabSz="913632" rtl="0" eaLnBrk="1" fontAlgn="auto" latinLnBrk="0" hangingPunct="1">
-              <a:lnSpc>
-                <a:spcPct val="100000"/>
-              </a:lnSpc>
-              <a:spcBef>
-                <a:spcPts val="0"/>
-              </a:spcBef>
-              <a:spcAft>
-                <a:spcPts val="600"/>
-              </a:spcAft>
-              <a:buClr>
-                <a:schemeClr val="tx1">
-                  <a:lumMod val="50000"/>
-                </a:schemeClr>
-              </a:buClr>
-              <a:buSzPct val="90000"/>
-              <a:buFont typeface="Arial" pitchFamily="34" charset="0"/>
-              <a:buChar char="•"/>
-              <a:tabLst/>
-              <a:defRPr sz="1050" b="0" i="0" kern="1200" spc="0" baseline="0">
-                <a:solidFill>
-                  <a:schemeClr val="accent1"/>
-                </a:solidFill>
-                <a:latin typeface="+mn-lt"/>
-                <a:ea typeface="Helvetica Neue" panose="02000503000000020004" pitchFamily="2" charset="0"/>
-                <a:cs typeface="Helvetica Neue" panose="02000503000000020004" pitchFamily="2" charset="0"/>
-              </a:defRPr>
-            </a:lvl4pPr>
-            <a:lvl5pPr marL="975727" marR="0" indent="-120578" algn="l" defTabSz="913632" rtl="0" eaLnBrk="1" fontAlgn="auto" latinLnBrk="0" hangingPunct="1">
-              <a:lnSpc>
-                <a:spcPct val="100000"/>
-              </a:lnSpc>
-              <a:spcBef>
-                <a:spcPts val="0"/>
-              </a:spcBef>
-              <a:spcAft>
-                <a:spcPts val="600"/>
-              </a:spcAft>
-              <a:buClr>
-                <a:schemeClr val="tx1">
-                  <a:lumMod val="50000"/>
-                </a:schemeClr>
-              </a:buClr>
-              <a:buSzPct val="90000"/>
-              <a:buFont typeface="Arial" pitchFamily="34" charset="0"/>
-              <a:buChar char="•"/>
-              <a:tabLst/>
-              <a:defRPr sz="900" b="0" i="0" kern="1200" spc="0" baseline="0">
-                <a:solidFill>
-                  <a:schemeClr val="accent1"/>
-                </a:solidFill>
-                <a:latin typeface="+mn-lt"/>
-                <a:ea typeface="Helvetica Neue" panose="02000503000000020004" pitchFamily="2" charset="0"/>
-                <a:cs typeface="Helvetica Neue" panose="02000503000000020004" pitchFamily="2" charset="0"/>
-              </a:defRPr>
-            </a:lvl5pPr>
-            <a:lvl6pPr marL="2512488" indent="-228408" algn="l" defTabSz="913632" rtl="0" eaLnBrk="1" latinLnBrk="0" hangingPunct="1">
-              <a:spcBef>
-                <a:spcPct val="20000"/>
-              </a:spcBef>
-              <a:buFont typeface="Arial" pitchFamily="34" charset="0"/>
-              <a:buChar char="•"/>
-              <a:defRPr sz="1958" kern="1200">
-                <a:solidFill>
-                  <a:schemeClr val="tx1"/>
-                </a:solidFill>
-                <a:latin typeface="+mn-lt"/>
-                <a:ea typeface="+mn-ea"/>
-                <a:cs typeface="+mn-cs"/>
-              </a:defRPr>
-            </a:lvl6pPr>
-            <a:lvl7pPr marL="2969305" indent="-228408" algn="l" defTabSz="913632" rtl="0" eaLnBrk="1" latinLnBrk="0" hangingPunct="1">
-              <a:spcBef>
-                <a:spcPct val="20000"/>
-              </a:spcBef>
-              <a:buFont typeface="Arial" pitchFamily="34" charset="0"/>
-              <a:buChar char="•"/>
-              <a:defRPr sz="1958" kern="1200">
-                <a:solidFill>
-                  <a:schemeClr val="tx1"/>
-                </a:solidFill>
-                <a:latin typeface="+mn-lt"/>
-                <a:ea typeface="+mn-ea"/>
-                <a:cs typeface="+mn-cs"/>
-              </a:defRPr>
-            </a:lvl7pPr>
-            <a:lvl8pPr marL="3426121" indent="-228408" algn="l" defTabSz="913632" rtl="0" eaLnBrk="1" latinLnBrk="0" hangingPunct="1">
-              <a:spcBef>
-                <a:spcPct val="20000"/>
-              </a:spcBef>
-              <a:buFont typeface="Arial" pitchFamily="34" charset="0"/>
-              <a:buChar char="•"/>
-              <a:defRPr sz="1958" kern="1200">
-                <a:solidFill>
-                  <a:schemeClr val="tx1"/>
-                </a:solidFill>
-                <a:latin typeface="+mn-lt"/>
-                <a:ea typeface="+mn-ea"/>
-                <a:cs typeface="+mn-cs"/>
-              </a:defRPr>
-            </a:lvl8pPr>
-            <a:lvl9pPr marL="3882937" indent="-228408" algn="l" defTabSz="913632" rtl="0" eaLnBrk="1" latinLnBrk="0" hangingPunct="1">
-              <a:spcBef>
-                <a:spcPct val="20000"/>
-              </a:spcBef>
-              <a:buFont typeface="Arial" pitchFamily="34" charset="0"/>
-              <a:buChar char="•"/>
-              <a:defRPr sz="1958" kern="1200">
-                <a:solidFill>
-                  <a:schemeClr val="tx1"/>
-                </a:solidFill>
-                <a:latin typeface="+mn-lt"/>
-                <a:ea typeface="+mn-ea"/>
-                <a:cs typeface="+mn-cs"/>
-              </a:defRPr>
-            </a:lvl9pPr>
-          </a:lstStyle>
-          <a:p>
-            <a:pPr marL="0" indent="0">
-              <a:buFont typeface="Arial" pitchFamily="34" charset="0"/>
-              <a:buNone/>
-            </a:pPr>
-            <a:r>
-              <a:rPr lang="en-US" b="1" dirty="0"/>
-              <a:t>Precision Recall Plot</a:t>
-            </a:r>
-          </a:p>
-        </p:txBody>
-      </p:sp>
+      </p:pic>
     </p:spTree>
     <p:extLst>
       <p:ext uri="{BB962C8B-B14F-4D97-AF65-F5344CB8AC3E}">
@@ -16445,860 +11492,154 @@
           </a:p>
         </p:txBody>
       </p:sp>
-      <p:graphicFrame>
-        <p:nvGraphicFramePr>
-          <p:cNvPr id="9" name="Table 8">
+      <p:sp>
+        <p:nvSpPr>
+          <p:cNvPr id="5" name="TextBox 4">
             <a:extLst>
               <a:ext uri="{FF2B5EF4-FFF2-40B4-BE49-F238E27FC236}">
-                <a16:creationId xmlns:a16="http://schemas.microsoft.com/office/drawing/2014/main" id="{11483484-50CE-6699-401F-431B2AE0E612}"/>
+                <a16:creationId xmlns:a16="http://schemas.microsoft.com/office/drawing/2014/main" id="{C83E9A48-35F5-A505-45AE-73116BF97A97}"/>
               </a:ext>
             </a:extLst>
           </p:cNvPr>
-          <p:cNvGraphicFramePr>
-            <a:graphicFrameLocks noGrp="1"/>
-          </p:cNvGraphicFramePr>
-          <p:nvPr>
-            <p:extLst>
-              <p:ext uri="{D42A27DB-BD31-4B8C-83A1-F6EECF244321}">
-                <p14:modId xmlns:p14="http://schemas.microsoft.com/office/powerpoint/2010/main" val="2545876357"/>
-              </p:ext>
-            </p:extLst>
-          </p:nvPr>
-        </p:nvGraphicFramePr>
-        <p:xfrm>
-          <a:off x="274392" y="4168545"/>
-          <a:ext cx="6952975" cy="1576275"/>
-        </p:xfrm>
-        <a:graphic>
-          <a:graphicData uri="http://schemas.openxmlformats.org/drawingml/2006/table">
-            <a:tbl>
-              <a:tblPr firstRow="1" bandRow="1">
-                <a:tableStyleId>{C083E6E3-FA7D-4D7B-A595-EF9225AFEA82}</a:tableStyleId>
-              </a:tblPr>
-              <a:tblGrid>
-                <a:gridCol w="1390595">
-                  <a:extLst>
-                    <a:ext uri="{9D8B030D-6E8A-4147-A177-3AD203B41FA5}">
-                      <a16:colId xmlns:a16="http://schemas.microsoft.com/office/drawing/2014/main" val="3316613107"/>
-                    </a:ext>
-                  </a:extLst>
-                </a:gridCol>
-                <a:gridCol w="1390595">
-                  <a:extLst>
-                    <a:ext uri="{9D8B030D-6E8A-4147-A177-3AD203B41FA5}">
-                      <a16:colId xmlns:a16="http://schemas.microsoft.com/office/drawing/2014/main" val="4065112024"/>
-                    </a:ext>
-                  </a:extLst>
-                </a:gridCol>
-                <a:gridCol w="1390595">
-                  <a:extLst>
-                    <a:ext uri="{9D8B030D-6E8A-4147-A177-3AD203B41FA5}">
-                      <a16:colId xmlns:a16="http://schemas.microsoft.com/office/drawing/2014/main" val="2289020803"/>
-                    </a:ext>
-                  </a:extLst>
-                </a:gridCol>
-                <a:gridCol w="1390595">
-                  <a:extLst>
-                    <a:ext uri="{9D8B030D-6E8A-4147-A177-3AD203B41FA5}">
-                      <a16:colId xmlns:a16="http://schemas.microsoft.com/office/drawing/2014/main" val="3006722418"/>
-                    </a:ext>
-                  </a:extLst>
-                </a:gridCol>
-                <a:gridCol w="1390595">
-                  <a:extLst>
-                    <a:ext uri="{9D8B030D-6E8A-4147-A177-3AD203B41FA5}">
-                      <a16:colId xmlns:a16="http://schemas.microsoft.com/office/drawing/2014/main" val="3047965245"/>
-                    </a:ext>
-                  </a:extLst>
-                </a:gridCol>
-              </a:tblGrid>
-              <a:tr h="315255">
-                <a:tc>
-                  <a:txBody>
-                    <a:bodyPr/>
-                    <a:lstStyle/>
-                    <a:p>
-                      <a:endParaRPr lang="en-US" sz="1400" dirty="0"/>
-                    </a:p>
-                  </a:txBody>
-                  <a:tcPr/>
-                </a:tc>
-                <a:tc>
-                  <a:txBody>
-                    <a:bodyPr/>
-                    <a:lstStyle/>
-                    <a:p>
-                      <a:r>
-                        <a:rPr lang="en-US" sz="1400" dirty="0"/>
-                        <a:t>Precision</a:t>
-                      </a:r>
-                    </a:p>
-                  </a:txBody>
-                  <a:tcPr/>
-                </a:tc>
-                <a:tc>
-                  <a:txBody>
-                    <a:bodyPr/>
-                    <a:lstStyle/>
-                    <a:p>
-                      <a:r>
-                        <a:rPr lang="en-US" sz="1400" dirty="0"/>
-                        <a:t>Recall</a:t>
-                      </a:r>
-                    </a:p>
-                  </a:txBody>
-                  <a:tcPr/>
-                </a:tc>
-                <a:tc>
-                  <a:txBody>
-                    <a:bodyPr/>
-                    <a:lstStyle/>
-                    <a:p>
-                      <a:r>
-                        <a:rPr lang="en-US" sz="1400" dirty="0"/>
-                        <a:t>F1-score</a:t>
-                      </a:r>
-                    </a:p>
-                  </a:txBody>
-                  <a:tcPr/>
-                </a:tc>
-                <a:tc>
-                  <a:txBody>
-                    <a:bodyPr/>
-                    <a:lstStyle/>
-                    <a:p>
-                      <a:r>
-                        <a:rPr lang="en-US" sz="1400" dirty="0"/>
-                        <a:t>Support</a:t>
-                      </a:r>
-                    </a:p>
-                  </a:txBody>
-                  <a:tcPr/>
-                </a:tc>
-                <a:extLst>
-                  <a:ext uri="{0D108BD9-81ED-4DB2-BD59-A6C34878D82A}">
-                    <a16:rowId xmlns:a16="http://schemas.microsoft.com/office/drawing/2014/main" val="3723781388"/>
-                  </a:ext>
-                </a:extLst>
-              </a:tr>
-              <a:tr h="315255">
-                <a:tc>
-                  <a:txBody>
-                    <a:bodyPr/>
-                    <a:lstStyle/>
-                    <a:p>
-                      <a:endParaRPr lang="en-US" sz="1400" dirty="0"/>
-                    </a:p>
-                  </a:txBody>
-                  <a:tcPr/>
-                </a:tc>
-                <a:tc>
-                  <a:txBody>
-                    <a:bodyPr/>
-                    <a:lstStyle/>
-                    <a:p>
-                      <a:endParaRPr lang="en-US" sz="1400" dirty="0"/>
-                    </a:p>
-                  </a:txBody>
-                  <a:tcPr/>
-                </a:tc>
-                <a:tc>
-                  <a:txBody>
-                    <a:bodyPr/>
-                    <a:lstStyle/>
-                    <a:p>
-                      <a:endParaRPr lang="en-US" sz="1400"/>
-                    </a:p>
-                  </a:txBody>
-                  <a:tcPr/>
-                </a:tc>
-                <a:tc>
-                  <a:txBody>
-                    <a:bodyPr/>
-                    <a:lstStyle/>
-                    <a:p>
-                      <a:endParaRPr lang="en-US" sz="1400"/>
-                    </a:p>
-                  </a:txBody>
-                  <a:tcPr/>
-                </a:tc>
-                <a:tc>
-                  <a:txBody>
-                    <a:bodyPr/>
-                    <a:lstStyle/>
-                    <a:p>
-                      <a:endParaRPr lang="en-US" sz="1400"/>
-                    </a:p>
-                  </a:txBody>
-                  <a:tcPr/>
-                </a:tc>
-                <a:extLst>
-                  <a:ext uri="{0D108BD9-81ED-4DB2-BD59-A6C34878D82A}">
-                    <a16:rowId xmlns:a16="http://schemas.microsoft.com/office/drawing/2014/main" val="2479040546"/>
-                  </a:ext>
-                </a:extLst>
-              </a:tr>
-              <a:tr h="315255">
-                <a:tc>
-                  <a:txBody>
-                    <a:bodyPr/>
-                    <a:lstStyle/>
-                    <a:p>
-                      <a:r>
-                        <a:rPr lang="en-US" sz="1400" dirty="0"/>
-                        <a:t>Accuracy</a:t>
-                      </a:r>
-                    </a:p>
-                  </a:txBody>
-                  <a:tcPr/>
-                </a:tc>
-                <a:tc>
-                  <a:txBody>
-                    <a:bodyPr/>
-                    <a:lstStyle/>
-                    <a:p>
-                      <a:endParaRPr lang="en-US" sz="1400" dirty="0"/>
-                    </a:p>
-                  </a:txBody>
-                  <a:tcPr/>
-                </a:tc>
-                <a:tc>
-                  <a:txBody>
-                    <a:bodyPr/>
-                    <a:lstStyle/>
-                    <a:p>
-                      <a:endParaRPr lang="en-US" sz="1400" dirty="0"/>
-                    </a:p>
-                  </a:txBody>
-                  <a:tcPr/>
-                </a:tc>
-                <a:tc>
-                  <a:txBody>
-                    <a:bodyPr/>
-                    <a:lstStyle/>
-                    <a:p>
-                      <a:endParaRPr lang="en-US" sz="1400"/>
-                    </a:p>
-                  </a:txBody>
-                  <a:tcPr/>
-                </a:tc>
-                <a:tc>
-                  <a:txBody>
-                    <a:bodyPr/>
-                    <a:lstStyle/>
-                    <a:p>
-                      <a:endParaRPr lang="en-US" sz="1400"/>
-                    </a:p>
-                  </a:txBody>
-                  <a:tcPr/>
-                </a:tc>
-                <a:extLst>
-                  <a:ext uri="{0D108BD9-81ED-4DB2-BD59-A6C34878D82A}">
-                    <a16:rowId xmlns:a16="http://schemas.microsoft.com/office/drawing/2014/main" val="2695798934"/>
-                  </a:ext>
-                </a:extLst>
-              </a:tr>
-              <a:tr h="315255">
-                <a:tc>
-                  <a:txBody>
-                    <a:bodyPr/>
-                    <a:lstStyle/>
-                    <a:p>
-                      <a:r>
-                        <a:rPr lang="en-US" sz="1400" dirty="0"/>
-                        <a:t>Macro avg.</a:t>
-                      </a:r>
-                    </a:p>
-                  </a:txBody>
-                  <a:tcPr/>
-                </a:tc>
-                <a:tc>
-                  <a:txBody>
-                    <a:bodyPr/>
-                    <a:lstStyle/>
-                    <a:p>
-                      <a:endParaRPr lang="en-US" sz="1400"/>
-                    </a:p>
-                  </a:txBody>
-                  <a:tcPr/>
-                </a:tc>
-                <a:tc>
-                  <a:txBody>
-                    <a:bodyPr/>
-                    <a:lstStyle/>
-                    <a:p>
-                      <a:endParaRPr lang="en-US" sz="1400" dirty="0"/>
-                    </a:p>
-                  </a:txBody>
-                  <a:tcPr/>
-                </a:tc>
-                <a:tc>
-                  <a:txBody>
-                    <a:bodyPr/>
-                    <a:lstStyle/>
-                    <a:p>
-                      <a:endParaRPr lang="en-US" sz="1400" dirty="0"/>
-                    </a:p>
-                  </a:txBody>
-                  <a:tcPr/>
-                </a:tc>
-                <a:tc>
-                  <a:txBody>
-                    <a:bodyPr/>
-                    <a:lstStyle/>
-                    <a:p>
-                      <a:endParaRPr lang="en-US" sz="1400" dirty="0"/>
-                    </a:p>
-                  </a:txBody>
-                  <a:tcPr/>
-                </a:tc>
-                <a:extLst>
-                  <a:ext uri="{0D108BD9-81ED-4DB2-BD59-A6C34878D82A}">
-                    <a16:rowId xmlns:a16="http://schemas.microsoft.com/office/drawing/2014/main" val="3400326281"/>
-                  </a:ext>
-                </a:extLst>
-              </a:tr>
-              <a:tr h="315255">
-                <a:tc>
-                  <a:txBody>
-                    <a:bodyPr/>
-                    <a:lstStyle/>
-                    <a:p>
-                      <a:r>
-                        <a:rPr lang="en-US" sz="1400" dirty="0"/>
-                        <a:t>Weighted avg.</a:t>
-                      </a:r>
-                    </a:p>
-                  </a:txBody>
-                  <a:tcPr/>
-                </a:tc>
-                <a:tc>
-                  <a:txBody>
-                    <a:bodyPr/>
-                    <a:lstStyle/>
-                    <a:p>
-                      <a:endParaRPr lang="en-US" sz="1400" dirty="0"/>
-                    </a:p>
-                  </a:txBody>
-                  <a:tcPr/>
-                </a:tc>
-                <a:tc>
-                  <a:txBody>
-                    <a:bodyPr/>
-                    <a:lstStyle/>
-                    <a:p>
-                      <a:endParaRPr lang="en-US" sz="1400" dirty="0"/>
-                    </a:p>
-                  </a:txBody>
-                  <a:tcPr/>
-                </a:tc>
-                <a:tc>
-                  <a:txBody>
-                    <a:bodyPr/>
-                    <a:lstStyle/>
-                    <a:p>
-                      <a:endParaRPr lang="en-US" sz="1400" dirty="0"/>
-                    </a:p>
-                  </a:txBody>
-                  <a:tcPr/>
-                </a:tc>
-                <a:tc>
-                  <a:txBody>
-                    <a:bodyPr/>
-                    <a:lstStyle/>
-                    <a:p>
-                      <a:endParaRPr lang="en-US" sz="1400" dirty="0"/>
-                    </a:p>
-                  </a:txBody>
-                  <a:tcPr/>
-                </a:tc>
-                <a:extLst>
-                  <a:ext uri="{0D108BD9-81ED-4DB2-BD59-A6C34878D82A}">
-                    <a16:rowId xmlns:a16="http://schemas.microsoft.com/office/drawing/2014/main" val="567793856"/>
-                  </a:ext>
-                </a:extLst>
-              </a:tr>
-            </a:tbl>
-          </a:graphicData>
-        </a:graphic>
-      </p:graphicFrame>
-      <p:sp>
-        <p:nvSpPr>
-          <p:cNvPr id="10" name="Text Placeholder 1">
-            <a:extLst>
-              <a:ext uri="{FF2B5EF4-FFF2-40B4-BE49-F238E27FC236}">
-                <a16:creationId xmlns:a16="http://schemas.microsoft.com/office/drawing/2014/main" id="{EA5F38BF-087D-447A-A428-6BD8DFFD8452}"/>
-              </a:ext>
-            </a:extLst>
-          </p:cNvPr>
-          <p:cNvSpPr txBox="1">
-            <a:spLocks/>
-          </p:cNvSpPr>
+          <p:cNvSpPr txBox="1"/>
           <p:nvPr/>
         </p:nvSpPr>
         <p:spPr>
           <a:xfrm>
-            <a:off x="198963" y="3746388"/>
-            <a:ext cx="2474663" cy="430887"/>
+            <a:off x="109511" y="5092215"/>
+            <a:ext cx="6380742" cy="1169551"/>
+          </a:xfrm>
+          <a:prstGeom prst="rect">
+            <a:avLst/>
+          </a:prstGeom>
+          <a:noFill/>
+        </p:spPr>
+        <p:txBody>
+          <a:bodyPr wrap="square">
+            <a:spAutoFit/>
+          </a:bodyPr>
+          <a:lstStyle/>
+          <a:p>
+            <a:r>
+              <a:rPr lang="en-US" sz="1400" dirty="0">
+                <a:effectLst/>
+                <a:latin typeface="Menlo" panose="020B0609030804020204" pitchFamily="49" charset="0"/>
+              </a:rPr>
+              <a:t>Results for </a:t>
+            </a:r>
+            <a:r>
+              <a:rPr lang="en-US" sz="1400" dirty="0" err="1">
+                <a:effectLst/>
+                <a:latin typeface="Menlo" panose="020B0609030804020204" pitchFamily="49" charset="0"/>
+              </a:rPr>
+              <a:t>RandomForestClassifierModel</a:t>
+            </a:r>
+            <a:r>
+              <a:rPr lang="en-US" sz="1400" dirty="0">
+                <a:effectLst/>
+                <a:latin typeface="Menlo" panose="020B0609030804020204" pitchFamily="49" charset="0"/>
+              </a:rPr>
+              <a:t>: {'accuracy': 0.7918581746552856, 'precision': 0.8346774193548387, 'recall': 0.637904468412943, 'f1_score': 0.7231441048034934}</a:t>
+            </a:r>
+          </a:p>
+          <a:p>
+            <a:r>
+              <a:rPr lang="en-US" sz="1400" dirty="0">
+                <a:effectLst/>
+                <a:latin typeface="Menlo" panose="020B0609030804020204" pitchFamily="49" charset="0"/>
+              </a:rPr>
+              <a:t>Elapsed: 3.5152 seconds</a:t>
+            </a:r>
+          </a:p>
+        </p:txBody>
+      </p:sp>
+      <p:pic>
+        <p:nvPicPr>
+          <p:cNvPr id="6" name="Picture 5">
+            <a:extLst>
+              <a:ext uri="{FF2B5EF4-FFF2-40B4-BE49-F238E27FC236}">
+                <a16:creationId xmlns:a16="http://schemas.microsoft.com/office/drawing/2014/main" id="{A83BC689-6047-6B99-8BA2-7D08C3720890}"/>
+              </a:ext>
+            </a:extLst>
+          </p:cNvPr>
+          <p:cNvPicPr>
+            <a:picLocks noChangeAspect="1"/>
+          </p:cNvPicPr>
+          <p:nvPr/>
+        </p:nvPicPr>
+        <p:blipFill>
+          <a:blip r:embed="rId2"/>
+          <a:stretch>
+            <a:fillRect/>
+          </a:stretch>
+        </p:blipFill>
+        <p:spPr>
+          <a:xfrm>
+            <a:off x="6280272" y="1476965"/>
+            <a:ext cx="5649960" cy="4481336"/>
           </a:xfrm>
           <a:prstGeom prst="rect">
             <a:avLst/>
           </a:prstGeom>
         </p:spPr>
-        <p:txBody>
-          <a:bodyPr vert="horz" wrap="square" lIns="91440" tIns="91440" rIns="182880" bIns="91440" rtlCol="0">
-            <a:spAutoFit/>
-          </a:bodyPr>
-          <a:lstStyle>
-            <a:lvl1pPr marL="228462" marR="0" indent="-228462" algn="l" defTabSz="913632" rtl="0" eaLnBrk="1" fontAlgn="auto" latinLnBrk="0" hangingPunct="1">
-              <a:lnSpc>
-                <a:spcPct val="100000"/>
-              </a:lnSpc>
-              <a:spcBef>
-                <a:spcPts val="0"/>
-              </a:spcBef>
-              <a:spcAft>
-                <a:spcPts val="600"/>
-              </a:spcAft>
-              <a:buClr>
-                <a:schemeClr val="tx1">
-                  <a:lumMod val="50000"/>
-                </a:schemeClr>
-              </a:buClr>
-              <a:buSzPct val="90000"/>
-              <a:buFont typeface="Arial" pitchFamily="34" charset="0"/>
-              <a:buChar char="•"/>
-              <a:tabLst/>
-              <a:defRPr sz="1600" b="0" i="0" kern="1200" spc="0" baseline="0">
-                <a:solidFill>
-                  <a:schemeClr val="accent1"/>
-                </a:solidFill>
-                <a:latin typeface="+mn-lt"/>
-                <a:ea typeface="Helvetica Neue" panose="02000503000000020004" pitchFamily="2" charset="0"/>
-                <a:cs typeface="Helvetica Neue" panose="02000503000000020004" pitchFamily="2" charset="0"/>
-              </a:defRPr>
-            </a:lvl1pPr>
-            <a:lvl2pPr marL="458512" marR="0" indent="-172934" algn="l" defTabSz="913632" rtl="0" eaLnBrk="1" fontAlgn="auto" latinLnBrk="0" hangingPunct="1">
-              <a:lnSpc>
-                <a:spcPct val="100000"/>
-              </a:lnSpc>
-              <a:spcBef>
-                <a:spcPts val="0"/>
-              </a:spcBef>
-              <a:spcAft>
-                <a:spcPts val="600"/>
-              </a:spcAft>
-              <a:buClr>
-                <a:schemeClr val="tx1">
-                  <a:lumMod val="50000"/>
-                </a:schemeClr>
-              </a:buClr>
-              <a:buSzPct val="90000"/>
-              <a:buFont typeface="Arial" pitchFamily="34" charset="0"/>
-              <a:buChar char="•"/>
-              <a:tabLst/>
-              <a:defRPr sz="1400" b="0" i="0" kern="1200" spc="0" baseline="0">
-                <a:solidFill>
-                  <a:schemeClr val="accent1"/>
-                </a:solidFill>
-                <a:latin typeface="+mn-lt"/>
-                <a:ea typeface="Helvetica Neue" panose="02000503000000020004" pitchFamily="2" charset="0"/>
-                <a:cs typeface="Helvetica Neue" panose="02000503000000020004" pitchFamily="2" charset="0"/>
-              </a:defRPr>
-            </a:lvl2pPr>
-            <a:lvl3pPr marL="631446" marR="0" indent="-115818" algn="l" defTabSz="913632" rtl="0" eaLnBrk="1" fontAlgn="auto" latinLnBrk="0" hangingPunct="1">
-              <a:lnSpc>
-                <a:spcPct val="100000"/>
-              </a:lnSpc>
-              <a:spcBef>
-                <a:spcPts val="0"/>
-              </a:spcBef>
-              <a:spcAft>
-                <a:spcPts val="600"/>
-              </a:spcAft>
-              <a:buClr>
-                <a:schemeClr val="tx1">
-                  <a:lumMod val="50000"/>
-                </a:schemeClr>
-              </a:buClr>
-              <a:buSzPct val="90000"/>
-              <a:buFont typeface="Arial" pitchFamily="34" charset="0"/>
-              <a:buChar char="•"/>
-              <a:tabLst/>
-              <a:defRPr sz="1200" b="0" i="0" kern="1200" spc="0" baseline="0">
-                <a:solidFill>
-                  <a:schemeClr val="accent1"/>
-                </a:solidFill>
-                <a:latin typeface="+mn-lt"/>
-                <a:ea typeface="Helvetica Neue" panose="02000503000000020004" pitchFamily="2" charset="0"/>
-                <a:cs typeface="Helvetica Neue" panose="02000503000000020004" pitchFamily="2" charset="0"/>
-              </a:defRPr>
-            </a:lvl3pPr>
-            <a:lvl4pPr marL="802793" marR="0" indent="-114232" algn="l" defTabSz="913632" rtl="0" eaLnBrk="1" fontAlgn="auto" latinLnBrk="0" hangingPunct="1">
-              <a:lnSpc>
-                <a:spcPct val="100000"/>
-              </a:lnSpc>
-              <a:spcBef>
-                <a:spcPts val="0"/>
-              </a:spcBef>
-              <a:spcAft>
-                <a:spcPts val="600"/>
-              </a:spcAft>
-              <a:buClr>
-                <a:schemeClr val="tx1">
-                  <a:lumMod val="50000"/>
-                </a:schemeClr>
-              </a:buClr>
-              <a:buSzPct val="90000"/>
-              <a:buFont typeface="Arial" pitchFamily="34" charset="0"/>
-              <a:buChar char="•"/>
-              <a:tabLst/>
-              <a:defRPr sz="1050" b="0" i="0" kern="1200" spc="0" baseline="0">
-                <a:solidFill>
-                  <a:schemeClr val="accent1"/>
-                </a:solidFill>
-                <a:latin typeface="+mn-lt"/>
-                <a:ea typeface="Helvetica Neue" panose="02000503000000020004" pitchFamily="2" charset="0"/>
-                <a:cs typeface="Helvetica Neue" panose="02000503000000020004" pitchFamily="2" charset="0"/>
-              </a:defRPr>
-            </a:lvl4pPr>
-            <a:lvl5pPr marL="975727" marR="0" indent="-120578" algn="l" defTabSz="913632" rtl="0" eaLnBrk="1" fontAlgn="auto" latinLnBrk="0" hangingPunct="1">
-              <a:lnSpc>
-                <a:spcPct val="100000"/>
-              </a:lnSpc>
-              <a:spcBef>
-                <a:spcPts val="0"/>
-              </a:spcBef>
-              <a:spcAft>
-                <a:spcPts val="600"/>
-              </a:spcAft>
-              <a:buClr>
-                <a:schemeClr val="tx1">
-                  <a:lumMod val="50000"/>
-                </a:schemeClr>
-              </a:buClr>
-              <a:buSzPct val="90000"/>
-              <a:buFont typeface="Arial" pitchFamily="34" charset="0"/>
-              <a:buChar char="•"/>
-              <a:tabLst/>
-              <a:defRPr sz="900" b="0" i="0" kern="1200" spc="0" baseline="0">
-                <a:solidFill>
-                  <a:schemeClr val="accent1"/>
-                </a:solidFill>
-                <a:latin typeface="+mn-lt"/>
-                <a:ea typeface="Helvetica Neue" panose="02000503000000020004" pitchFamily="2" charset="0"/>
-                <a:cs typeface="Helvetica Neue" panose="02000503000000020004" pitchFamily="2" charset="0"/>
-              </a:defRPr>
-            </a:lvl5pPr>
-            <a:lvl6pPr marL="2512488" indent="-228408" algn="l" defTabSz="913632" rtl="0" eaLnBrk="1" latinLnBrk="0" hangingPunct="1">
-              <a:spcBef>
-                <a:spcPct val="20000"/>
-              </a:spcBef>
-              <a:buFont typeface="Arial" pitchFamily="34" charset="0"/>
-              <a:buChar char="•"/>
-              <a:defRPr sz="1958" kern="1200">
-                <a:solidFill>
-                  <a:schemeClr val="tx1"/>
-                </a:solidFill>
-                <a:latin typeface="+mn-lt"/>
-                <a:ea typeface="+mn-ea"/>
-                <a:cs typeface="+mn-cs"/>
-              </a:defRPr>
-            </a:lvl6pPr>
-            <a:lvl7pPr marL="2969305" indent="-228408" algn="l" defTabSz="913632" rtl="0" eaLnBrk="1" latinLnBrk="0" hangingPunct="1">
-              <a:spcBef>
-                <a:spcPct val="20000"/>
-              </a:spcBef>
-              <a:buFont typeface="Arial" pitchFamily="34" charset="0"/>
-              <a:buChar char="•"/>
-              <a:defRPr sz="1958" kern="1200">
-                <a:solidFill>
-                  <a:schemeClr val="tx1"/>
-                </a:solidFill>
-                <a:latin typeface="+mn-lt"/>
-                <a:ea typeface="+mn-ea"/>
-                <a:cs typeface="+mn-cs"/>
-              </a:defRPr>
-            </a:lvl7pPr>
-            <a:lvl8pPr marL="3426121" indent="-228408" algn="l" defTabSz="913632" rtl="0" eaLnBrk="1" latinLnBrk="0" hangingPunct="1">
-              <a:spcBef>
-                <a:spcPct val="20000"/>
-              </a:spcBef>
-              <a:buFont typeface="Arial" pitchFamily="34" charset="0"/>
-              <a:buChar char="•"/>
-              <a:defRPr sz="1958" kern="1200">
-                <a:solidFill>
-                  <a:schemeClr val="tx1"/>
-                </a:solidFill>
-                <a:latin typeface="+mn-lt"/>
-                <a:ea typeface="+mn-ea"/>
-                <a:cs typeface="+mn-cs"/>
-              </a:defRPr>
-            </a:lvl8pPr>
-            <a:lvl9pPr marL="3882937" indent="-228408" algn="l" defTabSz="913632" rtl="0" eaLnBrk="1" latinLnBrk="0" hangingPunct="1">
-              <a:spcBef>
-                <a:spcPct val="20000"/>
-              </a:spcBef>
-              <a:buFont typeface="Arial" pitchFamily="34" charset="0"/>
-              <a:buChar char="•"/>
-              <a:defRPr sz="1958" kern="1200">
-                <a:solidFill>
-                  <a:schemeClr val="tx1"/>
-                </a:solidFill>
-                <a:latin typeface="+mn-lt"/>
-                <a:ea typeface="+mn-ea"/>
-                <a:cs typeface="+mn-cs"/>
-              </a:defRPr>
-            </a:lvl9pPr>
-          </a:lstStyle>
-          <a:p>
-            <a:pPr marL="0" indent="0">
-              <a:buNone/>
-            </a:pPr>
-            <a:r>
-              <a:rPr lang="en-US" b="1" dirty="0"/>
-              <a:t>Classification Report</a:t>
-            </a:r>
-          </a:p>
-        </p:txBody>
-      </p:sp>
+      </p:pic>
       <p:sp>
         <p:nvSpPr>
-          <p:cNvPr id="11" name="Text Placeholder 1">
+          <p:cNvPr id="12" name="TextBox 11">
             <a:extLst>
               <a:ext uri="{FF2B5EF4-FFF2-40B4-BE49-F238E27FC236}">
-                <a16:creationId xmlns:a16="http://schemas.microsoft.com/office/drawing/2014/main" id="{1DD7B44D-4E9F-18D5-98C7-5F42A2FC948F}"/>
+                <a16:creationId xmlns:a16="http://schemas.microsoft.com/office/drawing/2014/main" id="{9AA09F82-257F-93B5-AD97-14081A4BE95A}"/>
               </a:ext>
             </a:extLst>
           </p:cNvPr>
-          <p:cNvSpPr txBox="1">
-            <a:spLocks/>
-          </p:cNvSpPr>
+          <p:cNvSpPr txBox="1"/>
           <p:nvPr/>
         </p:nvSpPr>
         <p:spPr>
           <a:xfrm>
-            <a:off x="8252973" y="1736230"/>
-            <a:ext cx="3286358" cy="430887"/>
+            <a:off x="109510" y="3214778"/>
+            <a:ext cx="5575673" cy="1169551"/>
           </a:xfrm>
           <a:prstGeom prst="rect">
             <a:avLst/>
           </a:prstGeom>
+          <a:noFill/>
         </p:spPr>
         <p:txBody>
-          <a:bodyPr vert="horz" wrap="square" lIns="91440" tIns="91440" rIns="182880" bIns="91440" rtlCol="0">
+          <a:bodyPr wrap="square">
             <a:spAutoFit/>
           </a:bodyPr>
-          <a:lstStyle>
-            <a:lvl1pPr marL="228462" marR="0" indent="-228462" algn="l" defTabSz="913632" rtl="0" eaLnBrk="1" fontAlgn="auto" latinLnBrk="0" hangingPunct="1">
-              <a:lnSpc>
-                <a:spcPct val="100000"/>
-              </a:lnSpc>
-              <a:spcBef>
-                <a:spcPts val="0"/>
-              </a:spcBef>
-              <a:spcAft>
-                <a:spcPts val="600"/>
-              </a:spcAft>
-              <a:buClr>
-                <a:schemeClr val="tx1">
-                  <a:lumMod val="50000"/>
-                </a:schemeClr>
-              </a:buClr>
-              <a:buSzPct val="90000"/>
-              <a:buFont typeface="Arial" pitchFamily="34" charset="0"/>
-              <a:buChar char="•"/>
-              <a:tabLst/>
-              <a:defRPr sz="1600" b="0" i="0" kern="1200" spc="0" baseline="0">
-                <a:solidFill>
-                  <a:schemeClr val="accent1"/>
-                </a:solidFill>
-                <a:latin typeface="+mn-lt"/>
-                <a:ea typeface="Helvetica Neue" panose="02000503000000020004" pitchFamily="2" charset="0"/>
-                <a:cs typeface="Helvetica Neue" panose="02000503000000020004" pitchFamily="2" charset="0"/>
-              </a:defRPr>
-            </a:lvl1pPr>
-            <a:lvl2pPr marL="458512" marR="0" indent="-172934" algn="l" defTabSz="913632" rtl="0" eaLnBrk="1" fontAlgn="auto" latinLnBrk="0" hangingPunct="1">
-              <a:lnSpc>
-                <a:spcPct val="100000"/>
-              </a:lnSpc>
-              <a:spcBef>
-                <a:spcPts val="0"/>
-              </a:spcBef>
-              <a:spcAft>
-                <a:spcPts val="600"/>
-              </a:spcAft>
-              <a:buClr>
-                <a:schemeClr val="tx1">
-                  <a:lumMod val="50000"/>
-                </a:schemeClr>
-              </a:buClr>
-              <a:buSzPct val="90000"/>
-              <a:buFont typeface="Arial" pitchFamily="34" charset="0"/>
-              <a:buChar char="•"/>
-              <a:tabLst/>
-              <a:defRPr sz="1400" b="0" i="0" kern="1200" spc="0" baseline="0">
-                <a:solidFill>
-                  <a:schemeClr val="accent1"/>
-                </a:solidFill>
-                <a:latin typeface="+mn-lt"/>
-                <a:ea typeface="Helvetica Neue" panose="02000503000000020004" pitchFamily="2" charset="0"/>
-                <a:cs typeface="Helvetica Neue" panose="02000503000000020004" pitchFamily="2" charset="0"/>
-              </a:defRPr>
-            </a:lvl2pPr>
-            <a:lvl3pPr marL="631446" marR="0" indent="-115818" algn="l" defTabSz="913632" rtl="0" eaLnBrk="1" fontAlgn="auto" latinLnBrk="0" hangingPunct="1">
-              <a:lnSpc>
-                <a:spcPct val="100000"/>
-              </a:lnSpc>
-              <a:spcBef>
-                <a:spcPts val="0"/>
-              </a:spcBef>
-              <a:spcAft>
-                <a:spcPts val="600"/>
-              </a:spcAft>
-              <a:buClr>
-                <a:schemeClr val="tx1">
-                  <a:lumMod val="50000"/>
-                </a:schemeClr>
-              </a:buClr>
-              <a:buSzPct val="90000"/>
-              <a:buFont typeface="Arial" pitchFamily="34" charset="0"/>
-              <a:buChar char="•"/>
-              <a:tabLst/>
-              <a:defRPr sz="1200" b="0" i="0" kern="1200" spc="0" baseline="0">
-                <a:solidFill>
-                  <a:schemeClr val="accent1"/>
-                </a:solidFill>
-                <a:latin typeface="+mn-lt"/>
-                <a:ea typeface="Helvetica Neue" panose="02000503000000020004" pitchFamily="2" charset="0"/>
-                <a:cs typeface="Helvetica Neue" panose="02000503000000020004" pitchFamily="2" charset="0"/>
-              </a:defRPr>
-            </a:lvl3pPr>
-            <a:lvl4pPr marL="802793" marR="0" indent="-114232" algn="l" defTabSz="913632" rtl="0" eaLnBrk="1" fontAlgn="auto" latinLnBrk="0" hangingPunct="1">
-              <a:lnSpc>
-                <a:spcPct val="100000"/>
-              </a:lnSpc>
-              <a:spcBef>
-                <a:spcPts val="0"/>
-              </a:spcBef>
-              <a:spcAft>
-                <a:spcPts val="600"/>
-              </a:spcAft>
-              <a:buClr>
-                <a:schemeClr val="tx1">
-                  <a:lumMod val="50000"/>
-                </a:schemeClr>
-              </a:buClr>
-              <a:buSzPct val="90000"/>
-              <a:buFont typeface="Arial" pitchFamily="34" charset="0"/>
-              <a:buChar char="•"/>
-              <a:tabLst/>
-              <a:defRPr sz="1050" b="0" i="0" kern="1200" spc="0" baseline="0">
-                <a:solidFill>
-                  <a:schemeClr val="accent1"/>
-                </a:solidFill>
-                <a:latin typeface="+mn-lt"/>
-                <a:ea typeface="Helvetica Neue" panose="02000503000000020004" pitchFamily="2" charset="0"/>
-                <a:cs typeface="Helvetica Neue" panose="02000503000000020004" pitchFamily="2" charset="0"/>
-              </a:defRPr>
-            </a:lvl4pPr>
-            <a:lvl5pPr marL="975727" marR="0" indent="-120578" algn="l" defTabSz="913632" rtl="0" eaLnBrk="1" fontAlgn="auto" latinLnBrk="0" hangingPunct="1">
-              <a:lnSpc>
-                <a:spcPct val="100000"/>
-              </a:lnSpc>
-              <a:spcBef>
-                <a:spcPts val="0"/>
-              </a:spcBef>
-              <a:spcAft>
-                <a:spcPts val="600"/>
-              </a:spcAft>
-              <a:buClr>
-                <a:schemeClr val="tx1">
-                  <a:lumMod val="50000"/>
-                </a:schemeClr>
-              </a:buClr>
-              <a:buSzPct val="90000"/>
-              <a:buFont typeface="Arial" pitchFamily="34" charset="0"/>
-              <a:buChar char="•"/>
-              <a:tabLst/>
-              <a:defRPr sz="900" b="0" i="0" kern="1200" spc="0" baseline="0">
-                <a:solidFill>
-                  <a:schemeClr val="accent1"/>
-                </a:solidFill>
-                <a:latin typeface="+mn-lt"/>
-                <a:ea typeface="Helvetica Neue" panose="02000503000000020004" pitchFamily="2" charset="0"/>
-                <a:cs typeface="Helvetica Neue" panose="02000503000000020004" pitchFamily="2" charset="0"/>
-              </a:defRPr>
-            </a:lvl5pPr>
-            <a:lvl6pPr marL="2512488" indent="-228408" algn="l" defTabSz="913632" rtl="0" eaLnBrk="1" latinLnBrk="0" hangingPunct="1">
-              <a:spcBef>
-                <a:spcPct val="20000"/>
-              </a:spcBef>
-              <a:buFont typeface="Arial" pitchFamily="34" charset="0"/>
-              <a:buChar char="•"/>
-              <a:defRPr sz="1958" kern="1200">
-                <a:solidFill>
-                  <a:schemeClr val="tx1"/>
-                </a:solidFill>
-                <a:latin typeface="+mn-lt"/>
-                <a:ea typeface="+mn-ea"/>
-                <a:cs typeface="+mn-cs"/>
-              </a:defRPr>
-            </a:lvl6pPr>
-            <a:lvl7pPr marL="2969305" indent="-228408" algn="l" defTabSz="913632" rtl="0" eaLnBrk="1" latinLnBrk="0" hangingPunct="1">
-              <a:spcBef>
-                <a:spcPct val="20000"/>
-              </a:spcBef>
-              <a:buFont typeface="Arial" pitchFamily="34" charset="0"/>
-              <a:buChar char="•"/>
-              <a:defRPr sz="1958" kern="1200">
-                <a:solidFill>
-                  <a:schemeClr val="tx1"/>
-                </a:solidFill>
-                <a:latin typeface="+mn-lt"/>
-                <a:ea typeface="+mn-ea"/>
-                <a:cs typeface="+mn-cs"/>
-              </a:defRPr>
-            </a:lvl7pPr>
-            <a:lvl8pPr marL="3426121" indent="-228408" algn="l" defTabSz="913632" rtl="0" eaLnBrk="1" latinLnBrk="0" hangingPunct="1">
-              <a:spcBef>
-                <a:spcPct val="20000"/>
-              </a:spcBef>
-              <a:buFont typeface="Arial" pitchFamily="34" charset="0"/>
-              <a:buChar char="•"/>
-              <a:defRPr sz="1958" kern="1200">
-                <a:solidFill>
-                  <a:schemeClr val="tx1"/>
-                </a:solidFill>
-                <a:latin typeface="+mn-lt"/>
-                <a:ea typeface="+mn-ea"/>
-                <a:cs typeface="+mn-cs"/>
-              </a:defRPr>
-            </a:lvl8pPr>
-            <a:lvl9pPr marL="3882937" indent="-228408" algn="l" defTabSz="913632" rtl="0" eaLnBrk="1" latinLnBrk="0" hangingPunct="1">
-              <a:spcBef>
-                <a:spcPct val="20000"/>
-              </a:spcBef>
-              <a:buFont typeface="Arial" pitchFamily="34" charset="0"/>
-              <a:buChar char="•"/>
-              <a:defRPr sz="1958" kern="1200">
-                <a:solidFill>
-                  <a:schemeClr val="tx1"/>
-                </a:solidFill>
-                <a:latin typeface="+mn-lt"/>
-                <a:ea typeface="+mn-ea"/>
-                <a:cs typeface="+mn-cs"/>
-              </a:defRPr>
-            </a:lvl9pPr>
-          </a:lstStyle>
-          <a:p>
-            <a:pPr marL="0" indent="0">
-              <a:buFont typeface="Arial" pitchFamily="34" charset="0"/>
-              <a:buNone/>
-            </a:pPr>
-            <a:r>
-              <a:rPr lang="en-US" b="1" dirty="0"/>
-              <a:t>Precision Recall Plot</a:t>
+          <a:lstStyle/>
+          <a:p>
+            <a:r>
+              <a:rPr lang="en-US" sz="1400" dirty="0">
+                <a:effectLst/>
+                <a:latin typeface="Menlo" panose="020B0609030804020204" pitchFamily="49" charset="0"/>
+              </a:rPr>
+              <a:t>Results for </a:t>
+            </a:r>
+            <a:r>
+              <a:rPr lang="en-US" sz="1400" dirty="0" err="1">
+                <a:effectLst/>
+                <a:latin typeface="Menlo" panose="020B0609030804020204" pitchFamily="49" charset="0"/>
+              </a:rPr>
+              <a:t>LogisticModel</a:t>
+            </a:r>
+            <a:r>
+              <a:rPr lang="en-US" sz="1400" dirty="0">
+                <a:effectLst/>
+                <a:latin typeface="Menlo" panose="020B0609030804020204" pitchFamily="49" charset="0"/>
+              </a:rPr>
+              <a:t>: {'accuracy': 0.7925147734734077, 'precision': 0.8147448015122873, 'recall': 0.6640986132511556, 'f1_score': 0.731748726655348}</a:t>
+            </a:r>
+          </a:p>
+          <a:p>
+            <a:r>
+              <a:rPr lang="en-US" sz="1400" dirty="0">
+                <a:effectLst/>
+                <a:latin typeface="Menlo" panose="020B0609030804020204" pitchFamily="49" charset="0"/>
+              </a:rPr>
+              <a:t>Elapsed: 0.09 seconds</a:t>
             </a:r>
           </a:p>
         </p:txBody>
@@ -17688,623 +12029,6 @@
           </a:p>
         </p:txBody>
       </p:sp>
-      <p:graphicFrame>
-        <p:nvGraphicFramePr>
-          <p:cNvPr id="9" name="Table 8">
-            <a:extLst>
-              <a:ext uri="{FF2B5EF4-FFF2-40B4-BE49-F238E27FC236}">
-                <a16:creationId xmlns:a16="http://schemas.microsoft.com/office/drawing/2014/main" id="{14007B8D-FAC5-11DC-6ED8-06CEC51222A6}"/>
-              </a:ext>
-            </a:extLst>
-          </p:cNvPr>
-          <p:cNvGraphicFramePr>
-            <a:graphicFrameLocks noGrp="1"/>
-          </p:cNvGraphicFramePr>
-          <p:nvPr>
-            <p:extLst>
-              <p:ext uri="{D42A27DB-BD31-4B8C-83A1-F6EECF244321}">
-                <p14:modId xmlns:p14="http://schemas.microsoft.com/office/powerpoint/2010/main" val="2545876357"/>
-              </p:ext>
-            </p:extLst>
-          </p:nvPr>
-        </p:nvGraphicFramePr>
-        <p:xfrm>
-          <a:off x="274392" y="4168545"/>
-          <a:ext cx="6952975" cy="1576275"/>
-        </p:xfrm>
-        <a:graphic>
-          <a:graphicData uri="http://schemas.openxmlformats.org/drawingml/2006/table">
-            <a:tbl>
-              <a:tblPr firstRow="1" bandRow="1">
-                <a:tableStyleId>{C083E6E3-FA7D-4D7B-A595-EF9225AFEA82}</a:tableStyleId>
-              </a:tblPr>
-              <a:tblGrid>
-                <a:gridCol w="1390595">
-                  <a:extLst>
-                    <a:ext uri="{9D8B030D-6E8A-4147-A177-3AD203B41FA5}">
-                      <a16:colId xmlns:a16="http://schemas.microsoft.com/office/drawing/2014/main" val="3316613107"/>
-                    </a:ext>
-                  </a:extLst>
-                </a:gridCol>
-                <a:gridCol w="1390595">
-                  <a:extLst>
-                    <a:ext uri="{9D8B030D-6E8A-4147-A177-3AD203B41FA5}">
-                      <a16:colId xmlns:a16="http://schemas.microsoft.com/office/drawing/2014/main" val="4065112024"/>
-                    </a:ext>
-                  </a:extLst>
-                </a:gridCol>
-                <a:gridCol w="1390595">
-                  <a:extLst>
-                    <a:ext uri="{9D8B030D-6E8A-4147-A177-3AD203B41FA5}">
-                      <a16:colId xmlns:a16="http://schemas.microsoft.com/office/drawing/2014/main" val="2289020803"/>
-                    </a:ext>
-                  </a:extLst>
-                </a:gridCol>
-                <a:gridCol w="1390595">
-                  <a:extLst>
-                    <a:ext uri="{9D8B030D-6E8A-4147-A177-3AD203B41FA5}">
-                      <a16:colId xmlns:a16="http://schemas.microsoft.com/office/drawing/2014/main" val="3006722418"/>
-                    </a:ext>
-                  </a:extLst>
-                </a:gridCol>
-                <a:gridCol w="1390595">
-                  <a:extLst>
-                    <a:ext uri="{9D8B030D-6E8A-4147-A177-3AD203B41FA5}">
-                      <a16:colId xmlns:a16="http://schemas.microsoft.com/office/drawing/2014/main" val="3047965245"/>
-                    </a:ext>
-                  </a:extLst>
-                </a:gridCol>
-              </a:tblGrid>
-              <a:tr h="315255">
-                <a:tc>
-                  <a:txBody>
-                    <a:bodyPr/>
-                    <a:lstStyle/>
-                    <a:p>
-                      <a:endParaRPr lang="en-US" sz="1400" dirty="0"/>
-                    </a:p>
-                  </a:txBody>
-                  <a:tcPr/>
-                </a:tc>
-                <a:tc>
-                  <a:txBody>
-                    <a:bodyPr/>
-                    <a:lstStyle/>
-                    <a:p>
-                      <a:r>
-                        <a:rPr lang="en-US" sz="1400" dirty="0"/>
-                        <a:t>Precision</a:t>
-                      </a:r>
-                    </a:p>
-                  </a:txBody>
-                  <a:tcPr/>
-                </a:tc>
-                <a:tc>
-                  <a:txBody>
-                    <a:bodyPr/>
-                    <a:lstStyle/>
-                    <a:p>
-                      <a:r>
-                        <a:rPr lang="en-US" sz="1400" dirty="0"/>
-                        <a:t>Recall</a:t>
-                      </a:r>
-                    </a:p>
-                  </a:txBody>
-                  <a:tcPr/>
-                </a:tc>
-                <a:tc>
-                  <a:txBody>
-                    <a:bodyPr/>
-                    <a:lstStyle/>
-                    <a:p>
-                      <a:r>
-                        <a:rPr lang="en-US" sz="1400" dirty="0"/>
-                        <a:t>F1-score</a:t>
-                      </a:r>
-                    </a:p>
-                  </a:txBody>
-                  <a:tcPr/>
-                </a:tc>
-                <a:tc>
-                  <a:txBody>
-                    <a:bodyPr/>
-                    <a:lstStyle/>
-                    <a:p>
-                      <a:r>
-                        <a:rPr lang="en-US" sz="1400" dirty="0"/>
-                        <a:t>Support</a:t>
-                      </a:r>
-                    </a:p>
-                  </a:txBody>
-                  <a:tcPr/>
-                </a:tc>
-                <a:extLst>
-                  <a:ext uri="{0D108BD9-81ED-4DB2-BD59-A6C34878D82A}">
-                    <a16:rowId xmlns:a16="http://schemas.microsoft.com/office/drawing/2014/main" val="3723781388"/>
-                  </a:ext>
-                </a:extLst>
-              </a:tr>
-              <a:tr h="315255">
-                <a:tc>
-                  <a:txBody>
-                    <a:bodyPr/>
-                    <a:lstStyle/>
-                    <a:p>
-                      <a:endParaRPr lang="en-US" sz="1400" dirty="0"/>
-                    </a:p>
-                  </a:txBody>
-                  <a:tcPr/>
-                </a:tc>
-                <a:tc>
-                  <a:txBody>
-                    <a:bodyPr/>
-                    <a:lstStyle/>
-                    <a:p>
-                      <a:endParaRPr lang="en-US" sz="1400" dirty="0"/>
-                    </a:p>
-                  </a:txBody>
-                  <a:tcPr/>
-                </a:tc>
-                <a:tc>
-                  <a:txBody>
-                    <a:bodyPr/>
-                    <a:lstStyle/>
-                    <a:p>
-                      <a:endParaRPr lang="en-US" sz="1400"/>
-                    </a:p>
-                  </a:txBody>
-                  <a:tcPr/>
-                </a:tc>
-                <a:tc>
-                  <a:txBody>
-                    <a:bodyPr/>
-                    <a:lstStyle/>
-                    <a:p>
-                      <a:endParaRPr lang="en-US" sz="1400"/>
-                    </a:p>
-                  </a:txBody>
-                  <a:tcPr/>
-                </a:tc>
-                <a:tc>
-                  <a:txBody>
-                    <a:bodyPr/>
-                    <a:lstStyle/>
-                    <a:p>
-                      <a:endParaRPr lang="en-US" sz="1400"/>
-                    </a:p>
-                  </a:txBody>
-                  <a:tcPr/>
-                </a:tc>
-                <a:extLst>
-                  <a:ext uri="{0D108BD9-81ED-4DB2-BD59-A6C34878D82A}">
-                    <a16:rowId xmlns:a16="http://schemas.microsoft.com/office/drawing/2014/main" val="2479040546"/>
-                  </a:ext>
-                </a:extLst>
-              </a:tr>
-              <a:tr h="315255">
-                <a:tc>
-                  <a:txBody>
-                    <a:bodyPr/>
-                    <a:lstStyle/>
-                    <a:p>
-                      <a:r>
-                        <a:rPr lang="en-US" sz="1400" dirty="0"/>
-                        <a:t>Accuracy</a:t>
-                      </a:r>
-                    </a:p>
-                  </a:txBody>
-                  <a:tcPr/>
-                </a:tc>
-                <a:tc>
-                  <a:txBody>
-                    <a:bodyPr/>
-                    <a:lstStyle/>
-                    <a:p>
-                      <a:endParaRPr lang="en-US" sz="1400" dirty="0"/>
-                    </a:p>
-                  </a:txBody>
-                  <a:tcPr/>
-                </a:tc>
-                <a:tc>
-                  <a:txBody>
-                    <a:bodyPr/>
-                    <a:lstStyle/>
-                    <a:p>
-                      <a:endParaRPr lang="en-US" sz="1400" dirty="0"/>
-                    </a:p>
-                  </a:txBody>
-                  <a:tcPr/>
-                </a:tc>
-                <a:tc>
-                  <a:txBody>
-                    <a:bodyPr/>
-                    <a:lstStyle/>
-                    <a:p>
-                      <a:endParaRPr lang="en-US" sz="1400"/>
-                    </a:p>
-                  </a:txBody>
-                  <a:tcPr/>
-                </a:tc>
-                <a:tc>
-                  <a:txBody>
-                    <a:bodyPr/>
-                    <a:lstStyle/>
-                    <a:p>
-                      <a:endParaRPr lang="en-US" sz="1400"/>
-                    </a:p>
-                  </a:txBody>
-                  <a:tcPr/>
-                </a:tc>
-                <a:extLst>
-                  <a:ext uri="{0D108BD9-81ED-4DB2-BD59-A6C34878D82A}">
-                    <a16:rowId xmlns:a16="http://schemas.microsoft.com/office/drawing/2014/main" val="2695798934"/>
-                  </a:ext>
-                </a:extLst>
-              </a:tr>
-              <a:tr h="315255">
-                <a:tc>
-                  <a:txBody>
-                    <a:bodyPr/>
-                    <a:lstStyle/>
-                    <a:p>
-                      <a:r>
-                        <a:rPr lang="en-US" sz="1400" dirty="0"/>
-                        <a:t>Macro avg.</a:t>
-                      </a:r>
-                    </a:p>
-                  </a:txBody>
-                  <a:tcPr/>
-                </a:tc>
-                <a:tc>
-                  <a:txBody>
-                    <a:bodyPr/>
-                    <a:lstStyle/>
-                    <a:p>
-                      <a:endParaRPr lang="en-US" sz="1400"/>
-                    </a:p>
-                  </a:txBody>
-                  <a:tcPr/>
-                </a:tc>
-                <a:tc>
-                  <a:txBody>
-                    <a:bodyPr/>
-                    <a:lstStyle/>
-                    <a:p>
-                      <a:endParaRPr lang="en-US" sz="1400" dirty="0"/>
-                    </a:p>
-                  </a:txBody>
-                  <a:tcPr/>
-                </a:tc>
-                <a:tc>
-                  <a:txBody>
-                    <a:bodyPr/>
-                    <a:lstStyle/>
-                    <a:p>
-                      <a:endParaRPr lang="en-US" sz="1400" dirty="0"/>
-                    </a:p>
-                  </a:txBody>
-                  <a:tcPr/>
-                </a:tc>
-                <a:tc>
-                  <a:txBody>
-                    <a:bodyPr/>
-                    <a:lstStyle/>
-                    <a:p>
-                      <a:endParaRPr lang="en-US" sz="1400" dirty="0"/>
-                    </a:p>
-                  </a:txBody>
-                  <a:tcPr/>
-                </a:tc>
-                <a:extLst>
-                  <a:ext uri="{0D108BD9-81ED-4DB2-BD59-A6C34878D82A}">
-                    <a16:rowId xmlns:a16="http://schemas.microsoft.com/office/drawing/2014/main" val="3400326281"/>
-                  </a:ext>
-                </a:extLst>
-              </a:tr>
-              <a:tr h="315255">
-                <a:tc>
-                  <a:txBody>
-                    <a:bodyPr/>
-                    <a:lstStyle/>
-                    <a:p>
-                      <a:r>
-                        <a:rPr lang="en-US" sz="1400" dirty="0"/>
-                        <a:t>Weighted avg.</a:t>
-                      </a:r>
-                    </a:p>
-                  </a:txBody>
-                  <a:tcPr/>
-                </a:tc>
-                <a:tc>
-                  <a:txBody>
-                    <a:bodyPr/>
-                    <a:lstStyle/>
-                    <a:p>
-                      <a:endParaRPr lang="en-US" sz="1400" dirty="0"/>
-                    </a:p>
-                  </a:txBody>
-                  <a:tcPr/>
-                </a:tc>
-                <a:tc>
-                  <a:txBody>
-                    <a:bodyPr/>
-                    <a:lstStyle/>
-                    <a:p>
-                      <a:endParaRPr lang="en-US" sz="1400" dirty="0"/>
-                    </a:p>
-                  </a:txBody>
-                  <a:tcPr/>
-                </a:tc>
-                <a:tc>
-                  <a:txBody>
-                    <a:bodyPr/>
-                    <a:lstStyle/>
-                    <a:p>
-                      <a:endParaRPr lang="en-US" sz="1400" dirty="0"/>
-                    </a:p>
-                  </a:txBody>
-                  <a:tcPr/>
-                </a:tc>
-                <a:tc>
-                  <a:txBody>
-                    <a:bodyPr/>
-                    <a:lstStyle/>
-                    <a:p>
-                      <a:endParaRPr lang="en-US" sz="1400" dirty="0"/>
-                    </a:p>
-                  </a:txBody>
-                  <a:tcPr/>
-                </a:tc>
-                <a:extLst>
-                  <a:ext uri="{0D108BD9-81ED-4DB2-BD59-A6C34878D82A}">
-                    <a16:rowId xmlns:a16="http://schemas.microsoft.com/office/drawing/2014/main" val="567793856"/>
-                  </a:ext>
-                </a:extLst>
-              </a:tr>
-            </a:tbl>
-          </a:graphicData>
-        </a:graphic>
-      </p:graphicFrame>
-      <p:sp>
-        <p:nvSpPr>
-          <p:cNvPr id="10" name="Text Placeholder 1">
-            <a:extLst>
-              <a:ext uri="{FF2B5EF4-FFF2-40B4-BE49-F238E27FC236}">
-                <a16:creationId xmlns:a16="http://schemas.microsoft.com/office/drawing/2014/main" id="{44BDA0BA-2983-C87F-FC6A-E058F6B28B9D}"/>
-              </a:ext>
-            </a:extLst>
-          </p:cNvPr>
-          <p:cNvSpPr txBox="1">
-            <a:spLocks/>
-          </p:cNvSpPr>
-          <p:nvPr/>
-        </p:nvSpPr>
-        <p:spPr>
-          <a:xfrm>
-            <a:off x="198963" y="3746388"/>
-            <a:ext cx="2474663" cy="430887"/>
-          </a:xfrm>
-          <a:prstGeom prst="rect">
-            <a:avLst/>
-          </a:prstGeom>
-        </p:spPr>
-        <p:txBody>
-          <a:bodyPr vert="horz" wrap="square" lIns="91440" tIns="91440" rIns="182880" bIns="91440" rtlCol="0">
-            <a:spAutoFit/>
-          </a:bodyPr>
-          <a:lstStyle>
-            <a:lvl1pPr marL="228462" marR="0" indent="-228462" algn="l" defTabSz="913632" rtl="0" eaLnBrk="1" fontAlgn="auto" latinLnBrk="0" hangingPunct="1">
-              <a:lnSpc>
-                <a:spcPct val="100000"/>
-              </a:lnSpc>
-              <a:spcBef>
-                <a:spcPts val="0"/>
-              </a:spcBef>
-              <a:spcAft>
-                <a:spcPts val="600"/>
-              </a:spcAft>
-              <a:buClr>
-                <a:schemeClr val="tx1">
-                  <a:lumMod val="50000"/>
-                </a:schemeClr>
-              </a:buClr>
-              <a:buSzPct val="90000"/>
-              <a:buFont typeface="Arial" pitchFamily="34" charset="0"/>
-              <a:buChar char="•"/>
-              <a:tabLst/>
-              <a:defRPr sz="1600" b="0" i="0" kern="1200" spc="0" baseline="0">
-                <a:solidFill>
-                  <a:schemeClr val="accent1"/>
-                </a:solidFill>
-                <a:latin typeface="+mn-lt"/>
-                <a:ea typeface="Helvetica Neue" panose="02000503000000020004" pitchFamily="2" charset="0"/>
-                <a:cs typeface="Helvetica Neue" panose="02000503000000020004" pitchFamily="2" charset="0"/>
-              </a:defRPr>
-            </a:lvl1pPr>
-            <a:lvl2pPr marL="458512" marR="0" indent="-172934" algn="l" defTabSz="913632" rtl="0" eaLnBrk="1" fontAlgn="auto" latinLnBrk="0" hangingPunct="1">
-              <a:lnSpc>
-                <a:spcPct val="100000"/>
-              </a:lnSpc>
-              <a:spcBef>
-                <a:spcPts val="0"/>
-              </a:spcBef>
-              <a:spcAft>
-                <a:spcPts val="600"/>
-              </a:spcAft>
-              <a:buClr>
-                <a:schemeClr val="tx1">
-                  <a:lumMod val="50000"/>
-                </a:schemeClr>
-              </a:buClr>
-              <a:buSzPct val="90000"/>
-              <a:buFont typeface="Arial" pitchFamily="34" charset="0"/>
-              <a:buChar char="•"/>
-              <a:tabLst/>
-              <a:defRPr sz="1400" b="0" i="0" kern="1200" spc="0" baseline="0">
-                <a:solidFill>
-                  <a:schemeClr val="accent1"/>
-                </a:solidFill>
-                <a:latin typeface="+mn-lt"/>
-                <a:ea typeface="Helvetica Neue" panose="02000503000000020004" pitchFamily="2" charset="0"/>
-                <a:cs typeface="Helvetica Neue" panose="02000503000000020004" pitchFamily="2" charset="0"/>
-              </a:defRPr>
-            </a:lvl2pPr>
-            <a:lvl3pPr marL="631446" marR="0" indent="-115818" algn="l" defTabSz="913632" rtl="0" eaLnBrk="1" fontAlgn="auto" latinLnBrk="0" hangingPunct="1">
-              <a:lnSpc>
-                <a:spcPct val="100000"/>
-              </a:lnSpc>
-              <a:spcBef>
-                <a:spcPts val="0"/>
-              </a:spcBef>
-              <a:spcAft>
-                <a:spcPts val="600"/>
-              </a:spcAft>
-              <a:buClr>
-                <a:schemeClr val="tx1">
-                  <a:lumMod val="50000"/>
-                </a:schemeClr>
-              </a:buClr>
-              <a:buSzPct val="90000"/>
-              <a:buFont typeface="Arial" pitchFamily="34" charset="0"/>
-              <a:buChar char="•"/>
-              <a:tabLst/>
-              <a:defRPr sz="1200" b="0" i="0" kern="1200" spc="0" baseline="0">
-                <a:solidFill>
-                  <a:schemeClr val="accent1"/>
-                </a:solidFill>
-                <a:latin typeface="+mn-lt"/>
-                <a:ea typeface="Helvetica Neue" panose="02000503000000020004" pitchFamily="2" charset="0"/>
-                <a:cs typeface="Helvetica Neue" panose="02000503000000020004" pitchFamily="2" charset="0"/>
-              </a:defRPr>
-            </a:lvl3pPr>
-            <a:lvl4pPr marL="802793" marR="0" indent="-114232" algn="l" defTabSz="913632" rtl="0" eaLnBrk="1" fontAlgn="auto" latinLnBrk="0" hangingPunct="1">
-              <a:lnSpc>
-                <a:spcPct val="100000"/>
-              </a:lnSpc>
-              <a:spcBef>
-                <a:spcPts val="0"/>
-              </a:spcBef>
-              <a:spcAft>
-                <a:spcPts val="600"/>
-              </a:spcAft>
-              <a:buClr>
-                <a:schemeClr val="tx1">
-                  <a:lumMod val="50000"/>
-                </a:schemeClr>
-              </a:buClr>
-              <a:buSzPct val="90000"/>
-              <a:buFont typeface="Arial" pitchFamily="34" charset="0"/>
-              <a:buChar char="•"/>
-              <a:tabLst/>
-              <a:defRPr sz="1050" b="0" i="0" kern="1200" spc="0" baseline="0">
-                <a:solidFill>
-                  <a:schemeClr val="accent1"/>
-                </a:solidFill>
-                <a:latin typeface="+mn-lt"/>
-                <a:ea typeface="Helvetica Neue" panose="02000503000000020004" pitchFamily="2" charset="0"/>
-                <a:cs typeface="Helvetica Neue" panose="02000503000000020004" pitchFamily="2" charset="0"/>
-              </a:defRPr>
-            </a:lvl4pPr>
-            <a:lvl5pPr marL="975727" marR="0" indent="-120578" algn="l" defTabSz="913632" rtl="0" eaLnBrk="1" fontAlgn="auto" latinLnBrk="0" hangingPunct="1">
-              <a:lnSpc>
-                <a:spcPct val="100000"/>
-              </a:lnSpc>
-              <a:spcBef>
-                <a:spcPts val="0"/>
-              </a:spcBef>
-              <a:spcAft>
-                <a:spcPts val="600"/>
-              </a:spcAft>
-              <a:buClr>
-                <a:schemeClr val="tx1">
-                  <a:lumMod val="50000"/>
-                </a:schemeClr>
-              </a:buClr>
-              <a:buSzPct val="90000"/>
-              <a:buFont typeface="Arial" pitchFamily="34" charset="0"/>
-              <a:buChar char="•"/>
-              <a:tabLst/>
-              <a:defRPr sz="900" b="0" i="0" kern="1200" spc="0" baseline="0">
-                <a:solidFill>
-                  <a:schemeClr val="accent1"/>
-                </a:solidFill>
-                <a:latin typeface="+mn-lt"/>
-                <a:ea typeface="Helvetica Neue" panose="02000503000000020004" pitchFamily="2" charset="0"/>
-                <a:cs typeface="Helvetica Neue" panose="02000503000000020004" pitchFamily="2" charset="0"/>
-              </a:defRPr>
-            </a:lvl5pPr>
-            <a:lvl6pPr marL="2512488" indent="-228408" algn="l" defTabSz="913632" rtl="0" eaLnBrk="1" latinLnBrk="0" hangingPunct="1">
-              <a:spcBef>
-                <a:spcPct val="20000"/>
-              </a:spcBef>
-              <a:buFont typeface="Arial" pitchFamily="34" charset="0"/>
-              <a:buChar char="•"/>
-              <a:defRPr sz="1958" kern="1200">
-                <a:solidFill>
-                  <a:schemeClr val="tx1"/>
-                </a:solidFill>
-                <a:latin typeface="+mn-lt"/>
-                <a:ea typeface="+mn-ea"/>
-                <a:cs typeface="+mn-cs"/>
-              </a:defRPr>
-            </a:lvl6pPr>
-            <a:lvl7pPr marL="2969305" indent="-228408" algn="l" defTabSz="913632" rtl="0" eaLnBrk="1" latinLnBrk="0" hangingPunct="1">
-              <a:spcBef>
-                <a:spcPct val="20000"/>
-              </a:spcBef>
-              <a:buFont typeface="Arial" pitchFamily="34" charset="0"/>
-              <a:buChar char="•"/>
-              <a:defRPr sz="1958" kern="1200">
-                <a:solidFill>
-                  <a:schemeClr val="tx1"/>
-                </a:solidFill>
-                <a:latin typeface="+mn-lt"/>
-                <a:ea typeface="+mn-ea"/>
-                <a:cs typeface="+mn-cs"/>
-              </a:defRPr>
-            </a:lvl7pPr>
-            <a:lvl8pPr marL="3426121" indent="-228408" algn="l" defTabSz="913632" rtl="0" eaLnBrk="1" latinLnBrk="0" hangingPunct="1">
-              <a:spcBef>
-                <a:spcPct val="20000"/>
-              </a:spcBef>
-              <a:buFont typeface="Arial" pitchFamily="34" charset="0"/>
-              <a:buChar char="•"/>
-              <a:defRPr sz="1958" kern="1200">
-                <a:solidFill>
-                  <a:schemeClr val="tx1"/>
-                </a:solidFill>
-                <a:latin typeface="+mn-lt"/>
-                <a:ea typeface="+mn-ea"/>
-                <a:cs typeface="+mn-cs"/>
-              </a:defRPr>
-            </a:lvl8pPr>
-            <a:lvl9pPr marL="3882937" indent="-228408" algn="l" defTabSz="913632" rtl="0" eaLnBrk="1" latinLnBrk="0" hangingPunct="1">
-              <a:spcBef>
-                <a:spcPct val="20000"/>
-              </a:spcBef>
-              <a:buFont typeface="Arial" pitchFamily="34" charset="0"/>
-              <a:buChar char="•"/>
-              <a:defRPr sz="1958" kern="1200">
-                <a:solidFill>
-                  <a:schemeClr val="tx1"/>
-                </a:solidFill>
-                <a:latin typeface="+mn-lt"/>
-                <a:ea typeface="+mn-ea"/>
-                <a:cs typeface="+mn-cs"/>
-              </a:defRPr>
-            </a:lvl9pPr>
-          </a:lstStyle>
-          <a:p>
-            <a:pPr marL="0" indent="0">
-              <a:buNone/>
-            </a:pPr>
-            <a:r>
-              <a:rPr lang="en-US" b="1" dirty="0"/>
-              <a:t>Classification Report</a:t>
-            </a:r>
-          </a:p>
-        </p:txBody>
-      </p:sp>
       <p:sp>
         <p:nvSpPr>
           <p:cNvPr id="11" name="Text Placeholder 1">
@@ -18542,6 +12266,67 @@
             <a:r>
               <a:rPr lang="en-US" b="1" dirty="0"/>
               <a:t>Precision Recall Plot</a:t>
+            </a:r>
+          </a:p>
+        </p:txBody>
+      </p:sp>
+      <p:sp>
+        <p:nvSpPr>
+          <p:cNvPr id="5" name="TextBox 4">
+            <a:extLst>
+              <a:ext uri="{FF2B5EF4-FFF2-40B4-BE49-F238E27FC236}">
+                <a16:creationId xmlns:a16="http://schemas.microsoft.com/office/drawing/2014/main" id="{B79D43D3-03D8-1E11-890F-BCBDBB6B7748}"/>
+              </a:ext>
+            </a:extLst>
+          </p:cNvPr>
+          <p:cNvSpPr txBox="1"/>
+          <p:nvPr/>
+        </p:nvSpPr>
+        <p:spPr>
+          <a:xfrm>
+            <a:off x="196297" y="4964526"/>
+            <a:ext cx="8430868" cy="1477328"/>
+          </a:xfrm>
+          <a:prstGeom prst="rect">
+            <a:avLst/>
+          </a:prstGeom>
+          <a:noFill/>
+        </p:spPr>
+        <p:txBody>
+          <a:bodyPr wrap="square">
+            <a:spAutoFit/>
+          </a:bodyPr>
+          <a:lstStyle/>
+          <a:p>
+            <a:r>
+              <a:rPr lang="en-US" dirty="0">
+                <a:effectLst/>
+                <a:latin typeface="Menlo" panose="020B0609030804020204" pitchFamily="49" charset="0"/>
+              </a:rPr>
+              <a:t>Results for </a:t>
+            </a:r>
+            <a:r>
+              <a:rPr lang="en-US" dirty="0" err="1">
+                <a:effectLst/>
+                <a:latin typeface="Menlo" panose="020B0609030804020204" pitchFamily="49" charset="0"/>
+              </a:rPr>
+              <a:t>AdaBoostClassifierModel</a:t>
+            </a:r>
+            <a:r>
+              <a:rPr lang="en-US" dirty="0">
+                <a:effectLst/>
+                <a:latin typeface="Menlo" panose="020B0609030804020204" pitchFamily="49" charset="0"/>
+              </a:rPr>
+              <a:t>: {'accuracy': 0.7334208798424163, 'precision': 0.7755102040816326, 'recall': 0.5269645608628659, 'f1_score': 0.6275229357798164}</a:t>
+            </a:r>
+          </a:p>
+          <a:p>
+            <a:r>
+              <a:rPr lang="en-US" dirty="0">
+                <a:effectLst/>
+                <a:latin typeface="Menlo" panose="020B0609030804020204" pitchFamily="49" charset="0"/>
+              </a:rPr>
+              <a:t>Elapsed: 0.5247 seconds</a:t>
             </a:r>
           </a:p>
         </p:txBody>
